--- a/GAM320/01/GAM320_01_lecture.pptx
+++ b/GAM320/01/GAM320_01_lecture.pptx
@@ -5,14 +5,23 @@
     <p:sldMasterId id="2147483648" r:id="rId1"/>
   </p:sldMasterIdLst>
   <p:notesMasterIdLst>
-    <p:notesMasterId r:id="rId4"/>
+    <p:notesMasterId r:id="rId13"/>
   </p:notesMasterIdLst>
   <p:handoutMasterIdLst>
-    <p:handoutMasterId r:id="rId5"/>
+    <p:handoutMasterId r:id="rId14"/>
   </p:handoutMasterIdLst>
   <p:sldIdLst>
     <p:sldId id="257" r:id="rId2"/>
-    <p:sldId id="409" r:id="rId3"/>
+    <p:sldId id="334" r:id="rId3"/>
+    <p:sldId id="421" r:id="rId4"/>
+    <p:sldId id="422" r:id="rId5"/>
+    <p:sldId id="416" r:id="rId6"/>
+    <p:sldId id="423" r:id="rId7"/>
+    <p:sldId id="332" r:id="rId8"/>
+    <p:sldId id="410" r:id="rId9"/>
+    <p:sldId id="425" r:id="rId10"/>
+    <p:sldId id="426" r:id="rId11"/>
+    <p:sldId id="424" r:id="rId12"/>
   </p:sldIdLst>
   <p:sldSz cx="9144000" cy="6858000" type="screen4x3"/>
   <p:notesSz cx="7315200" cy="9601200"/>
@@ -951,7 +960,7 @@
             <a:fld id="{134C908B-E4CF-4B88-8994-49C91B4DAC10}" type="datetimeFigureOut">
               <a:rPr lang="en-US" smtClean="0"/>
               <a:pPr/>
-              <a:t>9/11/19</a:t>
+              <a:t>9/19/19</a:t>
             </a:fld>
             <a:endParaRPr lang="en-US"/>
           </a:p>
@@ -1113,7 +1122,7 @@
             <a:fld id="{FCD4ED34-E2A7-4A73-B53B-08CB721EE63F}" type="datetimeFigureOut">
               <a:rPr lang="en-US" smtClean="0"/>
               <a:pPr/>
-              <a:t>9/11/19</a:t>
+              <a:t>9/19/19</a:t>
             </a:fld>
             <a:endParaRPr lang="en-GB"/>
           </a:p>
@@ -1576,7 +1585,7 @@
             <a:fld id="{24C0EDFE-3590-4448-BF7B-7FB41E82085F}" type="datetimeFigureOut">
               <a:rPr lang="en-US" smtClean="0"/>
               <a:pPr/>
-              <a:t>9/11/19</a:t>
+              <a:t>9/19/19</a:t>
             </a:fld>
             <a:endParaRPr lang="en-US" dirty="0"/>
           </a:p>
@@ -1765,7 +1774,7 @@
             <a:fld id="{24C0EDFE-3590-4448-BF7B-7FB41E82085F}" type="datetimeFigureOut">
               <a:rPr lang="en-US" smtClean="0"/>
               <a:pPr/>
-              <a:t>9/11/19</a:t>
+              <a:t>9/19/19</a:t>
             </a:fld>
             <a:endParaRPr lang="en-US" dirty="0"/>
           </a:p>
@@ -1943,7 +1952,7 @@
             <a:fld id="{24C0EDFE-3590-4448-BF7B-7FB41E82085F}" type="datetimeFigureOut">
               <a:rPr lang="en-US" smtClean="0"/>
               <a:pPr/>
-              <a:t>9/11/19</a:t>
+              <a:t>9/19/19</a:t>
             </a:fld>
             <a:endParaRPr lang="en-US" dirty="0"/>
           </a:p>
@@ -2192,7 +2201,7 @@
             <a:fld id="{24C0EDFE-3590-4448-BF7B-7FB41E82085F}" type="datetimeFigureOut">
               <a:rPr lang="en-US" smtClean="0"/>
               <a:pPr/>
-              <a:t>9/11/19</a:t>
+              <a:t>9/19/19</a:t>
             </a:fld>
             <a:endParaRPr lang="en-US" dirty="0"/>
           </a:p>
@@ -2514,7 +2523,7 @@
             <a:fld id="{24C0EDFE-3590-4448-BF7B-7FB41E82085F}" type="datetimeFigureOut">
               <a:rPr lang="en-US" smtClean="0"/>
               <a:pPr/>
-              <a:t>9/11/19</a:t>
+              <a:t>9/19/19</a:t>
             </a:fld>
             <a:endParaRPr lang="en-US" dirty="0"/>
           </a:p>
@@ -2820,7 +2829,7 @@
             <a:fld id="{24C0EDFE-3590-4448-BF7B-7FB41E82085F}" type="datetimeFigureOut">
               <a:rPr lang="en-US" smtClean="0"/>
               <a:pPr/>
-              <a:t>9/11/19</a:t>
+              <a:t>9/19/19</a:t>
             </a:fld>
             <a:endParaRPr lang="en-US" dirty="0"/>
           </a:p>
@@ -3244,7 +3253,7 @@
             <a:fld id="{24C0EDFE-3590-4448-BF7B-7FB41E82085F}" type="datetimeFigureOut">
               <a:rPr lang="en-US" smtClean="0"/>
               <a:pPr/>
-              <a:t>9/11/19</a:t>
+              <a:t>9/19/19</a:t>
             </a:fld>
             <a:endParaRPr lang="en-US" dirty="0"/>
           </a:p>
@@ -3366,7 +3375,7 @@
             <a:fld id="{24C0EDFE-3590-4448-BF7B-7FB41E82085F}" type="datetimeFigureOut">
               <a:rPr lang="en-US" smtClean="0"/>
               <a:pPr/>
-              <a:t>9/11/19</a:t>
+              <a:t>9/19/19</a:t>
             </a:fld>
             <a:endParaRPr lang="en-US" dirty="0"/>
           </a:p>
@@ -3458,7 +3467,7 @@
             <a:fld id="{24C0EDFE-3590-4448-BF7B-7FB41E82085F}" type="datetimeFigureOut">
               <a:rPr lang="en-US" smtClean="0"/>
               <a:pPr/>
-              <a:t>9/11/19</a:t>
+              <a:t>9/19/19</a:t>
             </a:fld>
             <a:endParaRPr lang="en-US" dirty="0"/>
           </a:p>
@@ -3733,7 +3742,7 @@
             <a:fld id="{24C0EDFE-3590-4448-BF7B-7FB41E82085F}" type="datetimeFigureOut">
               <a:rPr lang="en-US" smtClean="0"/>
               <a:pPr/>
-              <a:t>9/11/19</a:t>
+              <a:t>9/19/19</a:t>
             </a:fld>
             <a:endParaRPr lang="en-US" dirty="0"/>
           </a:p>
@@ -3985,7 +3994,7 @@
             <a:fld id="{24C0EDFE-3590-4448-BF7B-7FB41E82085F}" type="datetimeFigureOut">
               <a:rPr lang="en-US" smtClean="0"/>
               <a:pPr/>
-              <a:t>9/11/19</a:t>
+              <a:t>9/19/19</a:t>
             </a:fld>
             <a:endParaRPr lang="en-US" dirty="0"/>
           </a:p>
@@ -4162,7 +4171,7 @@
             <a:fld id="{24C0EDFE-3590-4448-BF7B-7FB41E82085F}" type="datetimeFigureOut">
               <a:rPr lang="en-US" smtClean="0"/>
               <a:pPr/>
-              <a:t>9/11/19</a:t>
+              <a:t>9/19/19</a:t>
             </a:fld>
             <a:endParaRPr lang="en-US" dirty="0"/>
           </a:p>
@@ -4827,36 +4836,14 @@
           </a:bodyPr>
           <a:lstStyle/>
           <a:p>
-            <a:pPr marL="0" marR="0" lvl="0" indent="0" defTabSz="914400" rtl="0" eaLnBrk="1" fontAlgn="base" latinLnBrk="0" hangingPunct="1">
-              <a:lnSpc>
-                <a:spcPct val="100000"/>
-              </a:lnSpc>
+            <a:pPr lvl="0" fontAlgn="base">
               <a:spcBef>
                 <a:spcPct val="0"/>
               </a:spcBef>
               <a:spcAft>
                 <a:spcPct val="0"/>
               </a:spcAft>
-              <a:buClrTx/>
-              <a:buSzTx/>
-              <a:buFontTx/>
-              <a:buNone/>
-              <a:tabLst/>
             </a:pPr>
-            <a:r>
-              <a:rPr kumimoji="0" lang="en-US" sz="3600" b="0" i="0" u="none" strike="noStrike" cap="none" normalizeH="0" baseline="0" dirty="0">
-                <a:ln>
-                  <a:noFill/>
-                </a:ln>
-                <a:solidFill>
-                  <a:srgbClr val="FFFFFF"/>
-                </a:solidFill>
-                <a:effectLst/>
-                <a:latin typeface="Calibri" pitchFamily="34" charset="0"/>
-                <a:cs typeface="Calibri" pitchFamily="34" charset="0"/>
-              </a:rPr>
-              <a:t>Lecture </a:t>
-            </a:r>
             <a:r>
               <a:rPr lang="en-US" sz="3600" dirty="0">
                 <a:solidFill>
@@ -4865,16 +4852,9 @@
                 <a:latin typeface="Calibri" pitchFamily="34" charset="0"/>
                 <a:cs typeface="Calibri" pitchFamily="34" charset="0"/>
               </a:rPr>
-              <a:t>X: Placeholder</a:t>
-            </a:r>
-            <a:endParaRPr kumimoji="0" lang="en-US" sz="1800" b="0" i="0" u="none" strike="noStrike" cap="none" normalizeH="0" baseline="0" dirty="0">
-              <a:ln>
-                <a:noFill/>
-              </a:ln>
-              <a:solidFill>
-                <a:schemeClr val="tx1"/>
-              </a:solidFill>
-              <a:effectLst/>
+              <a:t>Lecture 1: Module Introduction</a:t>
+            </a:r>
+            <a:endParaRPr lang="en-US" dirty="0">
               <a:latin typeface="Arial" pitchFamily="34" charset="0"/>
               <a:cs typeface="Arial" pitchFamily="34" charset="0"/>
             </a:endParaRPr>
@@ -4882,6 +4862,210 @@
         </p:txBody>
       </p:sp>
     </p:spTree>
+  </p:cSld>
+  <p:clrMapOvr>
+    <a:masterClrMapping/>
+  </p:clrMapOvr>
+</p:sld>
+</file>
+
+<file path=ppt/slides/slide10.xml><?xml version="1.0" encoding="utf-8"?>
+<p:sld xmlns:a="http://schemas.openxmlformats.org/drawingml/2006/main" xmlns:r="http://schemas.openxmlformats.org/officeDocument/2006/relationships" xmlns:p="http://schemas.openxmlformats.org/presentationml/2006/main">
+  <p:cSld>
+    <p:spTree>
+      <p:nvGrpSpPr>
+        <p:cNvPr id="1" name=""/>
+        <p:cNvGrpSpPr/>
+        <p:nvPr/>
+      </p:nvGrpSpPr>
+      <p:grpSpPr>
+        <a:xfrm>
+          <a:off x="0" y="0"/>
+          <a:ext cx="0" cy="0"/>
+          <a:chOff x="0" y="0"/>
+          <a:chExt cx="0" cy="0"/>
+        </a:xfrm>
+      </p:grpSpPr>
+      <p:sp>
+        <p:nvSpPr>
+          <p:cNvPr id="3" name="Content Placeholder 2"/>
+          <p:cNvSpPr>
+            <a:spLocks noGrp="1"/>
+          </p:cNvSpPr>
+          <p:nvPr>
+            <p:ph idx="1"/>
+          </p:nvPr>
+        </p:nvSpPr>
+        <p:spPr>
+          <a:xfrm>
+            <a:off x="457200" y="548680"/>
+            <a:ext cx="8229600" cy="6192688"/>
+          </a:xfrm>
+        </p:spPr>
+        <p:txBody>
+          <a:bodyPr>
+            <a:normAutofit/>
+          </a:bodyPr>
+          <a:lstStyle/>
+          <a:p>
+            <a:r>
+              <a:rPr lang="en-GB" dirty="0"/>
+              <a:t>Meeting procedures</a:t>
+            </a:r>
+          </a:p>
+          <a:p>
+            <a:pPr lvl="1"/>
+            <a:endParaRPr lang="en-GB" dirty="0"/>
+          </a:p>
+          <a:p>
+            <a:pPr lvl="1"/>
+            <a:endParaRPr lang="en-GB" dirty="0"/>
+          </a:p>
+        </p:txBody>
+      </p:sp>
+      <p:pic>
+        <p:nvPicPr>
+          <p:cNvPr id="2" name="Picture 1">
+            <a:extLst>
+              <a:ext uri="{FF2B5EF4-FFF2-40B4-BE49-F238E27FC236}">
+                <a16:creationId xmlns:a16="http://schemas.microsoft.com/office/drawing/2014/main" id="{2BF82DF9-47CE-374B-99A8-7A20C6B8AC17}"/>
+              </a:ext>
+            </a:extLst>
+          </p:cNvPr>
+          <p:cNvPicPr>
+            <a:picLocks noChangeAspect="1"/>
+          </p:cNvPicPr>
+          <p:nvPr/>
+        </p:nvPicPr>
+        <p:blipFill rotWithShape="1">
+          <a:blip r:embed="rId2"/>
+          <a:srcRect b="67476"/>
+          <a:stretch/>
+        </p:blipFill>
+        <p:spPr>
+          <a:xfrm>
+            <a:off x="683568" y="1574800"/>
+            <a:ext cx="3240360" cy="1911424"/>
+          </a:xfrm>
+          <a:prstGeom prst="rect">
+            <a:avLst/>
+          </a:prstGeom>
+        </p:spPr>
+      </p:pic>
+      <p:pic>
+        <p:nvPicPr>
+          <p:cNvPr id="7" name="Picture 6">
+            <a:extLst>
+              <a:ext uri="{FF2B5EF4-FFF2-40B4-BE49-F238E27FC236}">
+                <a16:creationId xmlns:a16="http://schemas.microsoft.com/office/drawing/2014/main" id="{F1D33E92-B004-274F-8D19-4725DA9AB871}"/>
+              </a:ext>
+            </a:extLst>
+          </p:cNvPr>
+          <p:cNvPicPr>
+            <a:picLocks noChangeAspect="1"/>
+          </p:cNvPicPr>
+          <p:nvPr/>
+        </p:nvPicPr>
+        <p:blipFill rotWithShape="1">
+          <a:blip r:embed="rId2"/>
+          <a:srcRect t="30583"/>
+          <a:stretch/>
+        </p:blipFill>
+        <p:spPr>
+          <a:xfrm>
+            <a:off x="4645418" y="1605215"/>
+            <a:ext cx="3240360" cy="4079618"/>
+          </a:xfrm>
+          <a:prstGeom prst="rect">
+            <a:avLst/>
+          </a:prstGeom>
+        </p:spPr>
+      </p:pic>
+    </p:spTree>
+    <p:extLst>
+      <p:ext uri="{BB962C8B-B14F-4D97-AF65-F5344CB8AC3E}">
+        <p14:creationId xmlns:p14="http://schemas.microsoft.com/office/powerpoint/2010/main" val="1702910739"/>
+      </p:ext>
+    </p:extLst>
+  </p:cSld>
+  <p:clrMapOvr>
+    <a:masterClrMapping/>
+  </p:clrMapOvr>
+</p:sld>
+</file>
+
+<file path=ppt/slides/slide11.xml><?xml version="1.0" encoding="utf-8"?>
+<p:sld xmlns:a="http://schemas.openxmlformats.org/drawingml/2006/main" xmlns:r="http://schemas.openxmlformats.org/officeDocument/2006/relationships" xmlns:p="http://schemas.openxmlformats.org/presentationml/2006/main">
+  <p:cSld>
+    <p:spTree>
+      <p:nvGrpSpPr>
+        <p:cNvPr id="1" name=""/>
+        <p:cNvGrpSpPr/>
+        <p:nvPr/>
+      </p:nvGrpSpPr>
+      <p:grpSpPr>
+        <a:xfrm>
+          <a:off x="0" y="0"/>
+          <a:ext cx="0" cy="0"/>
+          <a:chOff x="0" y="0"/>
+          <a:chExt cx="0" cy="0"/>
+        </a:xfrm>
+      </p:grpSpPr>
+      <p:sp>
+        <p:nvSpPr>
+          <p:cNvPr id="3" name="Content Placeholder 2"/>
+          <p:cNvSpPr>
+            <a:spLocks noGrp="1"/>
+          </p:cNvSpPr>
+          <p:nvPr>
+            <p:ph idx="1"/>
+          </p:nvPr>
+        </p:nvSpPr>
+        <p:spPr>
+          <a:xfrm>
+            <a:off x="457200" y="548680"/>
+            <a:ext cx="8229600" cy="6192688"/>
+          </a:xfrm>
+        </p:spPr>
+        <p:txBody>
+          <a:bodyPr>
+            <a:normAutofit/>
+          </a:bodyPr>
+          <a:lstStyle/>
+          <a:p>
+            <a:endParaRPr lang="en-GB" dirty="0"/>
+          </a:p>
+          <a:p>
+            <a:endParaRPr lang="en-GB" dirty="0"/>
+          </a:p>
+          <a:p>
+            <a:endParaRPr lang="en-GB" dirty="0"/>
+          </a:p>
+          <a:p>
+            <a:endParaRPr lang="en-GB" dirty="0"/>
+          </a:p>
+          <a:p>
+            <a:r>
+              <a:rPr lang="en-GB" dirty="0"/>
+              <a:t>Questions</a:t>
+            </a:r>
+          </a:p>
+          <a:p>
+            <a:pPr lvl="1"/>
+            <a:endParaRPr lang="en-GB" dirty="0"/>
+          </a:p>
+          <a:p>
+            <a:pPr lvl="1"/>
+            <a:endParaRPr lang="en-GB" dirty="0"/>
+          </a:p>
+        </p:txBody>
+      </p:sp>
+    </p:spTree>
+    <p:extLst>
+      <p:ext uri="{BB962C8B-B14F-4D97-AF65-F5344CB8AC3E}">
+        <p14:creationId xmlns:p14="http://schemas.microsoft.com/office/powerpoint/2010/main" val="3909483698"/>
+      </p:ext>
+    </p:extLst>
   </p:cSld>
   <p:clrMapOvr>
     <a:masterClrMapping/>
@@ -4928,26 +5112,17 @@
           </a:bodyPr>
           <a:lstStyle/>
           <a:p>
-            <a:endParaRPr lang="en-GB" dirty="0"/>
-          </a:p>
-          <a:p>
-            <a:endParaRPr lang="en-GB" dirty="0"/>
-          </a:p>
-          <a:p>
-            <a:endParaRPr lang="en-GB" dirty="0"/>
-          </a:p>
-          <a:p>
-            <a:endParaRPr lang="en-GB" dirty="0"/>
-          </a:p>
-          <a:p>
             <a:r>
               <a:rPr lang="en-GB" dirty="0"/>
-              <a:t>Questions</a:t>
+              <a:t>Introduction to the module</a:t>
             </a:r>
           </a:p>
           <a:p>
             <a:pPr lvl="1"/>
-            <a:endParaRPr lang="en-GB" dirty="0"/>
+            <a:r>
+              <a:rPr lang="en-GB" dirty="0"/>
+              <a:t>Everything isn’t different!</a:t>
+            </a:r>
           </a:p>
           <a:p>
             <a:pPr lvl="1"/>
@@ -4956,6 +5131,3211 @@
         </p:txBody>
       </p:sp>
     </p:spTree>
+    <p:extLst>
+      <p:ext uri="{BB962C8B-B14F-4D97-AF65-F5344CB8AC3E}">
+        <p14:creationId xmlns:p14="http://schemas.microsoft.com/office/powerpoint/2010/main" val="1295366226"/>
+      </p:ext>
+    </p:extLst>
+  </p:cSld>
+  <p:clrMapOvr>
+    <a:masterClrMapping/>
+  </p:clrMapOvr>
+</p:sld>
+</file>
+
+<file path=ppt/slides/slide3.xml><?xml version="1.0" encoding="utf-8"?>
+<p:sld xmlns:a="http://schemas.openxmlformats.org/drawingml/2006/main" xmlns:r="http://schemas.openxmlformats.org/officeDocument/2006/relationships" xmlns:p="http://schemas.openxmlformats.org/presentationml/2006/main">
+  <p:cSld>
+    <p:spTree>
+      <p:nvGrpSpPr>
+        <p:cNvPr id="1" name=""/>
+        <p:cNvGrpSpPr/>
+        <p:nvPr/>
+      </p:nvGrpSpPr>
+      <p:grpSpPr>
+        <a:xfrm>
+          <a:off x="0" y="0"/>
+          <a:ext cx="0" cy="0"/>
+          <a:chOff x="0" y="0"/>
+          <a:chExt cx="0" cy="0"/>
+        </a:xfrm>
+      </p:grpSpPr>
+      <p:sp>
+        <p:nvSpPr>
+          <p:cNvPr id="3" name="Content Placeholder 2"/>
+          <p:cNvSpPr>
+            <a:spLocks noGrp="1"/>
+          </p:cNvSpPr>
+          <p:nvPr>
+            <p:ph idx="1"/>
+          </p:nvPr>
+        </p:nvSpPr>
+        <p:spPr>
+          <a:xfrm>
+            <a:off x="457200" y="548680"/>
+            <a:ext cx="8229600" cy="6192688"/>
+          </a:xfrm>
+        </p:spPr>
+        <p:txBody>
+          <a:bodyPr>
+            <a:normAutofit/>
+          </a:bodyPr>
+          <a:lstStyle/>
+          <a:p>
+            <a:r>
+              <a:rPr lang="en-GB" dirty="0"/>
+              <a:t>Introduction to the module</a:t>
+            </a:r>
+          </a:p>
+          <a:p>
+            <a:pPr lvl="1"/>
+            <a:r>
+              <a:rPr lang="en-GB" dirty="0"/>
+              <a:t>Everything isn’t different!</a:t>
+            </a:r>
+          </a:p>
+          <a:p>
+            <a:pPr lvl="1"/>
+            <a:r>
+              <a:rPr lang="en-GB" dirty="0"/>
+              <a:t>Built on GAM320 from last year</a:t>
+            </a:r>
+          </a:p>
+          <a:p>
+            <a:pPr lvl="1"/>
+            <a:r>
+              <a:rPr lang="en-GB" dirty="0"/>
+              <a:t>Now with:</a:t>
+            </a:r>
+          </a:p>
+          <a:p>
+            <a:pPr lvl="2"/>
+            <a:r>
+              <a:rPr lang="en-GB" dirty="0"/>
+              <a:t>Product owners are now supervisors</a:t>
+            </a:r>
+          </a:p>
+          <a:p>
+            <a:pPr lvl="2"/>
+            <a:r>
+              <a:rPr lang="en-GB" dirty="0"/>
+              <a:t>Supervisor meetings are now 1hr30</a:t>
+            </a:r>
+          </a:p>
+          <a:p>
+            <a:pPr lvl="3"/>
+            <a:r>
+              <a:rPr lang="en-GB" dirty="0"/>
+              <a:t>More guided than before</a:t>
+            </a:r>
+          </a:p>
+          <a:p>
+            <a:pPr lvl="3"/>
+            <a:r>
+              <a:rPr lang="en-GB" dirty="0"/>
+              <a:t>One to review your builds &amp; sprint plans</a:t>
+            </a:r>
+          </a:p>
+          <a:p>
+            <a:pPr lvl="3"/>
+            <a:r>
+              <a:rPr lang="en-GB" dirty="0"/>
+              <a:t>One to do peer reviews</a:t>
+            </a:r>
+          </a:p>
+          <a:p>
+            <a:pPr lvl="2"/>
+            <a:r>
+              <a:rPr lang="en-GB" dirty="0"/>
+              <a:t>New Project Management Tool</a:t>
+            </a:r>
+          </a:p>
+          <a:p>
+            <a:pPr lvl="3"/>
+            <a:r>
+              <a:rPr lang="en-GB" dirty="0"/>
+              <a:t>Replacing </a:t>
+            </a:r>
+            <a:r>
+              <a:rPr lang="en-GB" dirty="0" err="1"/>
+              <a:t>pomeetings</a:t>
+            </a:r>
+            <a:endParaRPr lang="en-GB" dirty="0"/>
+          </a:p>
+          <a:p>
+            <a:pPr lvl="2"/>
+            <a:r>
+              <a:rPr lang="en-GB" dirty="0"/>
+              <a:t>Assignments are clearer</a:t>
+            </a:r>
+          </a:p>
+          <a:p>
+            <a:pPr lvl="3"/>
+            <a:r>
+              <a:rPr lang="en-GB" dirty="0"/>
+              <a:t>With added rubrics</a:t>
+            </a:r>
+          </a:p>
+          <a:p>
+            <a:pPr lvl="2"/>
+            <a:endParaRPr lang="en-GB" dirty="0"/>
+          </a:p>
+          <a:p>
+            <a:pPr lvl="1"/>
+            <a:endParaRPr lang="en-GB" dirty="0"/>
+          </a:p>
+        </p:txBody>
+      </p:sp>
+    </p:spTree>
+    <p:extLst>
+      <p:ext uri="{BB962C8B-B14F-4D97-AF65-F5344CB8AC3E}">
+        <p14:creationId xmlns:p14="http://schemas.microsoft.com/office/powerpoint/2010/main" val="2066616848"/>
+      </p:ext>
+    </p:extLst>
+  </p:cSld>
+  <p:clrMapOvr>
+    <a:masterClrMapping/>
+  </p:clrMapOvr>
+</p:sld>
+</file>
+
+<file path=ppt/slides/slide4.xml><?xml version="1.0" encoding="utf-8"?>
+<p:sld xmlns:a="http://schemas.openxmlformats.org/drawingml/2006/main" xmlns:r="http://schemas.openxmlformats.org/officeDocument/2006/relationships" xmlns:p="http://schemas.openxmlformats.org/presentationml/2006/main">
+  <p:cSld>
+    <p:spTree>
+      <p:nvGrpSpPr>
+        <p:cNvPr id="1" name=""/>
+        <p:cNvGrpSpPr/>
+        <p:nvPr/>
+      </p:nvGrpSpPr>
+      <p:grpSpPr>
+        <a:xfrm>
+          <a:off x="0" y="0"/>
+          <a:ext cx="0" cy="0"/>
+          <a:chOff x="0" y="0"/>
+          <a:chExt cx="0" cy="0"/>
+        </a:xfrm>
+      </p:grpSpPr>
+      <p:sp>
+        <p:nvSpPr>
+          <p:cNvPr id="3" name="Content Placeholder 2"/>
+          <p:cNvSpPr>
+            <a:spLocks noGrp="1"/>
+          </p:cNvSpPr>
+          <p:nvPr>
+            <p:ph idx="1"/>
+          </p:nvPr>
+        </p:nvSpPr>
+        <p:spPr>
+          <a:xfrm>
+            <a:off x="457200" y="548680"/>
+            <a:ext cx="8229600" cy="6192688"/>
+          </a:xfrm>
+        </p:spPr>
+        <p:txBody>
+          <a:bodyPr>
+            <a:normAutofit/>
+          </a:bodyPr>
+          <a:lstStyle/>
+          <a:p>
+            <a:r>
+              <a:rPr lang="en-GB" dirty="0"/>
+              <a:t>Introduction to the module</a:t>
+            </a:r>
+          </a:p>
+          <a:p>
+            <a:pPr lvl="1"/>
+            <a:r>
+              <a:rPr lang="en-GB" dirty="0"/>
+              <a:t>Now with:</a:t>
+            </a:r>
+          </a:p>
+          <a:p>
+            <a:pPr lvl="2"/>
+            <a:r>
+              <a:rPr lang="en-GB" dirty="0"/>
+              <a:t>Assignments are clearer</a:t>
+            </a:r>
+          </a:p>
+          <a:p>
+            <a:pPr lvl="3"/>
+            <a:r>
+              <a:rPr lang="en-GB" dirty="0"/>
+              <a:t>With added rubrics</a:t>
+            </a:r>
+          </a:p>
+          <a:p>
+            <a:pPr lvl="2"/>
+            <a:r>
+              <a:rPr lang="en-GB" dirty="0">
+                <a:hlinkClick r:id="rId2"/>
+              </a:rPr>
+              <a:t>https://learningspace.falmouth.ac.uk/course/view.php?id=3976</a:t>
+            </a:r>
+            <a:endParaRPr lang="en-GB" dirty="0"/>
+          </a:p>
+          <a:p>
+            <a:pPr lvl="2"/>
+            <a:endParaRPr lang="en-GB" dirty="0"/>
+          </a:p>
+          <a:p>
+            <a:pPr lvl="1"/>
+            <a:endParaRPr lang="en-GB" dirty="0"/>
+          </a:p>
+        </p:txBody>
+      </p:sp>
+    </p:spTree>
+    <p:extLst>
+      <p:ext uri="{BB962C8B-B14F-4D97-AF65-F5344CB8AC3E}">
+        <p14:creationId xmlns:p14="http://schemas.microsoft.com/office/powerpoint/2010/main" val="1353741948"/>
+      </p:ext>
+    </p:extLst>
+  </p:cSld>
+  <p:clrMapOvr>
+    <a:masterClrMapping/>
+  </p:clrMapOvr>
+</p:sld>
+</file>
+
+<file path=ppt/slides/slide5.xml><?xml version="1.0" encoding="utf-8"?>
+<p:sld xmlns:a="http://schemas.openxmlformats.org/drawingml/2006/main" xmlns:r="http://schemas.openxmlformats.org/officeDocument/2006/relationships" xmlns:p="http://schemas.openxmlformats.org/presentationml/2006/main">
+  <p:cSld>
+    <p:spTree>
+      <p:nvGrpSpPr>
+        <p:cNvPr id="1" name=""/>
+        <p:cNvGrpSpPr/>
+        <p:nvPr/>
+      </p:nvGrpSpPr>
+      <p:grpSpPr>
+        <a:xfrm>
+          <a:off x="0" y="0"/>
+          <a:ext cx="0" cy="0"/>
+          <a:chOff x="0" y="0"/>
+          <a:chExt cx="0" cy="0"/>
+        </a:xfrm>
+      </p:grpSpPr>
+      <p:sp>
+        <p:nvSpPr>
+          <p:cNvPr id="3" name="Content Placeholder 2"/>
+          <p:cNvSpPr>
+            <a:spLocks noGrp="1"/>
+          </p:cNvSpPr>
+          <p:nvPr>
+            <p:ph idx="1"/>
+          </p:nvPr>
+        </p:nvSpPr>
+        <p:spPr>
+          <a:xfrm>
+            <a:off x="457200" y="548680"/>
+            <a:ext cx="8229600" cy="6192688"/>
+          </a:xfrm>
+        </p:spPr>
+        <p:txBody>
+          <a:bodyPr>
+            <a:normAutofit/>
+          </a:bodyPr>
+          <a:lstStyle/>
+          <a:p>
+            <a:r>
+              <a:rPr lang="en-GB" dirty="0"/>
+              <a:t>Introduction to the module</a:t>
+            </a:r>
+          </a:p>
+          <a:p>
+            <a:pPr lvl="1"/>
+            <a:r>
+              <a:rPr lang="en-GB" dirty="0"/>
+              <a:t>Assignment 1: Studio practice</a:t>
+            </a:r>
+          </a:p>
+          <a:p>
+            <a:pPr lvl="2"/>
+            <a:r>
+              <a:rPr lang="en-GB" dirty="0"/>
+              <a:t>Assess how you work as a member of an agile team</a:t>
+            </a:r>
+          </a:p>
+          <a:p>
+            <a:pPr lvl="2"/>
+            <a:r>
+              <a:rPr lang="en-GB" dirty="0"/>
+              <a:t>Assess your game product</a:t>
+            </a:r>
+          </a:p>
+          <a:p>
+            <a:pPr lvl="3"/>
+            <a:r>
+              <a:rPr lang="en-GB" dirty="0"/>
+              <a:t>Conceptual coherence</a:t>
+            </a:r>
+          </a:p>
+          <a:p>
+            <a:pPr lvl="3"/>
+            <a:r>
+              <a:rPr lang="en-GB" dirty="0"/>
+              <a:t>Innovation</a:t>
+            </a:r>
+          </a:p>
+          <a:p>
+            <a:pPr lvl="3"/>
+            <a:r>
+              <a:rPr lang="en-GB" dirty="0"/>
+              <a:t>quality </a:t>
+            </a:r>
+          </a:p>
+          <a:p>
+            <a:pPr lvl="3"/>
+            <a:r>
+              <a:rPr lang="en-GB" dirty="0"/>
+              <a:t>player engagement</a:t>
+            </a:r>
+          </a:p>
+          <a:p>
+            <a:pPr lvl="2"/>
+            <a:endParaRPr lang="en-GB" dirty="0"/>
+          </a:p>
+          <a:p>
+            <a:pPr lvl="2"/>
+            <a:r>
+              <a:rPr lang="en-GB" dirty="0"/>
+              <a:t>Assessed over the duration of semester 1</a:t>
+            </a:r>
+          </a:p>
+          <a:p>
+            <a:pPr lvl="2"/>
+            <a:r>
+              <a:rPr lang="en-GB" dirty="0"/>
+              <a:t>And for the demo day (week 13)</a:t>
+            </a:r>
+          </a:p>
+          <a:p>
+            <a:pPr lvl="3"/>
+            <a:endParaRPr lang="en-GB" dirty="0"/>
+          </a:p>
+        </p:txBody>
+      </p:sp>
+    </p:spTree>
+    <p:extLst>
+      <p:ext uri="{BB962C8B-B14F-4D97-AF65-F5344CB8AC3E}">
+        <p14:creationId xmlns:p14="http://schemas.microsoft.com/office/powerpoint/2010/main" val="3243117177"/>
+      </p:ext>
+    </p:extLst>
+  </p:cSld>
+  <p:clrMapOvr>
+    <a:masterClrMapping/>
+  </p:clrMapOvr>
+</p:sld>
+</file>
+
+<file path=ppt/slides/slide6.xml><?xml version="1.0" encoding="utf-8"?>
+<p:sld xmlns:a="http://schemas.openxmlformats.org/drawingml/2006/main" xmlns:r="http://schemas.openxmlformats.org/officeDocument/2006/relationships" xmlns:p="http://schemas.openxmlformats.org/presentationml/2006/main">
+  <p:cSld>
+    <p:spTree>
+      <p:nvGrpSpPr>
+        <p:cNvPr id="1" name=""/>
+        <p:cNvGrpSpPr/>
+        <p:nvPr/>
+      </p:nvGrpSpPr>
+      <p:grpSpPr>
+        <a:xfrm>
+          <a:off x="0" y="0"/>
+          <a:ext cx="0" cy="0"/>
+          <a:chOff x="0" y="0"/>
+          <a:chExt cx="0" cy="0"/>
+        </a:xfrm>
+      </p:grpSpPr>
+      <p:sp>
+        <p:nvSpPr>
+          <p:cNvPr id="3" name="Content Placeholder 2"/>
+          <p:cNvSpPr>
+            <a:spLocks noGrp="1"/>
+          </p:cNvSpPr>
+          <p:nvPr>
+            <p:ph idx="1"/>
+          </p:nvPr>
+        </p:nvSpPr>
+        <p:spPr>
+          <a:xfrm>
+            <a:off x="457200" y="548680"/>
+            <a:ext cx="8229600" cy="6192688"/>
+          </a:xfrm>
+        </p:spPr>
+        <p:txBody>
+          <a:bodyPr>
+            <a:normAutofit/>
+          </a:bodyPr>
+          <a:lstStyle/>
+          <a:p>
+            <a:r>
+              <a:rPr lang="en-GB" dirty="0"/>
+              <a:t>Introduction to the module</a:t>
+            </a:r>
+          </a:p>
+          <a:p>
+            <a:pPr lvl="1"/>
+            <a:r>
+              <a:rPr lang="en-GB" dirty="0"/>
+              <a:t>Assignment 2: Evaluation</a:t>
+            </a:r>
+          </a:p>
+          <a:p>
+            <a:pPr lvl="2"/>
+            <a:r>
+              <a:rPr lang="en-GB" dirty="0"/>
+              <a:t>Reflective practice report</a:t>
+            </a:r>
+          </a:p>
+          <a:p>
+            <a:pPr lvl="3"/>
+            <a:r>
+              <a:rPr lang="en-GB" dirty="0"/>
+              <a:t>Look back on what you have done</a:t>
+            </a:r>
+          </a:p>
+          <a:p>
+            <a:pPr lvl="3"/>
+            <a:r>
+              <a:rPr lang="en-GB" dirty="0"/>
+              <a:t>Look forward to the future with a SMART plan</a:t>
+            </a:r>
+          </a:p>
+          <a:p>
+            <a:pPr lvl="3"/>
+            <a:endParaRPr lang="en-GB" dirty="0"/>
+          </a:p>
+        </p:txBody>
+      </p:sp>
+    </p:spTree>
+    <p:extLst>
+      <p:ext uri="{BB962C8B-B14F-4D97-AF65-F5344CB8AC3E}">
+        <p14:creationId xmlns:p14="http://schemas.microsoft.com/office/powerpoint/2010/main" val="60925675"/>
+      </p:ext>
+    </p:extLst>
+  </p:cSld>
+  <p:clrMapOvr>
+    <a:masterClrMapping/>
+  </p:clrMapOvr>
+</p:sld>
+</file>
+
+<file path=ppt/slides/slide7.xml><?xml version="1.0" encoding="utf-8"?>
+<p:sld xmlns:a="http://schemas.openxmlformats.org/drawingml/2006/main" xmlns:r="http://schemas.openxmlformats.org/officeDocument/2006/relationships" xmlns:p="http://schemas.openxmlformats.org/presentationml/2006/main">
+  <p:cSld>
+    <p:spTree>
+      <p:nvGrpSpPr>
+        <p:cNvPr id="1" name=""/>
+        <p:cNvGrpSpPr/>
+        <p:nvPr/>
+      </p:nvGrpSpPr>
+      <p:grpSpPr>
+        <a:xfrm>
+          <a:off x="0" y="0"/>
+          <a:ext cx="0" cy="0"/>
+          <a:chOff x="0" y="0"/>
+          <a:chExt cx="0" cy="0"/>
+        </a:xfrm>
+      </p:grpSpPr>
+      <p:sp>
+        <p:nvSpPr>
+          <p:cNvPr id="3" name="Content Placeholder 2"/>
+          <p:cNvSpPr>
+            <a:spLocks noGrp="1"/>
+          </p:cNvSpPr>
+          <p:nvPr>
+            <p:ph idx="1"/>
+          </p:nvPr>
+        </p:nvSpPr>
+        <p:spPr>
+          <a:xfrm>
+            <a:off x="446856" y="548680"/>
+            <a:ext cx="8229600" cy="6120680"/>
+          </a:xfrm>
+        </p:spPr>
+        <p:txBody>
+          <a:bodyPr>
+            <a:normAutofit/>
+          </a:bodyPr>
+          <a:lstStyle/>
+          <a:p>
+            <a:r>
+              <a:rPr lang="en-GB" dirty="0"/>
+              <a:t>Introduction to the module</a:t>
+            </a:r>
+          </a:p>
+        </p:txBody>
+      </p:sp>
+      <p:sp>
+        <p:nvSpPr>
+          <p:cNvPr id="4" name="Content Placeholder 2"/>
+          <p:cNvSpPr txBox="1">
+            <a:spLocks/>
+          </p:cNvSpPr>
+          <p:nvPr/>
+        </p:nvSpPr>
+        <p:spPr>
+          <a:xfrm>
+            <a:off x="323528" y="1739949"/>
+            <a:ext cx="8229600" cy="5217443"/>
+          </a:xfrm>
+          <a:prstGeom prst="rect">
+            <a:avLst/>
+          </a:prstGeom>
+        </p:spPr>
+        <p:txBody>
+          <a:bodyPr vert="horz" lIns="91440" tIns="45720" rIns="91440" bIns="45720" rtlCol="0">
+            <a:normAutofit/>
+          </a:bodyPr>
+          <a:lstStyle/>
+          <a:p>
+            <a:pPr marL="742950" marR="0" lvl="1" indent="-285750" algn="l" defTabSz="914400" rtl="0" eaLnBrk="1" fontAlgn="auto" latinLnBrk="0" hangingPunct="1">
+              <a:lnSpc>
+                <a:spcPct val="100000"/>
+              </a:lnSpc>
+              <a:spcBef>
+                <a:spcPct val="20000"/>
+              </a:spcBef>
+              <a:spcAft>
+                <a:spcPts val="0"/>
+              </a:spcAft>
+              <a:buClrTx/>
+              <a:buSzTx/>
+              <a:buFont typeface="Arial" pitchFamily="34" charset="0"/>
+              <a:buChar char="–"/>
+              <a:tabLst/>
+              <a:defRPr/>
+            </a:pPr>
+            <a:endParaRPr kumimoji="0" lang="en-GB" sz="2800" b="0" i="0" u="none" strike="noStrike" kern="1200" cap="none" spc="0" normalizeH="0" baseline="0" noProof="0" dirty="0">
+              <a:ln>
+                <a:noFill/>
+              </a:ln>
+              <a:solidFill>
+                <a:schemeClr val="bg1"/>
+              </a:solidFill>
+              <a:effectLst/>
+              <a:uLnTx/>
+              <a:uFillTx/>
+              <a:latin typeface="+mn-lt"/>
+              <a:ea typeface="+mn-ea"/>
+              <a:cs typeface="+mn-cs"/>
+            </a:endParaRPr>
+          </a:p>
+          <a:p>
+            <a:pPr marL="742950" marR="0" lvl="1" indent="-285750" algn="l" defTabSz="914400" rtl="0" eaLnBrk="1" fontAlgn="auto" latinLnBrk="0" hangingPunct="1">
+              <a:lnSpc>
+                <a:spcPct val="100000"/>
+              </a:lnSpc>
+              <a:spcBef>
+                <a:spcPct val="20000"/>
+              </a:spcBef>
+              <a:spcAft>
+                <a:spcPts val="0"/>
+              </a:spcAft>
+              <a:buClrTx/>
+              <a:buSzTx/>
+              <a:buFont typeface="Arial" pitchFamily="34" charset="0"/>
+              <a:buChar char="–"/>
+              <a:tabLst/>
+              <a:defRPr/>
+            </a:pPr>
+            <a:endParaRPr kumimoji="0" lang="en-GB" sz="2800" b="0" i="0" u="none" strike="noStrike" kern="1200" cap="none" spc="0" normalizeH="0" baseline="0" noProof="0" dirty="0">
+              <a:ln>
+                <a:noFill/>
+              </a:ln>
+              <a:solidFill>
+                <a:schemeClr val="bg1"/>
+              </a:solidFill>
+              <a:effectLst/>
+              <a:uLnTx/>
+              <a:uFillTx/>
+              <a:latin typeface="+mn-lt"/>
+              <a:ea typeface="+mn-ea"/>
+              <a:cs typeface="+mn-cs"/>
+            </a:endParaRPr>
+          </a:p>
+          <a:p>
+            <a:pPr marL="742950" marR="0" lvl="1" indent="-285750" algn="l" defTabSz="914400" rtl="0" eaLnBrk="1" fontAlgn="auto" latinLnBrk="0" hangingPunct="1">
+              <a:lnSpc>
+                <a:spcPct val="100000"/>
+              </a:lnSpc>
+              <a:spcBef>
+                <a:spcPct val="20000"/>
+              </a:spcBef>
+              <a:spcAft>
+                <a:spcPts val="0"/>
+              </a:spcAft>
+              <a:buClrTx/>
+              <a:buSzTx/>
+              <a:buFont typeface="Arial" pitchFamily="34" charset="0"/>
+              <a:buChar char="–"/>
+              <a:tabLst/>
+              <a:defRPr/>
+            </a:pPr>
+            <a:endParaRPr kumimoji="0" lang="en-GB" sz="2800" b="0" i="0" u="none" strike="noStrike" kern="1200" cap="none" spc="0" normalizeH="0" baseline="0" noProof="0" dirty="0">
+              <a:ln>
+                <a:noFill/>
+              </a:ln>
+              <a:solidFill>
+                <a:schemeClr val="bg1"/>
+              </a:solidFill>
+              <a:effectLst/>
+              <a:uLnTx/>
+              <a:uFillTx/>
+              <a:latin typeface="+mn-lt"/>
+              <a:ea typeface="+mn-ea"/>
+              <a:cs typeface="+mn-cs"/>
+            </a:endParaRPr>
+          </a:p>
+        </p:txBody>
+      </p:sp>
+      <p:graphicFrame>
+        <p:nvGraphicFramePr>
+          <p:cNvPr id="6" name="Content Placeholder 3"/>
+          <p:cNvGraphicFramePr>
+            <a:graphicFrameLocks/>
+          </p:cNvGraphicFramePr>
+          <p:nvPr>
+            <p:extLst>
+              <p:ext uri="{D42A27DB-BD31-4B8C-83A1-F6EECF244321}">
+                <p14:modId xmlns:p14="http://schemas.microsoft.com/office/powerpoint/2010/main" val="3438556053"/>
+              </p:ext>
+            </p:extLst>
+          </p:nvPr>
+        </p:nvGraphicFramePr>
+        <p:xfrm>
+          <a:off x="467544" y="1484784"/>
+          <a:ext cx="8208912" cy="1676400"/>
+        </p:xfrm>
+        <a:graphic>
+          <a:graphicData uri="http://schemas.openxmlformats.org/drawingml/2006/table">
+            <a:tbl>
+              <a:tblPr firstRow="1" bandRow="1">
+                <a:tableStyleId>{5C22544A-7EE6-4342-B048-85BDC9FD1C3A}</a:tableStyleId>
+              </a:tblPr>
+              <a:tblGrid>
+                <a:gridCol w="1368152">
+                  <a:extLst>
+                    <a:ext uri="{9D8B030D-6E8A-4147-A177-3AD203B41FA5}">
+                      <a16:colId xmlns:a16="http://schemas.microsoft.com/office/drawing/2014/main" val="20000"/>
+                    </a:ext>
+                  </a:extLst>
+                </a:gridCol>
+                <a:gridCol w="1368152">
+                  <a:extLst>
+                    <a:ext uri="{9D8B030D-6E8A-4147-A177-3AD203B41FA5}">
+                      <a16:colId xmlns:a16="http://schemas.microsoft.com/office/drawing/2014/main" val="20001"/>
+                    </a:ext>
+                  </a:extLst>
+                </a:gridCol>
+                <a:gridCol w="1368152">
+                  <a:extLst>
+                    <a:ext uri="{9D8B030D-6E8A-4147-A177-3AD203B41FA5}">
+                      <a16:colId xmlns:a16="http://schemas.microsoft.com/office/drawing/2014/main" val="20002"/>
+                    </a:ext>
+                  </a:extLst>
+                </a:gridCol>
+                <a:gridCol w="1368152">
+                  <a:extLst>
+                    <a:ext uri="{9D8B030D-6E8A-4147-A177-3AD203B41FA5}">
+                      <a16:colId xmlns:a16="http://schemas.microsoft.com/office/drawing/2014/main" val="20003"/>
+                    </a:ext>
+                  </a:extLst>
+                </a:gridCol>
+                <a:gridCol w="1368152">
+                  <a:extLst>
+                    <a:ext uri="{9D8B030D-6E8A-4147-A177-3AD203B41FA5}">
+                      <a16:colId xmlns:a16="http://schemas.microsoft.com/office/drawing/2014/main" val="20004"/>
+                    </a:ext>
+                  </a:extLst>
+                </a:gridCol>
+                <a:gridCol w="1368152">
+                  <a:extLst>
+                    <a:ext uri="{9D8B030D-6E8A-4147-A177-3AD203B41FA5}">
+                      <a16:colId xmlns:a16="http://schemas.microsoft.com/office/drawing/2014/main" val="20005"/>
+                    </a:ext>
+                  </a:extLst>
+                </a:gridCol>
+              </a:tblGrid>
+              <a:tr h="370840">
+                <a:tc>
+                  <a:txBody>
+                    <a:bodyPr/>
+                    <a:lstStyle/>
+                    <a:p>
+                      <a:pPr algn="ctr"/>
+                      <a:r>
+                        <a:rPr lang="en-GB" dirty="0"/>
+                        <a:t>Week 1</a:t>
+                      </a:r>
+                    </a:p>
+                  </a:txBody>
+                  <a:tcPr/>
+                </a:tc>
+                <a:tc>
+                  <a:txBody>
+                    <a:bodyPr/>
+                    <a:lstStyle/>
+                    <a:p>
+                      <a:pPr algn="ctr"/>
+                      <a:r>
+                        <a:rPr lang="en-GB" dirty="0"/>
+                        <a:t>Week</a:t>
+                      </a:r>
+                      <a:r>
+                        <a:rPr lang="en-GB" baseline="0" dirty="0"/>
+                        <a:t> 2</a:t>
+                      </a:r>
+                      <a:endParaRPr lang="en-GB" dirty="0"/>
+                    </a:p>
+                  </a:txBody>
+                  <a:tcPr/>
+                </a:tc>
+                <a:tc>
+                  <a:txBody>
+                    <a:bodyPr/>
+                    <a:lstStyle/>
+                    <a:p>
+                      <a:pPr algn="ctr"/>
+                      <a:r>
+                        <a:rPr lang="en-GB" dirty="0"/>
+                        <a:t>Week 3</a:t>
+                      </a:r>
+                    </a:p>
+                  </a:txBody>
+                  <a:tcPr/>
+                </a:tc>
+                <a:tc>
+                  <a:txBody>
+                    <a:bodyPr/>
+                    <a:lstStyle/>
+                    <a:p>
+                      <a:pPr algn="ctr"/>
+                      <a:r>
+                        <a:rPr lang="en-GB" dirty="0"/>
+                        <a:t>Week 4</a:t>
+                      </a:r>
+                    </a:p>
+                  </a:txBody>
+                  <a:tcPr/>
+                </a:tc>
+                <a:tc>
+                  <a:txBody>
+                    <a:bodyPr/>
+                    <a:lstStyle/>
+                    <a:p>
+                      <a:pPr algn="ctr"/>
+                      <a:r>
+                        <a:rPr lang="en-GB" dirty="0"/>
+                        <a:t>Week 5</a:t>
+                      </a:r>
+                    </a:p>
+                  </a:txBody>
+                  <a:tcPr/>
+                </a:tc>
+                <a:tc>
+                  <a:txBody>
+                    <a:bodyPr/>
+                    <a:lstStyle/>
+                    <a:p>
+                      <a:pPr algn="ctr"/>
+                      <a:r>
+                        <a:rPr lang="en-GB" dirty="0"/>
+                        <a:t>Reading Week</a:t>
+                      </a:r>
+                    </a:p>
+                  </a:txBody>
+                  <a:tcPr/>
+                </a:tc>
+                <a:extLst>
+                  <a:ext uri="{0D108BD9-81ED-4DB2-BD59-A6C34878D82A}">
+                    <a16:rowId xmlns:a16="http://schemas.microsoft.com/office/drawing/2014/main" val="10000"/>
+                  </a:ext>
+                </a:extLst>
+              </a:tr>
+              <a:tr h="370840">
+                <a:tc>
+                  <a:txBody>
+                    <a:bodyPr/>
+                    <a:lstStyle/>
+                    <a:p>
+                      <a:pPr marL="0" marR="0" indent="0" algn="ctr" defTabSz="914400" rtl="0" eaLnBrk="1" fontAlgn="auto" latinLnBrk="0" hangingPunct="1">
+                        <a:lnSpc>
+                          <a:spcPct val="100000"/>
+                        </a:lnSpc>
+                        <a:spcBef>
+                          <a:spcPts val="0"/>
+                        </a:spcBef>
+                        <a:spcAft>
+                          <a:spcPts val="0"/>
+                        </a:spcAft>
+                        <a:buClrTx/>
+                        <a:buSzTx/>
+                        <a:buFontTx/>
+                        <a:buNone/>
+                        <a:tabLst/>
+                        <a:defRPr/>
+                      </a:pPr>
+                      <a:r>
+                        <a:rPr lang="en-GB" sz="1400" dirty="0"/>
+                        <a:t>Introduction</a:t>
+                      </a:r>
+                    </a:p>
+                  </a:txBody>
+                  <a:tcPr anchor="ctr">
+                    <a:solidFill>
+                      <a:schemeClr val="accent2"/>
+                    </a:solidFill>
+                  </a:tcPr>
+                </a:tc>
+                <a:tc>
+                  <a:txBody>
+                    <a:bodyPr/>
+                    <a:lstStyle/>
+                    <a:p>
+                      <a:pPr algn="ctr"/>
+                      <a:r>
+                        <a:rPr lang="en-GB" sz="1400" dirty="0"/>
+                        <a:t>Support </a:t>
+                      </a:r>
+                    </a:p>
+                    <a:p>
+                      <a:pPr algn="ctr"/>
+                      <a:r>
+                        <a:rPr lang="en-GB" sz="1400" dirty="0"/>
+                        <a:t>Lecture</a:t>
+                      </a:r>
+                    </a:p>
+                  </a:txBody>
+                  <a:tcPr anchor="ctr">
+                    <a:solidFill>
+                      <a:schemeClr val="accent2"/>
+                    </a:solidFill>
+                  </a:tcPr>
+                </a:tc>
+                <a:tc>
+                  <a:txBody>
+                    <a:bodyPr/>
+                    <a:lstStyle/>
+                    <a:p>
+                      <a:pPr marL="0" marR="0" lvl="0" indent="0" algn="ctr" defTabSz="914400" rtl="0" eaLnBrk="1" fontAlgn="auto" latinLnBrk="0" hangingPunct="1">
+                        <a:lnSpc>
+                          <a:spcPct val="100000"/>
+                        </a:lnSpc>
+                        <a:spcBef>
+                          <a:spcPts val="0"/>
+                        </a:spcBef>
+                        <a:spcAft>
+                          <a:spcPts val="0"/>
+                        </a:spcAft>
+                        <a:buClrTx/>
+                        <a:buSzTx/>
+                        <a:buFontTx/>
+                        <a:buNone/>
+                        <a:tabLst/>
+                        <a:defRPr/>
+                      </a:pPr>
+                      <a:r>
+                        <a:rPr kumimoji="0" lang="en-GB" sz="1400" b="0" i="0" u="none" strike="noStrike" kern="1200" cap="none" spc="0" normalizeH="0" baseline="0" noProof="0">
+                          <a:ln>
+                            <a:noFill/>
+                          </a:ln>
+                          <a:solidFill>
+                            <a:prstClr val="black"/>
+                          </a:solidFill>
+                          <a:effectLst/>
+                          <a:uLnTx/>
+                          <a:uFillTx/>
+                          <a:latin typeface="Calibri"/>
+                          <a:ea typeface="+mn-ea"/>
+                          <a:cs typeface="+mn-cs"/>
+                        </a:rPr>
+                        <a:t>Support </a:t>
+                      </a:r>
+                    </a:p>
+                    <a:p>
+                      <a:pPr marL="0" marR="0" lvl="0" indent="0" algn="ctr" defTabSz="914400" rtl="0" eaLnBrk="1" fontAlgn="auto" latinLnBrk="0" hangingPunct="1">
+                        <a:lnSpc>
+                          <a:spcPct val="100000"/>
+                        </a:lnSpc>
+                        <a:spcBef>
+                          <a:spcPts val="0"/>
+                        </a:spcBef>
+                        <a:spcAft>
+                          <a:spcPts val="0"/>
+                        </a:spcAft>
+                        <a:buClrTx/>
+                        <a:buSzTx/>
+                        <a:buFontTx/>
+                        <a:buNone/>
+                        <a:tabLst/>
+                        <a:defRPr/>
+                      </a:pPr>
+                      <a:r>
+                        <a:rPr kumimoji="0" lang="en-GB" sz="1400" b="0" i="0" u="none" strike="noStrike" kern="1200" cap="none" spc="0" normalizeH="0" baseline="0" noProof="0">
+                          <a:ln>
+                            <a:noFill/>
+                          </a:ln>
+                          <a:solidFill>
+                            <a:prstClr val="black"/>
+                          </a:solidFill>
+                          <a:effectLst/>
+                          <a:uLnTx/>
+                          <a:uFillTx/>
+                          <a:latin typeface="Calibri"/>
+                          <a:ea typeface="+mn-ea"/>
+                          <a:cs typeface="+mn-cs"/>
+                        </a:rPr>
+                        <a:t>Lecture</a:t>
+                      </a:r>
+                      <a:endParaRPr lang="en-GB" sz="1400" dirty="0"/>
+                    </a:p>
+                  </a:txBody>
+                  <a:tcPr anchor="ctr">
+                    <a:solidFill>
+                      <a:schemeClr val="accent2"/>
+                    </a:solidFill>
+                  </a:tcPr>
+                </a:tc>
+                <a:tc>
+                  <a:txBody>
+                    <a:bodyPr/>
+                    <a:lstStyle/>
+                    <a:p>
+                      <a:pPr marL="0" marR="0" lvl="0" indent="0" algn="ctr" defTabSz="914400" rtl="0" eaLnBrk="1" fontAlgn="auto" latinLnBrk="0" hangingPunct="1">
+                        <a:lnSpc>
+                          <a:spcPct val="100000"/>
+                        </a:lnSpc>
+                        <a:spcBef>
+                          <a:spcPts val="0"/>
+                        </a:spcBef>
+                        <a:spcAft>
+                          <a:spcPts val="0"/>
+                        </a:spcAft>
+                        <a:buClrTx/>
+                        <a:buSzTx/>
+                        <a:buFontTx/>
+                        <a:buNone/>
+                        <a:tabLst/>
+                        <a:defRPr/>
+                      </a:pPr>
+                      <a:r>
+                        <a:rPr kumimoji="0" lang="en-GB" sz="1400" b="0" i="0" u="none" strike="noStrike" kern="1200" cap="none" spc="0" normalizeH="0" baseline="0" noProof="0">
+                          <a:ln>
+                            <a:noFill/>
+                          </a:ln>
+                          <a:solidFill>
+                            <a:prstClr val="black"/>
+                          </a:solidFill>
+                          <a:effectLst/>
+                          <a:uLnTx/>
+                          <a:uFillTx/>
+                          <a:latin typeface="Calibri"/>
+                          <a:ea typeface="+mn-ea"/>
+                          <a:cs typeface="+mn-cs"/>
+                        </a:rPr>
+                        <a:t>Support </a:t>
+                      </a:r>
+                    </a:p>
+                    <a:p>
+                      <a:pPr marL="0" marR="0" lvl="0" indent="0" algn="ctr" defTabSz="914400" rtl="0" eaLnBrk="1" fontAlgn="auto" latinLnBrk="0" hangingPunct="1">
+                        <a:lnSpc>
+                          <a:spcPct val="100000"/>
+                        </a:lnSpc>
+                        <a:spcBef>
+                          <a:spcPts val="0"/>
+                        </a:spcBef>
+                        <a:spcAft>
+                          <a:spcPts val="0"/>
+                        </a:spcAft>
+                        <a:buClrTx/>
+                        <a:buSzTx/>
+                        <a:buFontTx/>
+                        <a:buNone/>
+                        <a:tabLst/>
+                        <a:defRPr/>
+                      </a:pPr>
+                      <a:r>
+                        <a:rPr kumimoji="0" lang="en-GB" sz="1400" b="0" i="0" u="none" strike="noStrike" kern="1200" cap="none" spc="0" normalizeH="0" baseline="0" noProof="0">
+                          <a:ln>
+                            <a:noFill/>
+                          </a:ln>
+                          <a:solidFill>
+                            <a:prstClr val="black"/>
+                          </a:solidFill>
+                          <a:effectLst/>
+                          <a:uLnTx/>
+                          <a:uFillTx/>
+                          <a:latin typeface="Calibri"/>
+                          <a:ea typeface="+mn-ea"/>
+                          <a:cs typeface="+mn-cs"/>
+                        </a:rPr>
+                        <a:t>Lecture</a:t>
+                      </a:r>
+                      <a:endParaRPr lang="en-GB" sz="1400" dirty="0"/>
+                    </a:p>
+                  </a:txBody>
+                  <a:tcPr anchor="ctr">
+                    <a:solidFill>
+                      <a:schemeClr val="accent2"/>
+                    </a:solidFill>
+                  </a:tcPr>
+                </a:tc>
+                <a:tc>
+                  <a:txBody>
+                    <a:bodyPr/>
+                    <a:lstStyle/>
+                    <a:p>
+                      <a:pPr marL="0" marR="0" lvl="0" indent="0" algn="ctr" defTabSz="914400" rtl="0" eaLnBrk="1" fontAlgn="auto" latinLnBrk="0" hangingPunct="1">
+                        <a:lnSpc>
+                          <a:spcPct val="100000"/>
+                        </a:lnSpc>
+                        <a:spcBef>
+                          <a:spcPts val="0"/>
+                        </a:spcBef>
+                        <a:spcAft>
+                          <a:spcPts val="0"/>
+                        </a:spcAft>
+                        <a:buClrTx/>
+                        <a:buSzTx/>
+                        <a:buFontTx/>
+                        <a:buNone/>
+                        <a:tabLst/>
+                        <a:defRPr/>
+                      </a:pPr>
+                      <a:r>
+                        <a:rPr kumimoji="0" lang="en-GB" sz="1400" b="0" i="0" u="none" strike="noStrike" kern="1200" cap="none" spc="0" normalizeH="0" baseline="0" noProof="0" dirty="0">
+                          <a:ln>
+                            <a:noFill/>
+                          </a:ln>
+                          <a:solidFill>
+                            <a:prstClr val="black"/>
+                          </a:solidFill>
+                          <a:effectLst/>
+                          <a:uLnTx/>
+                          <a:uFillTx/>
+                          <a:latin typeface="Calibri"/>
+                          <a:ea typeface="+mn-ea"/>
+                          <a:cs typeface="+mn-cs"/>
+                        </a:rPr>
+                        <a:t>Support </a:t>
+                      </a:r>
+                    </a:p>
+                    <a:p>
+                      <a:pPr marL="0" marR="0" lvl="0" indent="0" algn="ctr" defTabSz="914400" rtl="0" eaLnBrk="1" fontAlgn="auto" latinLnBrk="0" hangingPunct="1">
+                        <a:lnSpc>
+                          <a:spcPct val="100000"/>
+                        </a:lnSpc>
+                        <a:spcBef>
+                          <a:spcPts val="0"/>
+                        </a:spcBef>
+                        <a:spcAft>
+                          <a:spcPts val="0"/>
+                        </a:spcAft>
+                        <a:buClrTx/>
+                        <a:buSzTx/>
+                        <a:buFontTx/>
+                        <a:buNone/>
+                        <a:tabLst/>
+                        <a:defRPr/>
+                      </a:pPr>
+                      <a:r>
+                        <a:rPr kumimoji="0" lang="en-GB" sz="1400" b="0" i="0" u="none" strike="noStrike" kern="1200" cap="none" spc="0" normalizeH="0" baseline="0" noProof="0" dirty="0">
+                          <a:ln>
+                            <a:noFill/>
+                          </a:ln>
+                          <a:solidFill>
+                            <a:prstClr val="black"/>
+                          </a:solidFill>
+                          <a:effectLst/>
+                          <a:uLnTx/>
+                          <a:uFillTx/>
+                          <a:latin typeface="Calibri"/>
+                          <a:ea typeface="+mn-ea"/>
+                          <a:cs typeface="+mn-cs"/>
+                        </a:rPr>
+                        <a:t>Lecture</a:t>
+                      </a:r>
+                      <a:endParaRPr lang="en-GB" sz="1400" dirty="0"/>
+                    </a:p>
+                  </a:txBody>
+                  <a:tcPr anchor="ctr">
+                    <a:solidFill>
+                      <a:schemeClr val="accent2"/>
+                    </a:solidFill>
+                  </a:tcPr>
+                </a:tc>
+                <a:tc>
+                  <a:txBody>
+                    <a:bodyPr/>
+                    <a:lstStyle/>
+                    <a:p>
+                      <a:pPr algn="ctr"/>
+                      <a:endParaRPr lang="en-GB" sz="1400" dirty="0"/>
+                    </a:p>
+                  </a:txBody>
+                  <a:tcPr anchor="ctr">
+                    <a:solidFill>
+                      <a:schemeClr val="accent2"/>
+                    </a:solidFill>
+                  </a:tcPr>
+                </a:tc>
+                <a:extLst>
+                  <a:ext uri="{0D108BD9-81ED-4DB2-BD59-A6C34878D82A}">
+                    <a16:rowId xmlns:a16="http://schemas.microsoft.com/office/drawing/2014/main" val="10001"/>
+                  </a:ext>
+                </a:extLst>
+              </a:tr>
+              <a:tr h="370840">
+                <a:tc>
+                  <a:txBody>
+                    <a:bodyPr/>
+                    <a:lstStyle/>
+                    <a:p>
+                      <a:pPr marL="0" marR="0" indent="0" algn="ctr" defTabSz="914400" rtl="0" eaLnBrk="1" fontAlgn="auto" latinLnBrk="0" hangingPunct="1">
+                        <a:lnSpc>
+                          <a:spcPct val="100000"/>
+                        </a:lnSpc>
+                        <a:spcBef>
+                          <a:spcPts val="0"/>
+                        </a:spcBef>
+                        <a:spcAft>
+                          <a:spcPts val="0"/>
+                        </a:spcAft>
+                        <a:buClrTx/>
+                        <a:buSzTx/>
+                        <a:buFontTx/>
+                        <a:buNone/>
+                        <a:tabLst/>
+                        <a:defRPr/>
+                      </a:pPr>
+                      <a:r>
+                        <a:rPr lang="en-GB" sz="1400" dirty="0"/>
+                        <a:t>Supervisor</a:t>
+                      </a:r>
+                    </a:p>
+                    <a:p>
+                      <a:pPr marL="0" marR="0" indent="0" algn="ctr" defTabSz="914400" rtl="0" eaLnBrk="1" fontAlgn="auto" latinLnBrk="0" hangingPunct="1">
+                        <a:lnSpc>
+                          <a:spcPct val="100000"/>
+                        </a:lnSpc>
+                        <a:spcBef>
+                          <a:spcPts val="0"/>
+                        </a:spcBef>
+                        <a:spcAft>
+                          <a:spcPts val="0"/>
+                        </a:spcAft>
+                        <a:buClrTx/>
+                        <a:buSzTx/>
+                        <a:buFontTx/>
+                        <a:buNone/>
+                        <a:tabLst/>
+                        <a:defRPr/>
+                      </a:pPr>
+                      <a:r>
+                        <a:rPr lang="en-GB" sz="1400" dirty="0"/>
+                        <a:t>Meeting</a:t>
+                      </a:r>
+                    </a:p>
+                  </a:txBody>
+                  <a:tcPr anchor="ctr">
+                    <a:solidFill>
+                      <a:schemeClr val="accent3"/>
+                    </a:solidFill>
+                  </a:tcPr>
+                </a:tc>
+                <a:tc>
+                  <a:txBody>
+                    <a:bodyPr/>
+                    <a:lstStyle/>
+                    <a:p>
+                      <a:pPr marL="0" marR="0" lvl="0" indent="0" algn="ctr" defTabSz="914400" rtl="0" eaLnBrk="1" fontAlgn="auto" latinLnBrk="0" hangingPunct="1">
+                        <a:lnSpc>
+                          <a:spcPct val="100000"/>
+                        </a:lnSpc>
+                        <a:spcBef>
+                          <a:spcPts val="0"/>
+                        </a:spcBef>
+                        <a:spcAft>
+                          <a:spcPts val="0"/>
+                        </a:spcAft>
+                        <a:buClrTx/>
+                        <a:buSzTx/>
+                        <a:buFontTx/>
+                        <a:buNone/>
+                        <a:tabLst/>
+                        <a:defRPr/>
+                      </a:pPr>
+                      <a:r>
+                        <a:rPr kumimoji="0" lang="en-GB" sz="1400" b="0" i="0" u="none" strike="noStrike" kern="1200" cap="none" spc="0" normalizeH="0" baseline="0" noProof="0" dirty="0">
+                          <a:ln>
+                            <a:noFill/>
+                          </a:ln>
+                          <a:solidFill>
+                            <a:prstClr val="black"/>
+                          </a:solidFill>
+                          <a:effectLst/>
+                          <a:uLnTx/>
+                          <a:uFillTx/>
+                          <a:latin typeface="Calibri"/>
+                          <a:ea typeface="+mn-ea"/>
+                          <a:cs typeface="+mn-cs"/>
+                        </a:rPr>
+                        <a:t>Supervisor</a:t>
+                      </a:r>
+                    </a:p>
+                    <a:p>
+                      <a:pPr marL="0" marR="0" lvl="0" indent="0" algn="ctr" defTabSz="914400" rtl="0" eaLnBrk="1" fontAlgn="auto" latinLnBrk="0" hangingPunct="1">
+                        <a:lnSpc>
+                          <a:spcPct val="100000"/>
+                        </a:lnSpc>
+                        <a:spcBef>
+                          <a:spcPts val="0"/>
+                        </a:spcBef>
+                        <a:spcAft>
+                          <a:spcPts val="0"/>
+                        </a:spcAft>
+                        <a:buClrTx/>
+                        <a:buSzTx/>
+                        <a:buFontTx/>
+                        <a:buNone/>
+                        <a:tabLst/>
+                        <a:defRPr/>
+                      </a:pPr>
+                      <a:r>
+                        <a:rPr kumimoji="0" lang="en-GB" sz="1400" b="0" i="0" u="none" strike="noStrike" kern="1200" cap="none" spc="0" normalizeH="0" baseline="0" noProof="0" dirty="0">
+                          <a:ln>
+                            <a:noFill/>
+                          </a:ln>
+                          <a:solidFill>
+                            <a:prstClr val="black"/>
+                          </a:solidFill>
+                          <a:effectLst/>
+                          <a:uLnTx/>
+                          <a:uFillTx/>
+                          <a:latin typeface="Calibri"/>
+                          <a:ea typeface="+mn-ea"/>
+                          <a:cs typeface="+mn-cs"/>
+                        </a:rPr>
+                        <a:t>Meeting</a:t>
+                      </a:r>
+                    </a:p>
+                  </a:txBody>
+                  <a:tcPr anchor="ctr">
+                    <a:solidFill>
+                      <a:schemeClr val="accent3"/>
+                    </a:solidFill>
+                  </a:tcPr>
+                </a:tc>
+                <a:tc>
+                  <a:txBody>
+                    <a:bodyPr/>
+                    <a:lstStyle/>
+                    <a:p>
+                      <a:pPr marL="0" marR="0" lvl="0" indent="0" algn="ctr" defTabSz="914400" rtl="0" eaLnBrk="1" fontAlgn="auto" latinLnBrk="0" hangingPunct="1">
+                        <a:lnSpc>
+                          <a:spcPct val="100000"/>
+                        </a:lnSpc>
+                        <a:spcBef>
+                          <a:spcPts val="0"/>
+                        </a:spcBef>
+                        <a:spcAft>
+                          <a:spcPts val="0"/>
+                        </a:spcAft>
+                        <a:buClrTx/>
+                        <a:buSzTx/>
+                        <a:buFontTx/>
+                        <a:buNone/>
+                        <a:tabLst/>
+                        <a:defRPr/>
+                      </a:pPr>
+                      <a:r>
+                        <a:rPr kumimoji="0" lang="en-GB" sz="1400" b="0" i="0" u="none" strike="noStrike" kern="1200" cap="none" spc="0" normalizeH="0" baseline="0" noProof="0" dirty="0">
+                          <a:ln>
+                            <a:noFill/>
+                          </a:ln>
+                          <a:solidFill>
+                            <a:prstClr val="black"/>
+                          </a:solidFill>
+                          <a:effectLst/>
+                          <a:uLnTx/>
+                          <a:uFillTx/>
+                          <a:latin typeface="Calibri"/>
+                          <a:ea typeface="+mn-ea"/>
+                          <a:cs typeface="+mn-cs"/>
+                        </a:rPr>
+                        <a:t>Supervisor</a:t>
+                      </a:r>
+                    </a:p>
+                    <a:p>
+                      <a:pPr marL="0" marR="0" lvl="0" indent="0" algn="ctr" defTabSz="914400" rtl="0" eaLnBrk="1" fontAlgn="auto" latinLnBrk="0" hangingPunct="1">
+                        <a:lnSpc>
+                          <a:spcPct val="100000"/>
+                        </a:lnSpc>
+                        <a:spcBef>
+                          <a:spcPts val="0"/>
+                        </a:spcBef>
+                        <a:spcAft>
+                          <a:spcPts val="0"/>
+                        </a:spcAft>
+                        <a:buClrTx/>
+                        <a:buSzTx/>
+                        <a:buFontTx/>
+                        <a:buNone/>
+                        <a:tabLst/>
+                        <a:defRPr/>
+                      </a:pPr>
+                      <a:r>
+                        <a:rPr kumimoji="0" lang="en-GB" sz="1400" b="0" i="0" u="none" strike="noStrike" kern="1200" cap="none" spc="0" normalizeH="0" baseline="0" noProof="0" dirty="0">
+                          <a:ln>
+                            <a:noFill/>
+                          </a:ln>
+                          <a:solidFill>
+                            <a:prstClr val="black"/>
+                          </a:solidFill>
+                          <a:effectLst/>
+                          <a:uLnTx/>
+                          <a:uFillTx/>
+                          <a:latin typeface="Calibri"/>
+                          <a:ea typeface="+mn-ea"/>
+                          <a:cs typeface="+mn-cs"/>
+                        </a:rPr>
+                        <a:t>Meeting</a:t>
+                      </a:r>
+                    </a:p>
+                  </a:txBody>
+                  <a:tcPr anchor="ctr">
+                    <a:solidFill>
+                      <a:schemeClr val="accent3"/>
+                    </a:solidFill>
+                  </a:tcPr>
+                </a:tc>
+                <a:tc>
+                  <a:txBody>
+                    <a:bodyPr/>
+                    <a:lstStyle/>
+                    <a:p>
+                      <a:pPr marL="0" marR="0" lvl="0" indent="0" algn="ctr" defTabSz="914400" rtl="0" eaLnBrk="1" fontAlgn="auto" latinLnBrk="0" hangingPunct="1">
+                        <a:lnSpc>
+                          <a:spcPct val="100000"/>
+                        </a:lnSpc>
+                        <a:spcBef>
+                          <a:spcPts val="0"/>
+                        </a:spcBef>
+                        <a:spcAft>
+                          <a:spcPts val="0"/>
+                        </a:spcAft>
+                        <a:buClrTx/>
+                        <a:buSzTx/>
+                        <a:buFontTx/>
+                        <a:buNone/>
+                        <a:tabLst/>
+                        <a:defRPr/>
+                      </a:pPr>
+                      <a:r>
+                        <a:rPr kumimoji="0" lang="en-GB" sz="1400" b="0" i="0" u="none" strike="noStrike" kern="1200" cap="none" spc="0" normalizeH="0" baseline="0" noProof="0">
+                          <a:ln>
+                            <a:noFill/>
+                          </a:ln>
+                          <a:solidFill>
+                            <a:prstClr val="black"/>
+                          </a:solidFill>
+                          <a:effectLst/>
+                          <a:uLnTx/>
+                          <a:uFillTx/>
+                          <a:latin typeface="Calibri"/>
+                          <a:ea typeface="+mn-ea"/>
+                          <a:cs typeface="+mn-cs"/>
+                        </a:rPr>
+                        <a:t>Supervisor</a:t>
+                      </a:r>
+                    </a:p>
+                    <a:p>
+                      <a:pPr marL="0" marR="0" lvl="0" indent="0" algn="ctr" defTabSz="914400" rtl="0" eaLnBrk="1" fontAlgn="auto" latinLnBrk="0" hangingPunct="1">
+                        <a:lnSpc>
+                          <a:spcPct val="100000"/>
+                        </a:lnSpc>
+                        <a:spcBef>
+                          <a:spcPts val="0"/>
+                        </a:spcBef>
+                        <a:spcAft>
+                          <a:spcPts val="0"/>
+                        </a:spcAft>
+                        <a:buClrTx/>
+                        <a:buSzTx/>
+                        <a:buFontTx/>
+                        <a:buNone/>
+                        <a:tabLst/>
+                        <a:defRPr/>
+                      </a:pPr>
+                      <a:r>
+                        <a:rPr kumimoji="0" lang="en-GB" sz="1400" b="0" i="0" u="none" strike="noStrike" kern="1200" cap="none" spc="0" normalizeH="0" baseline="0" noProof="0">
+                          <a:ln>
+                            <a:noFill/>
+                          </a:ln>
+                          <a:solidFill>
+                            <a:prstClr val="black"/>
+                          </a:solidFill>
+                          <a:effectLst/>
+                          <a:uLnTx/>
+                          <a:uFillTx/>
+                          <a:latin typeface="Calibri"/>
+                          <a:ea typeface="+mn-ea"/>
+                          <a:cs typeface="+mn-cs"/>
+                        </a:rPr>
+                        <a:t>Meeting</a:t>
+                      </a:r>
+                      <a:endParaRPr kumimoji="0" lang="en-GB" sz="1400" b="0" i="0" u="none" strike="noStrike" kern="1200" cap="none" spc="0" normalizeH="0" baseline="0" noProof="0" dirty="0">
+                        <a:ln>
+                          <a:noFill/>
+                        </a:ln>
+                        <a:solidFill>
+                          <a:prstClr val="black"/>
+                        </a:solidFill>
+                        <a:effectLst/>
+                        <a:uLnTx/>
+                        <a:uFillTx/>
+                        <a:latin typeface="Calibri"/>
+                        <a:ea typeface="+mn-ea"/>
+                        <a:cs typeface="+mn-cs"/>
+                      </a:endParaRPr>
+                    </a:p>
+                  </a:txBody>
+                  <a:tcPr anchor="ctr">
+                    <a:solidFill>
+                      <a:schemeClr val="accent3"/>
+                    </a:solidFill>
+                  </a:tcPr>
+                </a:tc>
+                <a:tc>
+                  <a:txBody>
+                    <a:bodyPr/>
+                    <a:lstStyle/>
+                    <a:p>
+                      <a:pPr marL="0" marR="0" lvl="0" indent="0" algn="ctr" defTabSz="914400" rtl="0" eaLnBrk="1" fontAlgn="auto" latinLnBrk="0" hangingPunct="1">
+                        <a:lnSpc>
+                          <a:spcPct val="100000"/>
+                        </a:lnSpc>
+                        <a:spcBef>
+                          <a:spcPts val="0"/>
+                        </a:spcBef>
+                        <a:spcAft>
+                          <a:spcPts val="0"/>
+                        </a:spcAft>
+                        <a:buClrTx/>
+                        <a:buSzTx/>
+                        <a:buFontTx/>
+                        <a:buNone/>
+                        <a:tabLst/>
+                        <a:defRPr/>
+                      </a:pPr>
+                      <a:r>
+                        <a:rPr kumimoji="0" lang="en-GB" sz="1400" b="0" i="0" u="none" strike="noStrike" kern="1200" cap="none" spc="0" normalizeH="0" baseline="0" noProof="0" dirty="0">
+                          <a:ln>
+                            <a:noFill/>
+                          </a:ln>
+                          <a:solidFill>
+                            <a:prstClr val="black"/>
+                          </a:solidFill>
+                          <a:effectLst/>
+                          <a:uLnTx/>
+                          <a:uFillTx/>
+                          <a:latin typeface="Calibri"/>
+                          <a:ea typeface="+mn-ea"/>
+                          <a:cs typeface="+mn-cs"/>
+                        </a:rPr>
+                        <a:t>Supervisor</a:t>
+                      </a:r>
+                    </a:p>
+                    <a:p>
+                      <a:pPr marL="0" marR="0" lvl="0" indent="0" algn="ctr" defTabSz="914400" rtl="0" eaLnBrk="1" fontAlgn="auto" latinLnBrk="0" hangingPunct="1">
+                        <a:lnSpc>
+                          <a:spcPct val="100000"/>
+                        </a:lnSpc>
+                        <a:spcBef>
+                          <a:spcPts val="0"/>
+                        </a:spcBef>
+                        <a:spcAft>
+                          <a:spcPts val="0"/>
+                        </a:spcAft>
+                        <a:buClrTx/>
+                        <a:buSzTx/>
+                        <a:buFontTx/>
+                        <a:buNone/>
+                        <a:tabLst/>
+                        <a:defRPr/>
+                      </a:pPr>
+                      <a:r>
+                        <a:rPr kumimoji="0" lang="en-GB" sz="1400" b="0" i="0" u="none" strike="noStrike" kern="1200" cap="none" spc="0" normalizeH="0" baseline="0" noProof="0" dirty="0">
+                          <a:ln>
+                            <a:noFill/>
+                          </a:ln>
+                          <a:solidFill>
+                            <a:prstClr val="black"/>
+                          </a:solidFill>
+                          <a:effectLst/>
+                          <a:uLnTx/>
+                          <a:uFillTx/>
+                          <a:latin typeface="Calibri"/>
+                          <a:ea typeface="+mn-ea"/>
+                          <a:cs typeface="+mn-cs"/>
+                        </a:rPr>
+                        <a:t>Meeting</a:t>
+                      </a:r>
+                    </a:p>
+                  </a:txBody>
+                  <a:tcPr anchor="ctr">
+                    <a:solidFill>
+                      <a:schemeClr val="accent3"/>
+                    </a:solidFill>
+                  </a:tcPr>
+                </a:tc>
+                <a:tc>
+                  <a:txBody>
+                    <a:bodyPr/>
+                    <a:lstStyle/>
+                    <a:p>
+                      <a:pPr marL="0" marR="0" indent="0" algn="ctr" defTabSz="914400" rtl="0" eaLnBrk="1" fontAlgn="auto" latinLnBrk="0" hangingPunct="1">
+                        <a:lnSpc>
+                          <a:spcPct val="100000"/>
+                        </a:lnSpc>
+                        <a:spcBef>
+                          <a:spcPts val="0"/>
+                        </a:spcBef>
+                        <a:spcAft>
+                          <a:spcPts val="0"/>
+                        </a:spcAft>
+                        <a:buClrTx/>
+                        <a:buSzTx/>
+                        <a:buFontTx/>
+                        <a:buNone/>
+                        <a:tabLst/>
+                        <a:defRPr/>
+                      </a:pPr>
+                      <a:r>
+                        <a:rPr lang="en-GB" sz="1400" dirty="0"/>
+                        <a:t>Supervisor</a:t>
+                      </a:r>
+                    </a:p>
+                    <a:p>
+                      <a:pPr marL="0" marR="0" indent="0" algn="ctr" defTabSz="914400" rtl="0" eaLnBrk="1" fontAlgn="auto" latinLnBrk="0" hangingPunct="1">
+                        <a:lnSpc>
+                          <a:spcPct val="100000"/>
+                        </a:lnSpc>
+                        <a:spcBef>
+                          <a:spcPts val="0"/>
+                        </a:spcBef>
+                        <a:spcAft>
+                          <a:spcPts val="0"/>
+                        </a:spcAft>
+                        <a:buClrTx/>
+                        <a:buSzTx/>
+                        <a:buFontTx/>
+                        <a:buNone/>
+                        <a:tabLst/>
+                        <a:defRPr/>
+                      </a:pPr>
+                      <a:r>
+                        <a:rPr lang="en-GB" sz="1400" dirty="0"/>
+                        <a:t>Meeting</a:t>
+                      </a:r>
+                    </a:p>
+                  </a:txBody>
+                  <a:tcPr anchor="ctr">
+                    <a:solidFill>
+                      <a:schemeClr val="accent3"/>
+                    </a:solidFill>
+                  </a:tcPr>
+                </a:tc>
+                <a:extLst>
+                  <a:ext uri="{0D108BD9-81ED-4DB2-BD59-A6C34878D82A}">
+                    <a16:rowId xmlns:a16="http://schemas.microsoft.com/office/drawing/2014/main" val="871745063"/>
+                  </a:ext>
+                </a:extLst>
+              </a:tr>
+            </a:tbl>
+          </a:graphicData>
+        </a:graphic>
+      </p:graphicFrame>
+      <p:graphicFrame>
+        <p:nvGraphicFramePr>
+          <p:cNvPr id="10" name="Content Placeholder 3"/>
+          <p:cNvGraphicFramePr>
+            <a:graphicFrameLocks/>
+          </p:cNvGraphicFramePr>
+          <p:nvPr>
+            <p:extLst>
+              <p:ext uri="{D42A27DB-BD31-4B8C-83A1-F6EECF244321}">
+                <p14:modId xmlns:p14="http://schemas.microsoft.com/office/powerpoint/2010/main" val="586191756"/>
+              </p:ext>
+            </p:extLst>
+          </p:nvPr>
+        </p:nvGraphicFramePr>
+        <p:xfrm>
+          <a:off x="467544" y="3501008"/>
+          <a:ext cx="8208912" cy="1407160"/>
+        </p:xfrm>
+        <a:graphic>
+          <a:graphicData uri="http://schemas.openxmlformats.org/drawingml/2006/table">
+            <a:tbl>
+              <a:tblPr firstRow="1" bandRow="1">
+                <a:tableStyleId>{5C22544A-7EE6-4342-B048-85BDC9FD1C3A}</a:tableStyleId>
+              </a:tblPr>
+              <a:tblGrid>
+                <a:gridCol w="1368152">
+                  <a:extLst>
+                    <a:ext uri="{9D8B030D-6E8A-4147-A177-3AD203B41FA5}">
+                      <a16:colId xmlns:a16="http://schemas.microsoft.com/office/drawing/2014/main" val="20000"/>
+                    </a:ext>
+                  </a:extLst>
+                </a:gridCol>
+                <a:gridCol w="1368152">
+                  <a:extLst>
+                    <a:ext uri="{9D8B030D-6E8A-4147-A177-3AD203B41FA5}">
+                      <a16:colId xmlns:a16="http://schemas.microsoft.com/office/drawing/2014/main" val="20001"/>
+                    </a:ext>
+                  </a:extLst>
+                </a:gridCol>
+                <a:gridCol w="1440160">
+                  <a:extLst>
+                    <a:ext uri="{9D8B030D-6E8A-4147-A177-3AD203B41FA5}">
+                      <a16:colId xmlns:a16="http://schemas.microsoft.com/office/drawing/2014/main" val="20002"/>
+                    </a:ext>
+                  </a:extLst>
+                </a:gridCol>
+                <a:gridCol w="1296144">
+                  <a:extLst>
+                    <a:ext uri="{9D8B030D-6E8A-4147-A177-3AD203B41FA5}">
+                      <a16:colId xmlns:a16="http://schemas.microsoft.com/office/drawing/2014/main" val="20003"/>
+                    </a:ext>
+                  </a:extLst>
+                </a:gridCol>
+                <a:gridCol w="1368152">
+                  <a:extLst>
+                    <a:ext uri="{9D8B030D-6E8A-4147-A177-3AD203B41FA5}">
+                      <a16:colId xmlns:a16="http://schemas.microsoft.com/office/drawing/2014/main" val="20004"/>
+                    </a:ext>
+                  </a:extLst>
+                </a:gridCol>
+                <a:gridCol w="1368152">
+                  <a:extLst>
+                    <a:ext uri="{9D8B030D-6E8A-4147-A177-3AD203B41FA5}">
+                      <a16:colId xmlns:a16="http://schemas.microsoft.com/office/drawing/2014/main" val="20005"/>
+                    </a:ext>
+                  </a:extLst>
+                </a:gridCol>
+              </a:tblGrid>
+              <a:tr h="370840">
+                <a:tc>
+                  <a:txBody>
+                    <a:bodyPr/>
+                    <a:lstStyle/>
+                    <a:p>
+                      <a:pPr algn="ctr"/>
+                      <a:r>
+                        <a:rPr lang="en-GB" dirty="0"/>
+                        <a:t>Week 7</a:t>
+                      </a:r>
+                    </a:p>
+                  </a:txBody>
+                  <a:tcPr/>
+                </a:tc>
+                <a:tc>
+                  <a:txBody>
+                    <a:bodyPr/>
+                    <a:lstStyle/>
+                    <a:p>
+                      <a:pPr algn="ctr"/>
+                      <a:r>
+                        <a:rPr lang="en-GB" dirty="0"/>
+                        <a:t>Week</a:t>
+                      </a:r>
+                      <a:r>
+                        <a:rPr lang="en-GB" baseline="0" dirty="0"/>
+                        <a:t> 8</a:t>
+                      </a:r>
+                      <a:endParaRPr lang="en-GB" dirty="0"/>
+                    </a:p>
+                  </a:txBody>
+                  <a:tcPr/>
+                </a:tc>
+                <a:tc>
+                  <a:txBody>
+                    <a:bodyPr/>
+                    <a:lstStyle/>
+                    <a:p>
+                      <a:pPr algn="ctr"/>
+                      <a:r>
+                        <a:rPr lang="en-GB" dirty="0"/>
+                        <a:t>Week 9</a:t>
+                      </a:r>
+                    </a:p>
+                  </a:txBody>
+                  <a:tcPr/>
+                </a:tc>
+                <a:tc>
+                  <a:txBody>
+                    <a:bodyPr/>
+                    <a:lstStyle/>
+                    <a:p>
+                      <a:pPr algn="ctr"/>
+                      <a:r>
+                        <a:rPr lang="en-GB" dirty="0"/>
+                        <a:t>Week 10</a:t>
+                      </a:r>
+                    </a:p>
+                  </a:txBody>
+                  <a:tcPr/>
+                </a:tc>
+                <a:tc>
+                  <a:txBody>
+                    <a:bodyPr/>
+                    <a:lstStyle/>
+                    <a:p>
+                      <a:pPr algn="ctr"/>
+                      <a:r>
+                        <a:rPr lang="en-GB" dirty="0"/>
+                        <a:t>Week 11</a:t>
+                      </a:r>
+                    </a:p>
+                  </a:txBody>
+                  <a:tcPr/>
+                </a:tc>
+                <a:tc>
+                  <a:txBody>
+                    <a:bodyPr/>
+                    <a:lstStyle/>
+                    <a:p>
+                      <a:pPr algn="ctr"/>
+                      <a:r>
+                        <a:rPr lang="en-GB" dirty="0"/>
+                        <a:t>Week 12</a:t>
+                      </a:r>
+                    </a:p>
+                  </a:txBody>
+                  <a:tcPr/>
+                </a:tc>
+                <a:extLst>
+                  <a:ext uri="{0D108BD9-81ED-4DB2-BD59-A6C34878D82A}">
+                    <a16:rowId xmlns:a16="http://schemas.microsoft.com/office/drawing/2014/main" val="10000"/>
+                  </a:ext>
+                </a:extLst>
+              </a:tr>
+              <a:tr h="370840">
+                <a:tc>
+                  <a:txBody>
+                    <a:bodyPr/>
+                    <a:lstStyle/>
+                    <a:p>
+                      <a:pPr marL="0" marR="0" lvl="0" indent="0" algn="ctr" defTabSz="914400" rtl="0" eaLnBrk="1" fontAlgn="auto" latinLnBrk="0" hangingPunct="1">
+                        <a:lnSpc>
+                          <a:spcPct val="100000"/>
+                        </a:lnSpc>
+                        <a:spcBef>
+                          <a:spcPts val="0"/>
+                        </a:spcBef>
+                        <a:spcAft>
+                          <a:spcPts val="0"/>
+                        </a:spcAft>
+                        <a:buClrTx/>
+                        <a:buSzTx/>
+                        <a:buFontTx/>
+                        <a:buNone/>
+                        <a:tabLst/>
+                        <a:defRPr/>
+                      </a:pPr>
+                      <a:r>
+                        <a:rPr kumimoji="0" lang="en-GB" sz="1400" b="0" i="0" u="none" strike="noStrike" kern="1200" cap="none" spc="0" normalizeH="0" baseline="0" noProof="0">
+                          <a:ln>
+                            <a:noFill/>
+                          </a:ln>
+                          <a:solidFill>
+                            <a:prstClr val="black"/>
+                          </a:solidFill>
+                          <a:effectLst/>
+                          <a:uLnTx/>
+                          <a:uFillTx/>
+                          <a:latin typeface="Calibri"/>
+                          <a:ea typeface="+mn-ea"/>
+                          <a:cs typeface="+mn-cs"/>
+                        </a:rPr>
+                        <a:t>Support </a:t>
+                      </a:r>
+                    </a:p>
+                    <a:p>
+                      <a:pPr marL="0" marR="0" lvl="0" indent="0" algn="ctr" defTabSz="914400" rtl="0" eaLnBrk="1" fontAlgn="auto" latinLnBrk="0" hangingPunct="1">
+                        <a:lnSpc>
+                          <a:spcPct val="100000"/>
+                        </a:lnSpc>
+                        <a:spcBef>
+                          <a:spcPts val="0"/>
+                        </a:spcBef>
+                        <a:spcAft>
+                          <a:spcPts val="0"/>
+                        </a:spcAft>
+                        <a:buClrTx/>
+                        <a:buSzTx/>
+                        <a:buFontTx/>
+                        <a:buNone/>
+                        <a:tabLst/>
+                        <a:defRPr/>
+                      </a:pPr>
+                      <a:r>
+                        <a:rPr kumimoji="0" lang="en-GB" sz="1400" b="0" i="0" u="none" strike="noStrike" kern="1200" cap="none" spc="0" normalizeH="0" baseline="0" noProof="0">
+                          <a:ln>
+                            <a:noFill/>
+                          </a:ln>
+                          <a:solidFill>
+                            <a:prstClr val="black"/>
+                          </a:solidFill>
+                          <a:effectLst/>
+                          <a:uLnTx/>
+                          <a:uFillTx/>
+                          <a:latin typeface="Calibri"/>
+                          <a:ea typeface="+mn-ea"/>
+                          <a:cs typeface="+mn-cs"/>
+                        </a:rPr>
+                        <a:t>Lecture</a:t>
+                      </a:r>
+                      <a:endParaRPr lang="en-GB" sz="1400" baseline="0" dirty="0"/>
+                    </a:p>
+                  </a:txBody>
+                  <a:tcPr anchor="ctr">
+                    <a:solidFill>
+                      <a:schemeClr val="accent2"/>
+                    </a:solidFill>
+                  </a:tcPr>
+                </a:tc>
+                <a:tc>
+                  <a:txBody>
+                    <a:bodyPr/>
+                    <a:lstStyle/>
+                    <a:p>
+                      <a:pPr marL="0" marR="0" lvl="0" indent="0" algn="ctr" defTabSz="914400" rtl="0" eaLnBrk="1" fontAlgn="auto" latinLnBrk="0" hangingPunct="1">
+                        <a:lnSpc>
+                          <a:spcPct val="100000"/>
+                        </a:lnSpc>
+                        <a:spcBef>
+                          <a:spcPts val="0"/>
+                        </a:spcBef>
+                        <a:spcAft>
+                          <a:spcPts val="0"/>
+                        </a:spcAft>
+                        <a:buClrTx/>
+                        <a:buSzTx/>
+                        <a:buFontTx/>
+                        <a:buNone/>
+                        <a:tabLst/>
+                        <a:defRPr/>
+                      </a:pPr>
+                      <a:r>
+                        <a:rPr kumimoji="0" lang="en-GB" sz="1400" b="0" i="0" u="none" strike="noStrike" kern="1200" cap="none" spc="0" normalizeH="0" baseline="0" noProof="0">
+                          <a:ln>
+                            <a:noFill/>
+                          </a:ln>
+                          <a:solidFill>
+                            <a:prstClr val="black"/>
+                          </a:solidFill>
+                          <a:effectLst/>
+                          <a:uLnTx/>
+                          <a:uFillTx/>
+                          <a:latin typeface="Calibri"/>
+                          <a:ea typeface="+mn-ea"/>
+                          <a:cs typeface="+mn-cs"/>
+                        </a:rPr>
+                        <a:t>Support </a:t>
+                      </a:r>
+                    </a:p>
+                    <a:p>
+                      <a:pPr marL="0" marR="0" lvl="0" indent="0" algn="ctr" defTabSz="914400" rtl="0" eaLnBrk="1" fontAlgn="auto" latinLnBrk="0" hangingPunct="1">
+                        <a:lnSpc>
+                          <a:spcPct val="100000"/>
+                        </a:lnSpc>
+                        <a:spcBef>
+                          <a:spcPts val="0"/>
+                        </a:spcBef>
+                        <a:spcAft>
+                          <a:spcPts val="0"/>
+                        </a:spcAft>
+                        <a:buClrTx/>
+                        <a:buSzTx/>
+                        <a:buFontTx/>
+                        <a:buNone/>
+                        <a:tabLst/>
+                        <a:defRPr/>
+                      </a:pPr>
+                      <a:r>
+                        <a:rPr kumimoji="0" lang="en-GB" sz="1400" b="0" i="0" u="none" strike="noStrike" kern="1200" cap="none" spc="0" normalizeH="0" baseline="0" noProof="0">
+                          <a:ln>
+                            <a:noFill/>
+                          </a:ln>
+                          <a:solidFill>
+                            <a:prstClr val="black"/>
+                          </a:solidFill>
+                          <a:effectLst/>
+                          <a:uLnTx/>
+                          <a:uFillTx/>
+                          <a:latin typeface="Calibri"/>
+                          <a:ea typeface="+mn-ea"/>
+                          <a:cs typeface="+mn-cs"/>
+                        </a:rPr>
+                        <a:t>Lecture</a:t>
+                      </a:r>
+                      <a:endParaRPr lang="en-GB" sz="1400" dirty="0"/>
+                    </a:p>
+                  </a:txBody>
+                  <a:tcPr anchor="ctr">
+                    <a:solidFill>
+                      <a:schemeClr val="accent2"/>
+                    </a:solidFill>
+                  </a:tcPr>
+                </a:tc>
+                <a:tc>
+                  <a:txBody>
+                    <a:bodyPr/>
+                    <a:lstStyle/>
+                    <a:p>
+                      <a:pPr marL="0" marR="0" lvl="0" indent="0" algn="ctr" defTabSz="914400" rtl="0" eaLnBrk="1" fontAlgn="auto" latinLnBrk="0" hangingPunct="1">
+                        <a:lnSpc>
+                          <a:spcPct val="100000"/>
+                        </a:lnSpc>
+                        <a:spcBef>
+                          <a:spcPts val="0"/>
+                        </a:spcBef>
+                        <a:spcAft>
+                          <a:spcPts val="0"/>
+                        </a:spcAft>
+                        <a:buClrTx/>
+                        <a:buSzTx/>
+                        <a:buFontTx/>
+                        <a:buNone/>
+                        <a:tabLst/>
+                        <a:defRPr/>
+                      </a:pPr>
+                      <a:r>
+                        <a:rPr kumimoji="0" lang="en-GB" sz="1400" b="0" i="0" u="none" strike="noStrike" kern="1200" cap="none" spc="0" normalizeH="0" baseline="0" noProof="0">
+                          <a:ln>
+                            <a:noFill/>
+                          </a:ln>
+                          <a:solidFill>
+                            <a:prstClr val="black"/>
+                          </a:solidFill>
+                          <a:effectLst/>
+                          <a:uLnTx/>
+                          <a:uFillTx/>
+                          <a:latin typeface="Calibri"/>
+                          <a:ea typeface="+mn-ea"/>
+                          <a:cs typeface="+mn-cs"/>
+                        </a:rPr>
+                        <a:t>Support </a:t>
+                      </a:r>
+                    </a:p>
+                    <a:p>
+                      <a:pPr marL="0" marR="0" lvl="0" indent="0" algn="ctr" defTabSz="914400" rtl="0" eaLnBrk="1" fontAlgn="auto" latinLnBrk="0" hangingPunct="1">
+                        <a:lnSpc>
+                          <a:spcPct val="100000"/>
+                        </a:lnSpc>
+                        <a:spcBef>
+                          <a:spcPts val="0"/>
+                        </a:spcBef>
+                        <a:spcAft>
+                          <a:spcPts val="0"/>
+                        </a:spcAft>
+                        <a:buClrTx/>
+                        <a:buSzTx/>
+                        <a:buFontTx/>
+                        <a:buNone/>
+                        <a:tabLst/>
+                        <a:defRPr/>
+                      </a:pPr>
+                      <a:r>
+                        <a:rPr kumimoji="0" lang="en-GB" sz="1400" b="0" i="0" u="none" strike="noStrike" kern="1200" cap="none" spc="0" normalizeH="0" baseline="0" noProof="0">
+                          <a:ln>
+                            <a:noFill/>
+                          </a:ln>
+                          <a:solidFill>
+                            <a:prstClr val="black"/>
+                          </a:solidFill>
+                          <a:effectLst/>
+                          <a:uLnTx/>
+                          <a:uFillTx/>
+                          <a:latin typeface="Calibri"/>
+                          <a:ea typeface="+mn-ea"/>
+                          <a:cs typeface="+mn-cs"/>
+                        </a:rPr>
+                        <a:t>Lecture</a:t>
+                      </a:r>
+                      <a:endParaRPr lang="en-GB" sz="1400" dirty="0"/>
+                    </a:p>
+                  </a:txBody>
+                  <a:tcPr anchor="ctr">
+                    <a:solidFill>
+                      <a:schemeClr val="accent2"/>
+                    </a:solidFill>
+                  </a:tcPr>
+                </a:tc>
+                <a:tc>
+                  <a:txBody>
+                    <a:bodyPr/>
+                    <a:lstStyle/>
+                    <a:p>
+                      <a:pPr marL="0" marR="0" lvl="0" indent="0" algn="ctr" defTabSz="914400" rtl="0" eaLnBrk="1" fontAlgn="auto" latinLnBrk="0" hangingPunct="1">
+                        <a:lnSpc>
+                          <a:spcPct val="100000"/>
+                        </a:lnSpc>
+                        <a:spcBef>
+                          <a:spcPts val="0"/>
+                        </a:spcBef>
+                        <a:spcAft>
+                          <a:spcPts val="0"/>
+                        </a:spcAft>
+                        <a:buClrTx/>
+                        <a:buSzTx/>
+                        <a:buFontTx/>
+                        <a:buNone/>
+                        <a:tabLst/>
+                        <a:defRPr/>
+                      </a:pPr>
+                      <a:r>
+                        <a:rPr kumimoji="0" lang="en-GB" sz="1400" b="0" i="0" u="none" strike="noStrike" kern="1200" cap="none" spc="0" normalizeH="0" baseline="0" noProof="0">
+                          <a:ln>
+                            <a:noFill/>
+                          </a:ln>
+                          <a:solidFill>
+                            <a:prstClr val="black"/>
+                          </a:solidFill>
+                          <a:effectLst/>
+                          <a:uLnTx/>
+                          <a:uFillTx/>
+                          <a:latin typeface="Calibri"/>
+                          <a:ea typeface="+mn-ea"/>
+                          <a:cs typeface="+mn-cs"/>
+                        </a:rPr>
+                        <a:t>Support </a:t>
+                      </a:r>
+                    </a:p>
+                    <a:p>
+                      <a:pPr marL="0" marR="0" lvl="0" indent="0" algn="ctr" defTabSz="914400" rtl="0" eaLnBrk="1" fontAlgn="auto" latinLnBrk="0" hangingPunct="1">
+                        <a:lnSpc>
+                          <a:spcPct val="100000"/>
+                        </a:lnSpc>
+                        <a:spcBef>
+                          <a:spcPts val="0"/>
+                        </a:spcBef>
+                        <a:spcAft>
+                          <a:spcPts val="0"/>
+                        </a:spcAft>
+                        <a:buClrTx/>
+                        <a:buSzTx/>
+                        <a:buFontTx/>
+                        <a:buNone/>
+                        <a:tabLst/>
+                        <a:defRPr/>
+                      </a:pPr>
+                      <a:r>
+                        <a:rPr kumimoji="0" lang="en-GB" sz="1400" b="0" i="0" u="none" strike="noStrike" kern="1200" cap="none" spc="0" normalizeH="0" baseline="0" noProof="0">
+                          <a:ln>
+                            <a:noFill/>
+                          </a:ln>
+                          <a:solidFill>
+                            <a:prstClr val="black"/>
+                          </a:solidFill>
+                          <a:effectLst/>
+                          <a:uLnTx/>
+                          <a:uFillTx/>
+                          <a:latin typeface="Calibri"/>
+                          <a:ea typeface="+mn-ea"/>
+                          <a:cs typeface="+mn-cs"/>
+                        </a:rPr>
+                        <a:t>Lecture</a:t>
+                      </a:r>
+                      <a:endParaRPr lang="en-GB" sz="1400" baseline="0" dirty="0"/>
+                    </a:p>
+                  </a:txBody>
+                  <a:tcPr anchor="ctr">
+                    <a:solidFill>
+                      <a:schemeClr val="accent2"/>
+                    </a:solidFill>
+                  </a:tcPr>
+                </a:tc>
+                <a:tc>
+                  <a:txBody>
+                    <a:bodyPr/>
+                    <a:lstStyle/>
+                    <a:p>
+                      <a:pPr marL="0" marR="0" lvl="0" indent="0" algn="ctr" defTabSz="914400" rtl="0" eaLnBrk="1" fontAlgn="auto" latinLnBrk="0" hangingPunct="1">
+                        <a:lnSpc>
+                          <a:spcPct val="100000"/>
+                        </a:lnSpc>
+                        <a:spcBef>
+                          <a:spcPts val="0"/>
+                        </a:spcBef>
+                        <a:spcAft>
+                          <a:spcPts val="0"/>
+                        </a:spcAft>
+                        <a:buClrTx/>
+                        <a:buSzTx/>
+                        <a:buFontTx/>
+                        <a:buNone/>
+                        <a:tabLst/>
+                        <a:defRPr/>
+                      </a:pPr>
+                      <a:r>
+                        <a:rPr kumimoji="0" lang="en-GB" sz="1400" b="0" i="0" u="none" strike="noStrike" kern="1200" cap="none" spc="0" normalizeH="0" baseline="0" noProof="0">
+                          <a:ln>
+                            <a:noFill/>
+                          </a:ln>
+                          <a:solidFill>
+                            <a:prstClr val="black"/>
+                          </a:solidFill>
+                          <a:effectLst/>
+                          <a:uLnTx/>
+                          <a:uFillTx/>
+                          <a:latin typeface="Calibri"/>
+                          <a:ea typeface="+mn-ea"/>
+                          <a:cs typeface="+mn-cs"/>
+                        </a:rPr>
+                        <a:t>Support </a:t>
+                      </a:r>
+                    </a:p>
+                    <a:p>
+                      <a:pPr marL="0" marR="0" lvl="0" indent="0" algn="ctr" defTabSz="914400" rtl="0" eaLnBrk="1" fontAlgn="auto" latinLnBrk="0" hangingPunct="1">
+                        <a:lnSpc>
+                          <a:spcPct val="100000"/>
+                        </a:lnSpc>
+                        <a:spcBef>
+                          <a:spcPts val="0"/>
+                        </a:spcBef>
+                        <a:spcAft>
+                          <a:spcPts val="0"/>
+                        </a:spcAft>
+                        <a:buClrTx/>
+                        <a:buSzTx/>
+                        <a:buFontTx/>
+                        <a:buNone/>
+                        <a:tabLst/>
+                        <a:defRPr/>
+                      </a:pPr>
+                      <a:r>
+                        <a:rPr kumimoji="0" lang="en-GB" sz="1400" b="0" i="0" u="none" strike="noStrike" kern="1200" cap="none" spc="0" normalizeH="0" baseline="0" noProof="0">
+                          <a:ln>
+                            <a:noFill/>
+                          </a:ln>
+                          <a:solidFill>
+                            <a:prstClr val="black"/>
+                          </a:solidFill>
+                          <a:effectLst/>
+                          <a:uLnTx/>
+                          <a:uFillTx/>
+                          <a:latin typeface="Calibri"/>
+                          <a:ea typeface="+mn-ea"/>
+                          <a:cs typeface="+mn-cs"/>
+                        </a:rPr>
+                        <a:t>Lecture</a:t>
+                      </a:r>
+                      <a:endParaRPr lang="en-GB" sz="1400" dirty="0"/>
+                    </a:p>
+                  </a:txBody>
+                  <a:tcPr anchor="ctr">
+                    <a:solidFill>
+                      <a:schemeClr val="accent2"/>
+                    </a:solidFill>
+                  </a:tcPr>
+                </a:tc>
+                <a:tc>
+                  <a:txBody>
+                    <a:bodyPr/>
+                    <a:lstStyle/>
+                    <a:p>
+                      <a:pPr marL="0" marR="0" lvl="0" indent="0" algn="ctr" defTabSz="914400" rtl="0" eaLnBrk="1" fontAlgn="auto" latinLnBrk="0" hangingPunct="1">
+                        <a:lnSpc>
+                          <a:spcPct val="100000"/>
+                        </a:lnSpc>
+                        <a:spcBef>
+                          <a:spcPts val="0"/>
+                        </a:spcBef>
+                        <a:spcAft>
+                          <a:spcPts val="0"/>
+                        </a:spcAft>
+                        <a:buClrTx/>
+                        <a:buSzTx/>
+                        <a:buFontTx/>
+                        <a:buNone/>
+                        <a:tabLst/>
+                        <a:defRPr/>
+                      </a:pPr>
+                      <a:r>
+                        <a:rPr kumimoji="0" lang="en-GB" sz="1400" b="0" i="0" u="none" strike="noStrike" kern="1200" cap="none" spc="0" normalizeH="0" baseline="0" noProof="0" dirty="0">
+                          <a:ln>
+                            <a:noFill/>
+                          </a:ln>
+                          <a:solidFill>
+                            <a:prstClr val="black"/>
+                          </a:solidFill>
+                          <a:effectLst/>
+                          <a:uLnTx/>
+                          <a:uFillTx/>
+                          <a:latin typeface="Calibri"/>
+                          <a:ea typeface="+mn-ea"/>
+                          <a:cs typeface="+mn-cs"/>
+                        </a:rPr>
+                        <a:t>Support </a:t>
+                      </a:r>
+                    </a:p>
+                    <a:p>
+                      <a:pPr marL="0" marR="0" lvl="0" indent="0" algn="ctr" defTabSz="914400" rtl="0" eaLnBrk="1" fontAlgn="auto" latinLnBrk="0" hangingPunct="1">
+                        <a:lnSpc>
+                          <a:spcPct val="100000"/>
+                        </a:lnSpc>
+                        <a:spcBef>
+                          <a:spcPts val="0"/>
+                        </a:spcBef>
+                        <a:spcAft>
+                          <a:spcPts val="0"/>
+                        </a:spcAft>
+                        <a:buClrTx/>
+                        <a:buSzTx/>
+                        <a:buFontTx/>
+                        <a:buNone/>
+                        <a:tabLst/>
+                        <a:defRPr/>
+                      </a:pPr>
+                      <a:r>
+                        <a:rPr kumimoji="0" lang="en-GB" sz="1400" b="0" i="0" u="none" strike="noStrike" kern="1200" cap="none" spc="0" normalizeH="0" baseline="0" noProof="0" dirty="0">
+                          <a:ln>
+                            <a:noFill/>
+                          </a:ln>
+                          <a:solidFill>
+                            <a:prstClr val="black"/>
+                          </a:solidFill>
+                          <a:effectLst/>
+                          <a:uLnTx/>
+                          <a:uFillTx/>
+                          <a:latin typeface="Calibri"/>
+                          <a:ea typeface="+mn-ea"/>
+                          <a:cs typeface="+mn-cs"/>
+                        </a:rPr>
+                        <a:t>Lecture</a:t>
+                      </a:r>
+                      <a:endParaRPr lang="en-GB" sz="1400" dirty="0"/>
+                    </a:p>
+                  </a:txBody>
+                  <a:tcPr anchor="ctr">
+                    <a:solidFill>
+                      <a:schemeClr val="accent2"/>
+                    </a:solidFill>
+                  </a:tcPr>
+                </a:tc>
+                <a:extLst>
+                  <a:ext uri="{0D108BD9-81ED-4DB2-BD59-A6C34878D82A}">
+                    <a16:rowId xmlns:a16="http://schemas.microsoft.com/office/drawing/2014/main" val="10001"/>
+                  </a:ext>
+                </a:extLst>
+              </a:tr>
+              <a:tr h="370840">
+                <a:tc>
+                  <a:txBody>
+                    <a:bodyPr/>
+                    <a:lstStyle/>
+                    <a:p>
+                      <a:pPr marL="0" marR="0" lvl="0" indent="0" algn="ctr" defTabSz="914400" rtl="0" eaLnBrk="1" fontAlgn="auto" latinLnBrk="0" hangingPunct="1">
+                        <a:lnSpc>
+                          <a:spcPct val="100000"/>
+                        </a:lnSpc>
+                        <a:spcBef>
+                          <a:spcPts val="0"/>
+                        </a:spcBef>
+                        <a:spcAft>
+                          <a:spcPts val="0"/>
+                        </a:spcAft>
+                        <a:buClrTx/>
+                        <a:buSzTx/>
+                        <a:buFontTx/>
+                        <a:buNone/>
+                        <a:tabLst/>
+                        <a:defRPr/>
+                      </a:pPr>
+                      <a:r>
+                        <a:rPr kumimoji="0" lang="en-GB" sz="1400" b="0" i="0" u="none" strike="noStrike" kern="1200" cap="none" spc="0" normalizeH="0" baseline="0" noProof="0">
+                          <a:ln>
+                            <a:noFill/>
+                          </a:ln>
+                          <a:solidFill>
+                            <a:prstClr val="black"/>
+                          </a:solidFill>
+                          <a:effectLst/>
+                          <a:uLnTx/>
+                          <a:uFillTx/>
+                          <a:latin typeface="Calibri"/>
+                          <a:ea typeface="+mn-ea"/>
+                          <a:cs typeface="+mn-cs"/>
+                        </a:rPr>
+                        <a:t>Supervisor</a:t>
+                      </a:r>
+                    </a:p>
+                    <a:p>
+                      <a:pPr marL="0" marR="0" lvl="0" indent="0" algn="ctr" defTabSz="914400" rtl="0" eaLnBrk="1" fontAlgn="auto" latinLnBrk="0" hangingPunct="1">
+                        <a:lnSpc>
+                          <a:spcPct val="100000"/>
+                        </a:lnSpc>
+                        <a:spcBef>
+                          <a:spcPts val="0"/>
+                        </a:spcBef>
+                        <a:spcAft>
+                          <a:spcPts val="0"/>
+                        </a:spcAft>
+                        <a:buClrTx/>
+                        <a:buSzTx/>
+                        <a:buFontTx/>
+                        <a:buNone/>
+                        <a:tabLst/>
+                        <a:defRPr/>
+                      </a:pPr>
+                      <a:r>
+                        <a:rPr kumimoji="0" lang="en-GB" sz="1400" b="0" i="0" u="none" strike="noStrike" kern="1200" cap="none" spc="0" normalizeH="0" baseline="0" noProof="0">
+                          <a:ln>
+                            <a:noFill/>
+                          </a:ln>
+                          <a:solidFill>
+                            <a:prstClr val="black"/>
+                          </a:solidFill>
+                          <a:effectLst/>
+                          <a:uLnTx/>
+                          <a:uFillTx/>
+                          <a:latin typeface="Calibri"/>
+                          <a:ea typeface="+mn-ea"/>
+                          <a:cs typeface="+mn-cs"/>
+                        </a:rPr>
+                        <a:t>Meeting</a:t>
+                      </a:r>
+                      <a:endParaRPr kumimoji="0" lang="en-GB" sz="1400" b="0" i="0" u="none" strike="noStrike" kern="1200" cap="none" spc="0" normalizeH="0" baseline="0" noProof="0" dirty="0">
+                        <a:ln>
+                          <a:noFill/>
+                        </a:ln>
+                        <a:solidFill>
+                          <a:prstClr val="black"/>
+                        </a:solidFill>
+                        <a:effectLst/>
+                        <a:uLnTx/>
+                        <a:uFillTx/>
+                        <a:latin typeface="Calibri"/>
+                        <a:ea typeface="+mn-ea"/>
+                        <a:cs typeface="+mn-cs"/>
+                      </a:endParaRPr>
+                    </a:p>
+                  </a:txBody>
+                  <a:tcPr anchor="ctr">
+                    <a:solidFill>
+                      <a:schemeClr val="accent3"/>
+                    </a:solidFill>
+                  </a:tcPr>
+                </a:tc>
+                <a:tc>
+                  <a:txBody>
+                    <a:bodyPr/>
+                    <a:lstStyle/>
+                    <a:p>
+                      <a:pPr marL="0" marR="0" lvl="0" indent="0" algn="ctr" defTabSz="914400" rtl="0" eaLnBrk="1" fontAlgn="auto" latinLnBrk="0" hangingPunct="1">
+                        <a:lnSpc>
+                          <a:spcPct val="100000"/>
+                        </a:lnSpc>
+                        <a:spcBef>
+                          <a:spcPts val="0"/>
+                        </a:spcBef>
+                        <a:spcAft>
+                          <a:spcPts val="0"/>
+                        </a:spcAft>
+                        <a:buClrTx/>
+                        <a:buSzTx/>
+                        <a:buFontTx/>
+                        <a:buNone/>
+                        <a:tabLst/>
+                        <a:defRPr/>
+                      </a:pPr>
+                      <a:r>
+                        <a:rPr kumimoji="0" lang="en-GB" sz="1400" b="0" i="0" u="none" strike="noStrike" kern="1200" cap="none" spc="0" normalizeH="0" baseline="0" noProof="0">
+                          <a:ln>
+                            <a:noFill/>
+                          </a:ln>
+                          <a:solidFill>
+                            <a:prstClr val="black"/>
+                          </a:solidFill>
+                          <a:effectLst/>
+                          <a:uLnTx/>
+                          <a:uFillTx/>
+                          <a:latin typeface="Calibri"/>
+                          <a:ea typeface="+mn-ea"/>
+                          <a:cs typeface="+mn-cs"/>
+                        </a:rPr>
+                        <a:t>Supervisor</a:t>
+                      </a:r>
+                    </a:p>
+                    <a:p>
+                      <a:pPr marL="0" marR="0" lvl="0" indent="0" algn="ctr" defTabSz="914400" rtl="0" eaLnBrk="1" fontAlgn="auto" latinLnBrk="0" hangingPunct="1">
+                        <a:lnSpc>
+                          <a:spcPct val="100000"/>
+                        </a:lnSpc>
+                        <a:spcBef>
+                          <a:spcPts val="0"/>
+                        </a:spcBef>
+                        <a:spcAft>
+                          <a:spcPts val="0"/>
+                        </a:spcAft>
+                        <a:buClrTx/>
+                        <a:buSzTx/>
+                        <a:buFontTx/>
+                        <a:buNone/>
+                        <a:tabLst/>
+                        <a:defRPr/>
+                      </a:pPr>
+                      <a:r>
+                        <a:rPr kumimoji="0" lang="en-GB" sz="1400" b="0" i="0" u="none" strike="noStrike" kern="1200" cap="none" spc="0" normalizeH="0" baseline="0" noProof="0">
+                          <a:ln>
+                            <a:noFill/>
+                          </a:ln>
+                          <a:solidFill>
+                            <a:prstClr val="black"/>
+                          </a:solidFill>
+                          <a:effectLst/>
+                          <a:uLnTx/>
+                          <a:uFillTx/>
+                          <a:latin typeface="Calibri"/>
+                          <a:ea typeface="+mn-ea"/>
+                          <a:cs typeface="+mn-cs"/>
+                        </a:rPr>
+                        <a:t>Meeting</a:t>
+                      </a:r>
+                      <a:endParaRPr kumimoji="0" lang="en-GB" sz="1400" b="0" i="0" u="none" strike="noStrike" kern="1200" cap="none" spc="0" normalizeH="0" baseline="0" noProof="0" dirty="0">
+                        <a:ln>
+                          <a:noFill/>
+                        </a:ln>
+                        <a:solidFill>
+                          <a:prstClr val="black"/>
+                        </a:solidFill>
+                        <a:effectLst/>
+                        <a:uLnTx/>
+                        <a:uFillTx/>
+                        <a:latin typeface="Calibri"/>
+                        <a:ea typeface="+mn-ea"/>
+                        <a:cs typeface="+mn-cs"/>
+                      </a:endParaRPr>
+                    </a:p>
+                  </a:txBody>
+                  <a:tcPr anchor="ctr">
+                    <a:solidFill>
+                      <a:schemeClr val="accent3"/>
+                    </a:solidFill>
+                  </a:tcPr>
+                </a:tc>
+                <a:tc>
+                  <a:txBody>
+                    <a:bodyPr/>
+                    <a:lstStyle/>
+                    <a:p>
+                      <a:pPr marL="0" marR="0" lvl="0" indent="0" algn="ctr" defTabSz="914400" rtl="0" eaLnBrk="1" fontAlgn="auto" latinLnBrk="0" hangingPunct="1">
+                        <a:lnSpc>
+                          <a:spcPct val="100000"/>
+                        </a:lnSpc>
+                        <a:spcBef>
+                          <a:spcPts val="0"/>
+                        </a:spcBef>
+                        <a:spcAft>
+                          <a:spcPts val="0"/>
+                        </a:spcAft>
+                        <a:buClrTx/>
+                        <a:buSzTx/>
+                        <a:buFontTx/>
+                        <a:buNone/>
+                        <a:tabLst/>
+                        <a:defRPr/>
+                      </a:pPr>
+                      <a:r>
+                        <a:rPr kumimoji="0" lang="en-GB" sz="1400" b="0" i="0" u="none" strike="noStrike" kern="1200" cap="none" spc="0" normalizeH="0" baseline="0" noProof="0">
+                          <a:ln>
+                            <a:noFill/>
+                          </a:ln>
+                          <a:solidFill>
+                            <a:prstClr val="black"/>
+                          </a:solidFill>
+                          <a:effectLst/>
+                          <a:uLnTx/>
+                          <a:uFillTx/>
+                          <a:latin typeface="Calibri"/>
+                          <a:ea typeface="+mn-ea"/>
+                          <a:cs typeface="+mn-cs"/>
+                        </a:rPr>
+                        <a:t>Supervisor</a:t>
+                      </a:r>
+                    </a:p>
+                    <a:p>
+                      <a:pPr marL="0" marR="0" lvl="0" indent="0" algn="ctr" defTabSz="914400" rtl="0" eaLnBrk="1" fontAlgn="auto" latinLnBrk="0" hangingPunct="1">
+                        <a:lnSpc>
+                          <a:spcPct val="100000"/>
+                        </a:lnSpc>
+                        <a:spcBef>
+                          <a:spcPts val="0"/>
+                        </a:spcBef>
+                        <a:spcAft>
+                          <a:spcPts val="0"/>
+                        </a:spcAft>
+                        <a:buClrTx/>
+                        <a:buSzTx/>
+                        <a:buFontTx/>
+                        <a:buNone/>
+                        <a:tabLst/>
+                        <a:defRPr/>
+                      </a:pPr>
+                      <a:r>
+                        <a:rPr kumimoji="0" lang="en-GB" sz="1400" b="0" i="0" u="none" strike="noStrike" kern="1200" cap="none" spc="0" normalizeH="0" baseline="0" noProof="0">
+                          <a:ln>
+                            <a:noFill/>
+                          </a:ln>
+                          <a:solidFill>
+                            <a:prstClr val="black"/>
+                          </a:solidFill>
+                          <a:effectLst/>
+                          <a:uLnTx/>
+                          <a:uFillTx/>
+                          <a:latin typeface="Calibri"/>
+                          <a:ea typeface="+mn-ea"/>
+                          <a:cs typeface="+mn-cs"/>
+                        </a:rPr>
+                        <a:t>Meeting</a:t>
+                      </a:r>
+                      <a:endParaRPr kumimoji="0" lang="en-GB" sz="1400" b="0" i="0" u="none" strike="noStrike" kern="1200" cap="none" spc="0" normalizeH="0" baseline="0" noProof="0" dirty="0">
+                        <a:ln>
+                          <a:noFill/>
+                        </a:ln>
+                        <a:solidFill>
+                          <a:prstClr val="black"/>
+                        </a:solidFill>
+                        <a:effectLst/>
+                        <a:uLnTx/>
+                        <a:uFillTx/>
+                        <a:latin typeface="Calibri"/>
+                        <a:ea typeface="+mn-ea"/>
+                        <a:cs typeface="+mn-cs"/>
+                      </a:endParaRPr>
+                    </a:p>
+                  </a:txBody>
+                  <a:tcPr anchor="ctr">
+                    <a:solidFill>
+                      <a:schemeClr val="accent3"/>
+                    </a:solidFill>
+                  </a:tcPr>
+                </a:tc>
+                <a:tc>
+                  <a:txBody>
+                    <a:bodyPr/>
+                    <a:lstStyle/>
+                    <a:p>
+                      <a:pPr marL="0" marR="0" lvl="0" indent="0" algn="ctr" defTabSz="914400" rtl="0" eaLnBrk="1" fontAlgn="auto" latinLnBrk="0" hangingPunct="1">
+                        <a:lnSpc>
+                          <a:spcPct val="100000"/>
+                        </a:lnSpc>
+                        <a:spcBef>
+                          <a:spcPts val="0"/>
+                        </a:spcBef>
+                        <a:spcAft>
+                          <a:spcPts val="0"/>
+                        </a:spcAft>
+                        <a:buClrTx/>
+                        <a:buSzTx/>
+                        <a:buFontTx/>
+                        <a:buNone/>
+                        <a:tabLst/>
+                        <a:defRPr/>
+                      </a:pPr>
+                      <a:r>
+                        <a:rPr kumimoji="0" lang="en-GB" sz="1400" b="0" i="0" u="none" strike="noStrike" kern="1200" cap="none" spc="0" normalizeH="0" baseline="0" noProof="0">
+                          <a:ln>
+                            <a:noFill/>
+                          </a:ln>
+                          <a:solidFill>
+                            <a:prstClr val="black"/>
+                          </a:solidFill>
+                          <a:effectLst/>
+                          <a:uLnTx/>
+                          <a:uFillTx/>
+                          <a:latin typeface="Calibri"/>
+                          <a:ea typeface="+mn-ea"/>
+                          <a:cs typeface="+mn-cs"/>
+                        </a:rPr>
+                        <a:t>Supervisor</a:t>
+                      </a:r>
+                    </a:p>
+                    <a:p>
+                      <a:pPr marL="0" marR="0" lvl="0" indent="0" algn="ctr" defTabSz="914400" rtl="0" eaLnBrk="1" fontAlgn="auto" latinLnBrk="0" hangingPunct="1">
+                        <a:lnSpc>
+                          <a:spcPct val="100000"/>
+                        </a:lnSpc>
+                        <a:spcBef>
+                          <a:spcPts val="0"/>
+                        </a:spcBef>
+                        <a:spcAft>
+                          <a:spcPts val="0"/>
+                        </a:spcAft>
+                        <a:buClrTx/>
+                        <a:buSzTx/>
+                        <a:buFontTx/>
+                        <a:buNone/>
+                        <a:tabLst/>
+                        <a:defRPr/>
+                      </a:pPr>
+                      <a:r>
+                        <a:rPr kumimoji="0" lang="en-GB" sz="1400" b="0" i="0" u="none" strike="noStrike" kern="1200" cap="none" spc="0" normalizeH="0" baseline="0" noProof="0">
+                          <a:ln>
+                            <a:noFill/>
+                          </a:ln>
+                          <a:solidFill>
+                            <a:prstClr val="black"/>
+                          </a:solidFill>
+                          <a:effectLst/>
+                          <a:uLnTx/>
+                          <a:uFillTx/>
+                          <a:latin typeface="Calibri"/>
+                          <a:ea typeface="+mn-ea"/>
+                          <a:cs typeface="+mn-cs"/>
+                        </a:rPr>
+                        <a:t>Meeting</a:t>
+                      </a:r>
+                      <a:endParaRPr kumimoji="0" lang="en-GB" sz="1400" b="0" i="0" u="none" strike="noStrike" kern="1200" cap="none" spc="0" normalizeH="0" baseline="0" noProof="0" dirty="0">
+                        <a:ln>
+                          <a:noFill/>
+                        </a:ln>
+                        <a:solidFill>
+                          <a:prstClr val="black"/>
+                        </a:solidFill>
+                        <a:effectLst/>
+                        <a:uLnTx/>
+                        <a:uFillTx/>
+                        <a:latin typeface="Calibri"/>
+                        <a:ea typeface="+mn-ea"/>
+                        <a:cs typeface="+mn-cs"/>
+                      </a:endParaRPr>
+                    </a:p>
+                  </a:txBody>
+                  <a:tcPr anchor="ctr">
+                    <a:solidFill>
+                      <a:schemeClr val="accent3"/>
+                    </a:solidFill>
+                  </a:tcPr>
+                </a:tc>
+                <a:tc>
+                  <a:txBody>
+                    <a:bodyPr/>
+                    <a:lstStyle/>
+                    <a:p>
+                      <a:pPr marL="0" marR="0" lvl="0" indent="0" algn="ctr" defTabSz="914400" rtl="0" eaLnBrk="1" fontAlgn="auto" latinLnBrk="0" hangingPunct="1">
+                        <a:lnSpc>
+                          <a:spcPct val="100000"/>
+                        </a:lnSpc>
+                        <a:spcBef>
+                          <a:spcPts val="0"/>
+                        </a:spcBef>
+                        <a:spcAft>
+                          <a:spcPts val="0"/>
+                        </a:spcAft>
+                        <a:buClrTx/>
+                        <a:buSzTx/>
+                        <a:buFontTx/>
+                        <a:buNone/>
+                        <a:tabLst/>
+                        <a:defRPr/>
+                      </a:pPr>
+                      <a:r>
+                        <a:rPr kumimoji="0" lang="en-GB" sz="1400" b="0" i="0" u="none" strike="noStrike" kern="1200" cap="none" spc="0" normalizeH="0" baseline="0" noProof="0">
+                          <a:ln>
+                            <a:noFill/>
+                          </a:ln>
+                          <a:solidFill>
+                            <a:prstClr val="black"/>
+                          </a:solidFill>
+                          <a:effectLst/>
+                          <a:uLnTx/>
+                          <a:uFillTx/>
+                          <a:latin typeface="Calibri"/>
+                          <a:ea typeface="+mn-ea"/>
+                          <a:cs typeface="+mn-cs"/>
+                        </a:rPr>
+                        <a:t>Supervisor</a:t>
+                      </a:r>
+                    </a:p>
+                    <a:p>
+                      <a:pPr marL="0" marR="0" lvl="0" indent="0" algn="ctr" defTabSz="914400" rtl="0" eaLnBrk="1" fontAlgn="auto" latinLnBrk="0" hangingPunct="1">
+                        <a:lnSpc>
+                          <a:spcPct val="100000"/>
+                        </a:lnSpc>
+                        <a:spcBef>
+                          <a:spcPts val="0"/>
+                        </a:spcBef>
+                        <a:spcAft>
+                          <a:spcPts val="0"/>
+                        </a:spcAft>
+                        <a:buClrTx/>
+                        <a:buSzTx/>
+                        <a:buFontTx/>
+                        <a:buNone/>
+                        <a:tabLst/>
+                        <a:defRPr/>
+                      </a:pPr>
+                      <a:r>
+                        <a:rPr kumimoji="0" lang="en-GB" sz="1400" b="0" i="0" u="none" strike="noStrike" kern="1200" cap="none" spc="0" normalizeH="0" baseline="0" noProof="0">
+                          <a:ln>
+                            <a:noFill/>
+                          </a:ln>
+                          <a:solidFill>
+                            <a:prstClr val="black"/>
+                          </a:solidFill>
+                          <a:effectLst/>
+                          <a:uLnTx/>
+                          <a:uFillTx/>
+                          <a:latin typeface="Calibri"/>
+                          <a:ea typeface="+mn-ea"/>
+                          <a:cs typeface="+mn-cs"/>
+                        </a:rPr>
+                        <a:t>Meeting</a:t>
+                      </a:r>
+                      <a:endParaRPr kumimoji="0" lang="en-GB" sz="1400" b="0" i="0" u="none" strike="noStrike" kern="1200" cap="none" spc="0" normalizeH="0" baseline="0" noProof="0" dirty="0">
+                        <a:ln>
+                          <a:noFill/>
+                        </a:ln>
+                        <a:solidFill>
+                          <a:prstClr val="black"/>
+                        </a:solidFill>
+                        <a:effectLst/>
+                        <a:uLnTx/>
+                        <a:uFillTx/>
+                        <a:latin typeface="Calibri"/>
+                        <a:ea typeface="+mn-ea"/>
+                        <a:cs typeface="+mn-cs"/>
+                      </a:endParaRPr>
+                    </a:p>
+                  </a:txBody>
+                  <a:tcPr anchor="ctr">
+                    <a:solidFill>
+                      <a:schemeClr val="accent3"/>
+                    </a:solidFill>
+                  </a:tcPr>
+                </a:tc>
+                <a:tc>
+                  <a:txBody>
+                    <a:bodyPr/>
+                    <a:lstStyle/>
+                    <a:p>
+                      <a:pPr marL="0" marR="0" lvl="0" indent="0" algn="ctr" defTabSz="914400" rtl="0" eaLnBrk="1" fontAlgn="auto" latinLnBrk="0" hangingPunct="1">
+                        <a:lnSpc>
+                          <a:spcPct val="100000"/>
+                        </a:lnSpc>
+                        <a:spcBef>
+                          <a:spcPts val="0"/>
+                        </a:spcBef>
+                        <a:spcAft>
+                          <a:spcPts val="0"/>
+                        </a:spcAft>
+                        <a:buClrTx/>
+                        <a:buSzTx/>
+                        <a:buFontTx/>
+                        <a:buNone/>
+                        <a:tabLst/>
+                        <a:defRPr/>
+                      </a:pPr>
+                      <a:r>
+                        <a:rPr kumimoji="0" lang="en-GB" sz="1400" b="0" i="0" u="none" strike="noStrike" kern="1200" cap="none" spc="0" normalizeH="0" baseline="0" noProof="0" dirty="0">
+                          <a:ln>
+                            <a:noFill/>
+                          </a:ln>
+                          <a:solidFill>
+                            <a:prstClr val="black"/>
+                          </a:solidFill>
+                          <a:effectLst/>
+                          <a:uLnTx/>
+                          <a:uFillTx/>
+                          <a:latin typeface="Calibri"/>
+                          <a:ea typeface="+mn-ea"/>
+                          <a:cs typeface="+mn-cs"/>
+                        </a:rPr>
+                        <a:t>Supervisor</a:t>
+                      </a:r>
+                    </a:p>
+                    <a:p>
+                      <a:pPr marL="0" marR="0" lvl="0" indent="0" algn="ctr" defTabSz="914400" rtl="0" eaLnBrk="1" fontAlgn="auto" latinLnBrk="0" hangingPunct="1">
+                        <a:lnSpc>
+                          <a:spcPct val="100000"/>
+                        </a:lnSpc>
+                        <a:spcBef>
+                          <a:spcPts val="0"/>
+                        </a:spcBef>
+                        <a:spcAft>
+                          <a:spcPts val="0"/>
+                        </a:spcAft>
+                        <a:buClrTx/>
+                        <a:buSzTx/>
+                        <a:buFontTx/>
+                        <a:buNone/>
+                        <a:tabLst/>
+                        <a:defRPr/>
+                      </a:pPr>
+                      <a:r>
+                        <a:rPr kumimoji="0" lang="en-GB" sz="1400" b="0" i="0" u="none" strike="noStrike" kern="1200" cap="none" spc="0" normalizeH="0" baseline="0" noProof="0" dirty="0">
+                          <a:ln>
+                            <a:noFill/>
+                          </a:ln>
+                          <a:solidFill>
+                            <a:prstClr val="black"/>
+                          </a:solidFill>
+                          <a:effectLst/>
+                          <a:uLnTx/>
+                          <a:uFillTx/>
+                          <a:latin typeface="Calibri"/>
+                          <a:ea typeface="+mn-ea"/>
+                          <a:cs typeface="+mn-cs"/>
+                        </a:rPr>
+                        <a:t>Meeting</a:t>
+                      </a:r>
+                    </a:p>
+                  </a:txBody>
+                  <a:tcPr anchor="ctr">
+                    <a:solidFill>
+                      <a:schemeClr val="accent3"/>
+                    </a:solidFill>
+                  </a:tcPr>
+                </a:tc>
+                <a:extLst>
+                  <a:ext uri="{0D108BD9-81ED-4DB2-BD59-A6C34878D82A}">
+                    <a16:rowId xmlns:a16="http://schemas.microsoft.com/office/drawing/2014/main" val="3897389130"/>
+                  </a:ext>
+                </a:extLst>
+              </a:tr>
+            </a:tbl>
+          </a:graphicData>
+        </a:graphic>
+      </p:graphicFrame>
+      <p:graphicFrame>
+        <p:nvGraphicFramePr>
+          <p:cNvPr id="7" name="Content Placeholder 3">
+            <a:extLst>
+              <a:ext uri="{FF2B5EF4-FFF2-40B4-BE49-F238E27FC236}">
+                <a16:creationId xmlns:a16="http://schemas.microsoft.com/office/drawing/2014/main" id="{1FDBB499-B236-453B-BFE1-0247D66A5A2D}"/>
+              </a:ext>
+            </a:extLst>
+          </p:cNvPr>
+          <p:cNvGraphicFramePr>
+            <a:graphicFrameLocks/>
+          </p:cNvGraphicFramePr>
+          <p:nvPr>
+            <p:extLst>
+              <p:ext uri="{D42A27DB-BD31-4B8C-83A1-F6EECF244321}">
+                <p14:modId xmlns:p14="http://schemas.microsoft.com/office/powerpoint/2010/main" val="1592212119"/>
+              </p:ext>
+            </p:extLst>
+          </p:nvPr>
+        </p:nvGraphicFramePr>
+        <p:xfrm>
+          <a:off x="467544" y="5216991"/>
+          <a:ext cx="1368152" cy="889000"/>
+        </p:xfrm>
+        <a:graphic>
+          <a:graphicData uri="http://schemas.openxmlformats.org/drawingml/2006/table">
+            <a:tbl>
+              <a:tblPr firstRow="1" bandRow="1">
+                <a:tableStyleId>{5C22544A-7EE6-4342-B048-85BDC9FD1C3A}</a:tableStyleId>
+              </a:tblPr>
+              <a:tblGrid>
+                <a:gridCol w="1368152">
+                  <a:extLst>
+                    <a:ext uri="{9D8B030D-6E8A-4147-A177-3AD203B41FA5}">
+                      <a16:colId xmlns:a16="http://schemas.microsoft.com/office/drawing/2014/main" val="20000"/>
+                    </a:ext>
+                  </a:extLst>
+                </a:gridCol>
+              </a:tblGrid>
+              <a:tr h="370840">
+                <a:tc>
+                  <a:txBody>
+                    <a:bodyPr/>
+                    <a:lstStyle/>
+                    <a:p>
+                      <a:pPr algn="ctr"/>
+                      <a:r>
+                        <a:rPr lang="en-GB" dirty="0"/>
+                        <a:t>Week 13</a:t>
+                      </a:r>
+                    </a:p>
+                  </a:txBody>
+                  <a:tcPr/>
+                </a:tc>
+                <a:extLst>
+                  <a:ext uri="{0D108BD9-81ED-4DB2-BD59-A6C34878D82A}">
+                    <a16:rowId xmlns:a16="http://schemas.microsoft.com/office/drawing/2014/main" val="10000"/>
+                  </a:ext>
+                </a:extLst>
+              </a:tr>
+              <a:tr h="370840">
+                <a:tc>
+                  <a:txBody>
+                    <a:bodyPr/>
+                    <a:lstStyle/>
+                    <a:p>
+                      <a:pPr algn="ctr"/>
+                      <a:r>
+                        <a:rPr lang="en-GB" sz="1400" baseline="0" dirty="0"/>
+                        <a:t>Demo</a:t>
+                      </a:r>
+                    </a:p>
+                    <a:p>
+                      <a:pPr algn="ctr"/>
+                      <a:r>
+                        <a:rPr lang="en-GB" sz="1400" baseline="0" dirty="0"/>
+                        <a:t>Day</a:t>
+                      </a:r>
+                    </a:p>
+                  </a:txBody>
+                  <a:tcPr anchor="ctr">
+                    <a:solidFill>
+                      <a:schemeClr val="accent6">
+                        <a:lumMod val="40000"/>
+                        <a:lumOff val="60000"/>
+                      </a:schemeClr>
+                    </a:solidFill>
+                  </a:tcPr>
+                </a:tc>
+                <a:extLst>
+                  <a:ext uri="{0D108BD9-81ED-4DB2-BD59-A6C34878D82A}">
+                    <a16:rowId xmlns:a16="http://schemas.microsoft.com/office/drawing/2014/main" val="10001"/>
+                  </a:ext>
+                </a:extLst>
+              </a:tr>
+            </a:tbl>
+          </a:graphicData>
+        </a:graphic>
+      </p:graphicFrame>
+    </p:spTree>
+    <p:extLst>
+      <p:ext uri="{BB962C8B-B14F-4D97-AF65-F5344CB8AC3E}">
+        <p14:creationId xmlns:p14="http://schemas.microsoft.com/office/powerpoint/2010/main" val="93967952"/>
+      </p:ext>
+    </p:extLst>
+  </p:cSld>
+  <p:clrMapOvr>
+    <a:masterClrMapping/>
+  </p:clrMapOvr>
+</p:sld>
+</file>
+
+<file path=ppt/slides/slide8.xml><?xml version="1.0" encoding="utf-8"?>
+<p:sld xmlns:a="http://schemas.openxmlformats.org/drawingml/2006/main" xmlns:r="http://schemas.openxmlformats.org/officeDocument/2006/relationships" xmlns:p="http://schemas.openxmlformats.org/presentationml/2006/main">
+  <p:cSld>
+    <p:spTree>
+      <p:nvGrpSpPr>
+        <p:cNvPr id="1" name=""/>
+        <p:cNvGrpSpPr/>
+        <p:nvPr/>
+      </p:nvGrpSpPr>
+      <p:grpSpPr>
+        <a:xfrm>
+          <a:off x="0" y="0"/>
+          <a:ext cx="0" cy="0"/>
+          <a:chOff x="0" y="0"/>
+          <a:chExt cx="0" cy="0"/>
+        </a:xfrm>
+      </p:grpSpPr>
+      <p:sp>
+        <p:nvSpPr>
+          <p:cNvPr id="3" name="Content Placeholder 2"/>
+          <p:cNvSpPr>
+            <a:spLocks noGrp="1"/>
+          </p:cNvSpPr>
+          <p:nvPr>
+            <p:ph idx="1"/>
+          </p:nvPr>
+        </p:nvSpPr>
+        <p:spPr>
+          <a:xfrm>
+            <a:off x="457200" y="548680"/>
+            <a:ext cx="8229600" cy="6192688"/>
+          </a:xfrm>
+        </p:spPr>
+        <p:txBody>
+          <a:bodyPr>
+            <a:normAutofit/>
+          </a:bodyPr>
+          <a:lstStyle/>
+          <a:p>
+            <a:r>
+              <a:rPr lang="en-GB" dirty="0"/>
+              <a:t>Meeting procedures</a:t>
+            </a:r>
+          </a:p>
+          <a:p>
+            <a:pPr lvl="1"/>
+            <a:endParaRPr lang="en-GB" dirty="0"/>
+          </a:p>
+          <a:p>
+            <a:pPr lvl="1"/>
+            <a:endParaRPr lang="en-GB" dirty="0"/>
+          </a:p>
+        </p:txBody>
+      </p:sp>
+      <p:pic>
+        <p:nvPicPr>
+          <p:cNvPr id="2" name="Picture 1">
+            <a:extLst>
+              <a:ext uri="{FF2B5EF4-FFF2-40B4-BE49-F238E27FC236}">
+                <a16:creationId xmlns:a16="http://schemas.microsoft.com/office/drawing/2014/main" id="{1439091E-848E-FC44-BEE8-F2CA34713B0D}"/>
+              </a:ext>
+            </a:extLst>
+          </p:cNvPr>
+          <p:cNvPicPr>
+            <a:picLocks noChangeAspect="1"/>
+          </p:cNvPicPr>
+          <p:nvPr/>
+        </p:nvPicPr>
+        <p:blipFill>
+          <a:blip r:embed="rId2"/>
+          <a:stretch>
+            <a:fillRect/>
+          </a:stretch>
+        </p:blipFill>
+        <p:spPr>
+          <a:xfrm>
+            <a:off x="982851" y="1484784"/>
+            <a:ext cx="3733165" cy="4536504"/>
+          </a:xfrm>
+          <a:prstGeom prst="rect">
+            <a:avLst/>
+          </a:prstGeom>
+        </p:spPr>
+      </p:pic>
+    </p:spTree>
+    <p:extLst>
+      <p:ext uri="{BB962C8B-B14F-4D97-AF65-F5344CB8AC3E}">
+        <p14:creationId xmlns:p14="http://schemas.microsoft.com/office/powerpoint/2010/main" val="2771742052"/>
+      </p:ext>
+    </p:extLst>
+  </p:cSld>
+  <p:clrMapOvr>
+    <a:masterClrMapping/>
+  </p:clrMapOvr>
+</p:sld>
+</file>
+
+<file path=ppt/slides/slide9.xml><?xml version="1.0" encoding="utf-8"?>
+<p:sld xmlns:a="http://schemas.openxmlformats.org/drawingml/2006/main" xmlns:r="http://schemas.openxmlformats.org/officeDocument/2006/relationships" xmlns:p="http://schemas.openxmlformats.org/presentationml/2006/main">
+  <p:cSld>
+    <p:spTree>
+      <p:nvGrpSpPr>
+        <p:cNvPr id="1" name=""/>
+        <p:cNvGrpSpPr/>
+        <p:nvPr/>
+      </p:nvGrpSpPr>
+      <p:grpSpPr>
+        <a:xfrm>
+          <a:off x="0" y="0"/>
+          <a:ext cx="0" cy="0"/>
+          <a:chOff x="0" y="0"/>
+          <a:chExt cx="0" cy="0"/>
+        </a:xfrm>
+      </p:grpSpPr>
+      <p:sp>
+        <p:nvSpPr>
+          <p:cNvPr id="3" name="Content Placeholder 2"/>
+          <p:cNvSpPr>
+            <a:spLocks noGrp="1"/>
+          </p:cNvSpPr>
+          <p:nvPr>
+            <p:ph idx="1"/>
+          </p:nvPr>
+        </p:nvSpPr>
+        <p:spPr>
+          <a:xfrm>
+            <a:off x="457200" y="548680"/>
+            <a:ext cx="8229600" cy="6192688"/>
+          </a:xfrm>
+        </p:spPr>
+        <p:txBody>
+          <a:bodyPr>
+            <a:normAutofit/>
+          </a:bodyPr>
+          <a:lstStyle/>
+          <a:p>
+            <a:r>
+              <a:rPr lang="en-GB" dirty="0"/>
+              <a:t>Meeting procedures</a:t>
+            </a:r>
+          </a:p>
+          <a:p>
+            <a:pPr lvl="1"/>
+            <a:endParaRPr lang="en-GB" dirty="0"/>
+          </a:p>
+          <a:p>
+            <a:pPr lvl="1"/>
+            <a:endParaRPr lang="en-GB" dirty="0"/>
+          </a:p>
+        </p:txBody>
+      </p:sp>
+      <p:pic>
+        <p:nvPicPr>
+          <p:cNvPr id="5" name="Picture 4">
+            <a:extLst>
+              <a:ext uri="{FF2B5EF4-FFF2-40B4-BE49-F238E27FC236}">
+                <a16:creationId xmlns:a16="http://schemas.microsoft.com/office/drawing/2014/main" id="{7D4EA95B-A43E-6D45-AA4E-5B4864884A5E}"/>
+              </a:ext>
+            </a:extLst>
+          </p:cNvPr>
+          <p:cNvPicPr>
+            <a:picLocks noChangeAspect="1"/>
+          </p:cNvPicPr>
+          <p:nvPr/>
+        </p:nvPicPr>
+        <p:blipFill rotWithShape="1">
+          <a:blip r:embed="rId2"/>
+          <a:srcRect b="41769"/>
+          <a:stretch/>
+        </p:blipFill>
+        <p:spPr>
+          <a:xfrm>
+            <a:off x="509154" y="1340768"/>
+            <a:ext cx="4020096" cy="4536504"/>
+          </a:xfrm>
+          <a:prstGeom prst="rect">
+            <a:avLst/>
+          </a:prstGeom>
+        </p:spPr>
+      </p:pic>
+      <p:pic>
+        <p:nvPicPr>
+          <p:cNvPr id="6" name="Picture 5">
+            <a:extLst>
+              <a:ext uri="{FF2B5EF4-FFF2-40B4-BE49-F238E27FC236}">
+                <a16:creationId xmlns:a16="http://schemas.microsoft.com/office/drawing/2014/main" id="{1CB41B1C-F7B1-7E41-A1B8-F65D2BCE2FB4}"/>
+              </a:ext>
+            </a:extLst>
+          </p:cNvPr>
+          <p:cNvPicPr>
+            <a:picLocks noChangeAspect="1"/>
+          </p:cNvPicPr>
+          <p:nvPr/>
+        </p:nvPicPr>
+        <p:blipFill rotWithShape="1">
+          <a:blip r:embed="rId2"/>
+          <a:srcRect t="57043"/>
+          <a:stretch/>
+        </p:blipFill>
+        <p:spPr>
+          <a:xfrm>
+            <a:off x="4800376" y="1340767"/>
+            <a:ext cx="4020096" cy="3346573"/>
+          </a:xfrm>
+          <a:prstGeom prst="rect">
+            <a:avLst/>
+          </a:prstGeom>
+        </p:spPr>
+      </p:pic>
+    </p:spTree>
+    <p:extLst>
+      <p:ext uri="{BB962C8B-B14F-4D97-AF65-F5344CB8AC3E}">
+        <p14:creationId xmlns:p14="http://schemas.microsoft.com/office/powerpoint/2010/main" val="2085630954"/>
+      </p:ext>
+    </p:extLst>
   </p:cSld>
   <p:clrMapOvr>
     <a:masterClrMapping/>

--- a/GAM320/01/GAM320_01_lecture.pptx
+++ b/GAM320/01/GAM320_01_lecture.pptx
@@ -19,8 +19,8 @@
     <p:sldId id="423" r:id="rId7"/>
     <p:sldId id="332" r:id="rId8"/>
     <p:sldId id="410" r:id="rId9"/>
-    <p:sldId id="425" r:id="rId10"/>
-    <p:sldId id="426" r:id="rId11"/>
+    <p:sldId id="426" r:id="rId10"/>
+    <p:sldId id="425" r:id="rId11"/>
     <p:sldId id="424" r:id="rId12"/>
   </p:sldIdLst>
   <p:sldSz cx="9144000" cy="6858000" type="screen4x3"/>
@@ -204,13 +204,13 @@
         <pc:chgData name="Lewis, Gareth" userId="0ca0577c-2ada-4abb-9a17-e7a804bbaaa5" providerId="ADAL" clId="{8D276DEB-9ECF-474F-8641-C8D9886C5626}" dt="2019-01-27T11:03:21.100" v="3731" actId="20577"/>
         <pc:sldMkLst>
           <pc:docMk/>
-          <pc:sldMk cId="0" sldId="332"/>
+          <pc:sldMk cId="93967952" sldId="332"/>
         </pc:sldMkLst>
         <pc:graphicFrameChg chg="modGraphic">
           <ac:chgData name="Lewis, Gareth" userId="0ca0577c-2ada-4abb-9a17-e7a804bbaaa5" providerId="ADAL" clId="{8D276DEB-9ECF-474F-8641-C8D9886C5626}" dt="2019-01-27T11:03:21.100" v="3731" actId="20577"/>
           <ac:graphicFrameMkLst>
             <pc:docMk/>
-            <pc:sldMk cId="0" sldId="332"/>
+            <pc:sldMk cId="93967952" sldId="332"/>
             <ac:graphicFrameMk id="6" creationId="{00000000-0000-0000-0000-000000000000}"/>
           </ac:graphicFrameMkLst>
         </pc:graphicFrameChg>
@@ -218,7 +218,7 @@
           <ac:chgData name="Lewis, Gareth" userId="0ca0577c-2ada-4abb-9a17-e7a804bbaaa5" providerId="ADAL" clId="{8D276DEB-9ECF-474F-8641-C8D9886C5626}" dt="2019-01-12T14:27:52.855" v="223" actId="20577"/>
           <ac:graphicFrameMkLst>
             <pc:docMk/>
-            <pc:sldMk cId="0" sldId="332"/>
+            <pc:sldMk cId="93967952" sldId="332"/>
             <ac:graphicFrameMk id="7" creationId="{1FDBB499-B236-453B-BFE1-0247D66A5A2D}"/>
           </ac:graphicFrameMkLst>
         </pc:graphicFrameChg>
@@ -226,7 +226,7 @@
           <ac:chgData name="Lewis, Gareth" userId="0ca0577c-2ada-4abb-9a17-e7a804bbaaa5" providerId="ADAL" clId="{8D276DEB-9ECF-474F-8641-C8D9886C5626}" dt="2019-01-12T14:29:24.436" v="303" actId="207"/>
           <ac:graphicFrameMkLst>
             <pc:docMk/>
-            <pc:sldMk cId="0" sldId="332"/>
+            <pc:sldMk cId="93967952" sldId="332"/>
             <ac:graphicFrameMk id="10" creationId="{00000000-0000-0000-0000-000000000000}"/>
           </ac:graphicFrameMkLst>
         </pc:graphicFrameChg>
@@ -235,13 +235,13 @@
         <pc:chgData name="Lewis, Gareth" userId="0ca0577c-2ada-4abb-9a17-e7a804bbaaa5" providerId="ADAL" clId="{8D276DEB-9ECF-474F-8641-C8D9886C5626}" dt="2019-01-27T11:03:04.244" v="3728" actId="20577"/>
         <pc:sldMkLst>
           <pc:docMk/>
-          <pc:sldMk cId="0" sldId="334"/>
+          <pc:sldMk cId="1295366226" sldId="334"/>
         </pc:sldMkLst>
         <pc:spChg chg="mod">
           <ac:chgData name="Lewis, Gareth" userId="0ca0577c-2ada-4abb-9a17-e7a804bbaaa5" providerId="ADAL" clId="{8D276DEB-9ECF-474F-8641-C8D9886C5626}" dt="2019-01-27T11:03:04.244" v="3728" actId="20577"/>
           <ac:spMkLst>
             <pc:docMk/>
-            <pc:sldMk cId="0" sldId="334"/>
+            <pc:sldMk cId="1295366226" sldId="334"/>
             <ac:spMk id="3" creationId="{00000000-0000-0000-0000-000000000000}"/>
           </ac:spMkLst>
         </pc:spChg>
@@ -960,7 +960,7 @@
             <a:fld id="{134C908B-E4CF-4B88-8994-49C91B4DAC10}" type="datetimeFigureOut">
               <a:rPr lang="en-US" smtClean="0"/>
               <a:pPr/>
-              <a:t>9/19/19</a:t>
+              <a:t>9/23/19</a:t>
             </a:fld>
             <a:endParaRPr lang="en-US"/>
           </a:p>
@@ -1122,7 +1122,7 @@
             <a:fld id="{FCD4ED34-E2A7-4A73-B53B-08CB721EE63F}" type="datetimeFigureOut">
               <a:rPr lang="en-US" smtClean="0"/>
               <a:pPr/>
-              <a:t>9/19/19</a:t>
+              <a:t>9/23/19</a:t>
             </a:fld>
             <a:endParaRPr lang="en-GB"/>
           </a:p>
@@ -1585,7 +1585,7 @@
             <a:fld id="{24C0EDFE-3590-4448-BF7B-7FB41E82085F}" type="datetimeFigureOut">
               <a:rPr lang="en-US" smtClean="0"/>
               <a:pPr/>
-              <a:t>9/19/19</a:t>
+              <a:t>9/23/19</a:t>
             </a:fld>
             <a:endParaRPr lang="en-US" dirty="0"/>
           </a:p>
@@ -1774,7 +1774,7 @@
             <a:fld id="{24C0EDFE-3590-4448-BF7B-7FB41E82085F}" type="datetimeFigureOut">
               <a:rPr lang="en-US" smtClean="0"/>
               <a:pPr/>
-              <a:t>9/19/19</a:t>
+              <a:t>9/23/19</a:t>
             </a:fld>
             <a:endParaRPr lang="en-US" dirty="0"/>
           </a:p>
@@ -1952,7 +1952,7 @@
             <a:fld id="{24C0EDFE-3590-4448-BF7B-7FB41E82085F}" type="datetimeFigureOut">
               <a:rPr lang="en-US" smtClean="0"/>
               <a:pPr/>
-              <a:t>9/19/19</a:t>
+              <a:t>9/23/19</a:t>
             </a:fld>
             <a:endParaRPr lang="en-US" dirty="0"/>
           </a:p>
@@ -2201,7 +2201,7 @@
             <a:fld id="{24C0EDFE-3590-4448-BF7B-7FB41E82085F}" type="datetimeFigureOut">
               <a:rPr lang="en-US" smtClean="0"/>
               <a:pPr/>
-              <a:t>9/19/19</a:t>
+              <a:t>9/23/19</a:t>
             </a:fld>
             <a:endParaRPr lang="en-US" dirty="0"/>
           </a:p>
@@ -2523,7 +2523,7 @@
             <a:fld id="{24C0EDFE-3590-4448-BF7B-7FB41E82085F}" type="datetimeFigureOut">
               <a:rPr lang="en-US" smtClean="0"/>
               <a:pPr/>
-              <a:t>9/19/19</a:t>
+              <a:t>9/23/19</a:t>
             </a:fld>
             <a:endParaRPr lang="en-US" dirty="0"/>
           </a:p>
@@ -2829,7 +2829,7 @@
             <a:fld id="{24C0EDFE-3590-4448-BF7B-7FB41E82085F}" type="datetimeFigureOut">
               <a:rPr lang="en-US" smtClean="0"/>
               <a:pPr/>
-              <a:t>9/19/19</a:t>
+              <a:t>9/23/19</a:t>
             </a:fld>
             <a:endParaRPr lang="en-US" dirty="0"/>
           </a:p>
@@ -3253,7 +3253,7 @@
             <a:fld id="{24C0EDFE-3590-4448-BF7B-7FB41E82085F}" type="datetimeFigureOut">
               <a:rPr lang="en-US" smtClean="0"/>
               <a:pPr/>
-              <a:t>9/19/19</a:t>
+              <a:t>9/23/19</a:t>
             </a:fld>
             <a:endParaRPr lang="en-US" dirty="0"/>
           </a:p>
@@ -3375,7 +3375,7 @@
             <a:fld id="{24C0EDFE-3590-4448-BF7B-7FB41E82085F}" type="datetimeFigureOut">
               <a:rPr lang="en-US" smtClean="0"/>
               <a:pPr/>
-              <a:t>9/19/19</a:t>
+              <a:t>9/23/19</a:t>
             </a:fld>
             <a:endParaRPr lang="en-US" dirty="0"/>
           </a:p>
@@ -3467,7 +3467,7 @@
             <a:fld id="{24C0EDFE-3590-4448-BF7B-7FB41E82085F}" type="datetimeFigureOut">
               <a:rPr lang="en-US" smtClean="0"/>
               <a:pPr/>
-              <a:t>9/19/19</a:t>
+              <a:t>9/23/19</a:t>
             </a:fld>
             <a:endParaRPr lang="en-US" dirty="0"/>
           </a:p>
@@ -3742,7 +3742,7 @@
             <a:fld id="{24C0EDFE-3590-4448-BF7B-7FB41E82085F}" type="datetimeFigureOut">
               <a:rPr lang="en-US" smtClean="0"/>
               <a:pPr/>
-              <a:t>9/19/19</a:t>
+              <a:t>9/23/19</a:t>
             </a:fld>
             <a:endParaRPr lang="en-US" dirty="0"/>
           </a:p>
@@ -3994,7 +3994,7 @@
             <a:fld id="{24C0EDFE-3590-4448-BF7B-7FB41E82085F}" type="datetimeFigureOut">
               <a:rPr lang="en-US" smtClean="0"/>
               <a:pPr/>
-              <a:t>9/19/19</a:t>
+              <a:t>9/23/19</a:t>
             </a:fld>
             <a:endParaRPr lang="en-US" dirty="0"/>
           </a:p>
@@ -4171,7 +4171,7 @@
             <a:fld id="{24C0EDFE-3590-4448-BF7B-7FB41E82085F}" type="datetimeFigureOut">
               <a:rPr lang="en-US" smtClean="0"/>
               <a:pPr/>
-              <a:t>9/19/19</a:t>
+              <a:t>9/23/19</a:t>
             </a:fld>
             <a:endParaRPr lang="en-US" dirty="0"/>
           </a:p>
@@ -4691,8 +4691,8 @@
         </p:nvSpPr>
         <p:spPr>
           <a:xfrm>
-            <a:off x="2339752" y="6211669"/>
-            <a:ext cx="6804248" cy="830997"/>
+            <a:off x="2339752" y="5949280"/>
+            <a:ext cx="6804248" cy="1200329"/>
           </a:xfrm>
           <a:prstGeom prst="rect">
             <a:avLst/>
@@ -4755,18 +4755,38 @@
                 <a:latin typeface="Calibri" pitchFamily="34" charset="0"/>
                 <a:cs typeface="Calibri" pitchFamily="34" charset="0"/>
               </a:rPr>
-              <a:t>BA(Hons) </a:t>
-            </a:r>
-            <a:r>
-              <a:rPr lang="en-US">
+              <a:t>BA(Hons) Game Development</a:t>
+            </a:r>
+          </a:p>
+          <a:p>
+            <a:pPr lvl="0" algn="r" eaLnBrk="0" fontAlgn="base" hangingPunct="0">
+              <a:spcBef>
+                <a:spcPct val="0"/>
+              </a:spcBef>
+              <a:spcAft>
+                <a:spcPct val="0"/>
+              </a:spcAft>
+            </a:pPr>
+            <a:r>
+              <a:rPr lang="en-US" dirty="0">
                 <a:solidFill>
                   <a:srgbClr val="FFFFFF"/>
                 </a:solidFill>
                 <a:latin typeface="Calibri" pitchFamily="34" charset="0"/>
                 <a:cs typeface="Calibri" pitchFamily="34" charset="0"/>
               </a:rPr>
-              <a:t>Game Development</a:t>
-            </a:r>
+              <a:t>BSc(Hons) Computing for Games</a:t>
+            </a:r>
+          </a:p>
+          <a:p>
+            <a:pPr lvl="0" algn="r" eaLnBrk="0" fontAlgn="base" hangingPunct="0">
+              <a:spcBef>
+                <a:spcPct val="0"/>
+              </a:spcBef>
+              <a:spcAft>
+                <a:spcPct val="0"/>
+              </a:spcAft>
+            </a:pPr>
             <a:endParaRPr lang="en-US" sz="600" dirty="0">
               <a:latin typeface="Arial" pitchFamily="34" charset="0"/>
               <a:cs typeface="Arial" pitchFamily="34" charset="0"/>
@@ -4925,10 +4945,10 @@
       </p:sp>
       <p:pic>
         <p:nvPicPr>
-          <p:cNvPr id="2" name="Picture 1">
+          <p:cNvPr id="5" name="Picture 4">
             <a:extLst>
               <a:ext uri="{FF2B5EF4-FFF2-40B4-BE49-F238E27FC236}">
-                <a16:creationId xmlns:a16="http://schemas.microsoft.com/office/drawing/2014/main" id="{2BF82DF9-47CE-374B-99A8-7A20C6B8AC17}"/>
+                <a16:creationId xmlns:a16="http://schemas.microsoft.com/office/drawing/2014/main" id="{7D4EA95B-A43E-6D45-AA4E-5B4864884A5E}"/>
               </a:ext>
             </a:extLst>
           </p:cNvPr>
@@ -4939,13 +4959,13 @@
         </p:nvPicPr>
         <p:blipFill rotWithShape="1">
           <a:blip r:embed="rId2"/>
-          <a:srcRect b="67476"/>
+          <a:srcRect b="41769"/>
           <a:stretch/>
         </p:blipFill>
         <p:spPr>
           <a:xfrm>
-            <a:off x="683568" y="1574800"/>
-            <a:ext cx="3240360" cy="1911424"/>
+            <a:off x="509154" y="1340768"/>
+            <a:ext cx="4020096" cy="4536504"/>
           </a:xfrm>
           <a:prstGeom prst="rect">
             <a:avLst/>
@@ -4954,10 +4974,10 @@
       </p:pic>
       <p:pic>
         <p:nvPicPr>
-          <p:cNvPr id="7" name="Picture 6">
+          <p:cNvPr id="6" name="Picture 5">
             <a:extLst>
               <a:ext uri="{FF2B5EF4-FFF2-40B4-BE49-F238E27FC236}">
-                <a16:creationId xmlns:a16="http://schemas.microsoft.com/office/drawing/2014/main" id="{F1D33E92-B004-274F-8D19-4725DA9AB871}"/>
+                <a16:creationId xmlns:a16="http://schemas.microsoft.com/office/drawing/2014/main" id="{1CB41B1C-F7B1-7E41-A1B8-F65D2BCE2FB4}"/>
               </a:ext>
             </a:extLst>
           </p:cNvPr>
@@ -4968,13 +4988,13 @@
         </p:nvPicPr>
         <p:blipFill rotWithShape="1">
           <a:blip r:embed="rId2"/>
-          <a:srcRect t="30583"/>
+          <a:srcRect t="57043"/>
           <a:stretch/>
         </p:blipFill>
         <p:spPr>
           <a:xfrm>
-            <a:off x="4645418" y="1605215"/>
-            <a:ext cx="3240360" cy="4079618"/>
+            <a:off x="4800376" y="1340767"/>
+            <a:ext cx="4020096" cy="3346573"/>
           </a:xfrm>
           <a:prstGeom prst="rect">
             <a:avLst/>
@@ -4984,7 +5004,7 @@
     </p:spTree>
     <p:extLst>
       <p:ext uri="{BB962C8B-B14F-4D97-AF65-F5344CB8AC3E}">
-        <p14:creationId xmlns:p14="http://schemas.microsoft.com/office/powerpoint/2010/main" val="1702910739"/>
+        <p14:creationId xmlns:p14="http://schemas.microsoft.com/office/powerpoint/2010/main" val="2085630954"/>
       </p:ext>
     </p:extLst>
   </p:cSld>
@@ -5266,14 +5286,7 @@
             <a:pPr lvl="2"/>
             <a:r>
               <a:rPr lang="en-GB" dirty="0"/>
-              <a:t>Assignments are clearer</a:t>
-            </a:r>
-          </a:p>
-          <a:p>
-            <a:pPr lvl="3"/>
-            <a:r>
-              <a:rPr lang="en-GB" dirty="0"/>
-              <a:t>With added rubrics</a:t>
+              <a:t>New guide on how to do agile projects</a:t>
             </a:r>
           </a:p>
           <a:p>
@@ -5498,14 +5511,21 @@
             <a:pPr lvl="2"/>
             <a:r>
               <a:rPr lang="en-GB" dirty="0"/>
-              <a:t>Assessed over the duration of semester 1</a:t>
+              <a:t>You’re assessed over the duration of semester 1</a:t>
+            </a:r>
+          </a:p>
+          <a:p>
+            <a:pPr lvl="3"/>
+            <a:r>
+              <a:rPr lang="en-GB" dirty="0"/>
+              <a:t>From week 3</a:t>
             </a:r>
           </a:p>
           <a:p>
             <a:pPr lvl="2"/>
             <a:r>
               <a:rPr lang="en-GB" dirty="0"/>
-              <a:t>And for the demo day (week 13)</a:t>
+              <a:t>The game is assessed on the demo day (week 13)</a:t>
             </a:r>
           </a:p>
           <a:p>
@@ -8274,10 +8294,10 @@
       </p:sp>
       <p:pic>
         <p:nvPicPr>
-          <p:cNvPr id="5" name="Picture 4">
+          <p:cNvPr id="2" name="Picture 1">
             <a:extLst>
               <a:ext uri="{FF2B5EF4-FFF2-40B4-BE49-F238E27FC236}">
-                <a16:creationId xmlns:a16="http://schemas.microsoft.com/office/drawing/2014/main" id="{7D4EA95B-A43E-6D45-AA4E-5B4864884A5E}"/>
+                <a16:creationId xmlns:a16="http://schemas.microsoft.com/office/drawing/2014/main" id="{2BF82DF9-47CE-374B-99A8-7A20C6B8AC17}"/>
               </a:ext>
             </a:extLst>
           </p:cNvPr>
@@ -8288,13 +8308,13 @@
         </p:nvPicPr>
         <p:blipFill rotWithShape="1">
           <a:blip r:embed="rId2"/>
-          <a:srcRect b="41769"/>
+          <a:srcRect b="67476"/>
           <a:stretch/>
         </p:blipFill>
         <p:spPr>
           <a:xfrm>
-            <a:off x="509154" y="1340768"/>
-            <a:ext cx="4020096" cy="4536504"/>
+            <a:off x="683568" y="1574800"/>
+            <a:ext cx="3240360" cy="1911424"/>
           </a:xfrm>
           <a:prstGeom prst="rect">
             <a:avLst/>
@@ -8303,10 +8323,10 @@
       </p:pic>
       <p:pic>
         <p:nvPicPr>
-          <p:cNvPr id="6" name="Picture 5">
+          <p:cNvPr id="7" name="Picture 6">
             <a:extLst>
               <a:ext uri="{FF2B5EF4-FFF2-40B4-BE49-F238E27FC236}">
-                <a16:creationId xmlns:a16="http://schemas.microsoft.com/office/drawing/2014/main" id="{1CB41B1C-F7B1-7E41-A1B8-F65D2BCE2FB4}"/>
+                <a16:creationId xmlns:a16="http://schemas.microsoft.com/office/drawing/2014/main" id="{F1D33E92-B004-274F-8D19-4725DA9AB871}"/>
               </a:ext>
             </a:extLst>
           </p:cNvPr>
@@ -8317,13 +8337,13 @@
         </p:nvPicPr>
         <p:blipFill rotWithShape="1">
           <a:blip r:embed="rId2"/>
-          <a:srcRect t="57043"/>
+          <a:srcRect t="30583"/>
           <a:stretch/>
         </p:blipFill>
         <p:spPr>
           <a:xfrm>
-            <a:off x="4800376" y="1340767"/>
-            <a:ext cx="4020096" cy="3346573"/>
+            <a:off x="4645418" y="1605215"/>
+            <a:ext cx="3240360" cy="4079618"/>
           </a:xfrm>
           <a:prstGeom prst="rect">
             <a:avLst/>
@@ -8333,7 +8353,7 @@
     </p:spTree>
     <p:extLst>
       <p:ext uri="{BB962C8B-B14F-4D97-AF65-F5344CB8AC3E}">
-        <p14:creationId xmlns:p14="http://schemas.microsoft.com/office/powerpoint/2010/main" val="2085630954"/>
+        <p14:creationId xmlns:p14="http://schemas.microsoft.com/office/powerpoint/2010/main" val="1702910739"/>
       </p:ext>
     </p:extLst>
   </p:cSld>

--- a/GAM320/01/GAM320_01_lecture.pptx
+++ b/GAM320/01/GAM320_01_lecture.pptx
@@ -5,10 +5,10 @@
     <p:sldMasterId id="2147483648" r:id="rId1"/>
   </p:sldMasterIdLst>
   <p:notesMasterIdLst>
-    <p:notesMasterId r:id="rId13"/>
+    <p:notesMasterId r:id="rId14"/>
   </p:notesMasterIdLst>
   <p:handoutMasterIdLst>
-    <p:handoutMasterId r:id="rId14"/>
+    <p:handoutMasterId r:id="rId15"/>
   </p:handoutMasterIdLst>
   <p:sldIdLst>
     <p:sldId id="257" r:id="rId2"/>
@@ -22,6 +22,7 @@
     <p:sldId id="426" r:id="rId10"/>
     <p:sldId id="425" r:id="rId11"/>
     <p:sldId id="424" r:id="rId12"/>
+    <p:sldId id="427" r:id="rId13"/>
   </p:sldIdLst>
   <p:sldSz cx="9144000" cy="6858000" type="screen4x3"/>
   <p:notesSz cx="7315200" cy="9601200"/>
@@ -153,726 +154,10 @@
 </p:presentation>
 </file>
 
-<file path=ppt/revisionInfo.xml><?xml version="1.0" encoding="utf-8"?>
-<p1510:revInfo xmlns:a="http://schemas.openxmlformats.org/drawingml/2006/main" xmlns:r="http://schemas.openxmlformats.org/officeDocument/2006/relationships" xmlns:p1510="http://schemas.microsoft.com/office/powerpoint/2015/10/main">
-  <p1510:revLst>
-    <p1510:client id="{8D276DEB-9ECF-474F-8641-C8D9886C5626}" v="50" dt="2019-01-27T11:31:05.536"/>
-  </p1510:revLst>
-</p1510:revInfo>
-</file>
-
 <file path=ppt/changesInfos/changesInfo1.xml><?xml version="1.0" encoding="utf-8"?>
 <pc:chgInfo xmlns:a="http://schemas.openxmlformats.org/drawingml/2006/main" xmlns:r="http://schemas.openxmlformats.org/officeDocument/2006/relationships" xmlns:ac="http://schemas.microsoft.com/office/drawing/2013/main/command" xmlns:pc="http://schemas.microsoft.com/office/powerpoint/2013/main/command">
   <pc:docChgLst>
     <pc:chgData name="Lewis, Gareth" userId="0ca0577c-2ada-4abb-9a17-e7a804bbaaa5" providerId="ADAL" clId="{8D276DEB-9ECF-474F-8641-C8D9886C5626}"/>
-    <pc:docChg chg="undo redo custSel addSld delSld modSld sldOrd modMainMaster">
-      <pc:chgData name="Lewis, Gareth" userId="0ca0577c-2ada-4abb-9a17-e7a804bbaaa5" providerId="ADAL" clId="{8D276DEB-9ECF-474F-8641-C8D9886C5626}" dt="2019-01-27T11:31:10.056" v="4346" actId="478"/>
-      <pc:docMkLst>
-        <pc:docMk/>
-      </pc:docMkLst>
-      <pc:sldChg chg="modSp">
-        <pc:chgData name="Lewis, Gareth" userId="0ca0577c-2ada-4abb-9a17-e7a804bbaaa5" providerId="ADAL" clId="{8D276DEB-9ECF-474F-8641-C8D9886C5626}" dt="2019-01-12T14:24:04.301" v="60" actId="20577"/>
-        <pc:sldMkLst>
-          <pc:docMk/>
-          <pc:sldMk cId="0" sldId="257"/>
-        </pc:sldMkLst>
-        <pc:spChg chg="mod">
-          <ac:chgData name="Lewis, Gareth" userId="0ca0577c-2ada-4abb-9a17-e7a804bbaaa5" providerId="ADAL" clId="{8D276DEB-9ECF-474F-8641-C8D9886C5626}" dt="2019-01-12T14:24:04.301" v="60" actId="20577"/>
-          <ac:spMkLst>
-            <pc:docMk/>
-            <pc:sldMk cId="0" sldId="257"/>
-            <ac:spMk id="13" creationId="{00000000-0000-0000-0000-000000000000}"/>
-          </ac:spMkLst>
-        </pc:spChg>
-      </pc:sldChg>
-      <pc:sldChg chg="modSp">
-        <pc:chgData name="Lewis, Gareth" userId="0ca0577c-2ada-4abb-9a17-e7a804bbaaa5" providerId="ADAL" clId="{8D276DEB-9ECF-474F-8641-C8D9886C5626}" dt="2019-01-27T11:08:48.739" v="3828"/>
-        <pc:sldMkLst>
-          <pc:docMk/>
-          <pc:sldMk cId="0" sldId="258"/>
-        </pc:sldMkLst>
-        <pc:spChg chg="mod">
-          <ac:chgData name="Lewis, Gareth" userId="0ca0577c-2ada-4abb-9a17-e7a804bbaaa5" providerId="ADAL" clId="{8D276DEB-9ECF-474F-8641-C8D9886C5626}" dt="2019-01-27T11:08:48.739" v="3828"/>
-          <ac:spMkLst>
-            <pc:docMk/>
-            <pc:sldMk cId="0" sldId="258"/>
-            <ac:spMk id="3" creationId="{00000000-0000-0000-0000-000000000000}"/>
-          </ac:spMkLst>
-        </pc:spChg>
-      </pc:sldChg>
-      <pc:sldChg chg="addSp modSp">
-        <pc:chgData name="Lewis, Gareth" userId="0ca0577c-2ada-4abb-9a17-e7a804bbaaa5" providerId="ADAL" clId="{8D276DEB-9ECF-474F-8641-C8D9886C5626}" dt="2019-01-27T11:03:21.100" v="3731" actId="20577"/>
-        <pc:sldMkLst>
-          <pc:docMk/>
-          <pc:sldMk cId="93967952" sldId="332"/>
-        </pc:sldMkLst>
-        <pc:graphicFrameChg chg="modGraphic">
-          <ac:chgData name="Lewis, Gareth" userId="0ca0577c-2ada-4abb-9a17-e7a804bbaaa5" providerId="ADAL" clId="{8D276DEB-9ECF-474F-8641-C8D9886C5626}" dt="2019-01-27T11:03:21.100" v="3731" actId="20577"/>
-          <ac:graphicFrameMkLst>
-            <pc:docMk/>
-            <pc:sldMk cId="93967952" sldId="332"/>
-            <ac:graphicFrameMk id="6" creationId="{00000000-0000-0000-0000-000000000000}"/>
-          </ac:graphicFrameMkLst>
-        </pc:graphicFrameChg>
-        <pc:graphicFrameChg chg="add mod modGraphic">
-          <ac:chgData name="Lewis, Gareth" userId="0ca0577c-2ada-4abb-9a17-e7a804bbaaa5" providerId="ADAL" clId="{8D276DEB-9ECF-474F-8641-C8D9886C5626}" dt="2019-01-12T14:27:52.855" v="223" actId="20577"/>
-          <ac:graphicFrameMkLst>
-            <pc:docMk/>
-            <pc:sldMk cId="93967952" sldId="332"/>
-            <ac:graphicFrameMk id="7" creationId="{1FDBB499-B236-453B-BFE1-0247D66A5A2D}"/>
-          </ac:graphicFrameMkLst>
-        </pc:graphicFrameChg>
-        <pc:graphicFrameChg chg="modGraphic">
-          <ac:chgData name="Lewis, Gareth" userId="0ca0577c-2ada-4abb-9a17-e7a804bbaaa5" providerId="ADAL" clId="{8D276DEB-9ECF-474F-8641-C8D9886C5626}" dt="2019-01-12T14:29:24.436" v="303" actId="207"/>
-          <ac:graphicFrameMkLst>
-            <pc:docMk/>
-            <pc:sldMk cId="93967952" sldId="332"/>
-            <ac:graphicFrameMk id="10" creationId="{00000000-0000-0000-0000-000000000000}"/>
-          </ac:graphicFrameMkLst>
-        </pc:graphicFrameChg>
-      </pc:sldChg>
-      <pc:sldChg chg="modSp">
-        <pc:chgData name="Lewis, Gareth" userId="0ca0577c-2ada-4abb-9a17-e7a804bbaaa5" providerId="ADAL" clId="{8D276DEB-9ECF-474F-8641-C8D9886C5626}" dt="2019-01-27T11:03:04.244" v="3728" actId="20577"/>
-        <pc:sldMkLst>
-          <pc:docMk/>
-          <pc:sldMk cId="1295366226" sldId="334"/>
-        </pc:sldMkLst>
-        <pc:spChg chg="mod">
-          <ac:chgData name="Lewis, Gareth" userId="0ca0577c-2ada-4abb-9a17-e7a804bbaaa5" providerId="ADAL" clId="{8D276DEB-9ECF-474F-8641-C8D9886C5626}" dt="2019-01-27T11:03:04.244" v="3728" actId="20577"/>
-          <ac:spMkLst>
-            <pc:docMk/>
-            <pc:sldMk cId="1295366226" sldId="334"/>
-            <ac:spMk id="3" creationId="{00000000-0000-0000-0000-000000000000}"/>
-          </ac:spMkLst>
-        </pc:spChg>
-      </pc:sldChg>
-      <pc:sldChg chg="modSp">
-        <pc:chgData name="Lewis, Gareth" userId="0ca0577c-2ada-4abb-9a17-e7a804bbaaa5" providerId="ADAL" clId="{8D276DEB-9ECF-474F-8641-C8D9886C5626}" dt="2019-01-27T11:09:08.371" v="3835" actId="20577"/>
-        <pc:sldMkLst>
-          <pc:docMk/>
-          <pc:sldMk cId="0" sldId="335"/>
-        </pc:sldMkLst>
-        <pc:spChg chg="mod">
-          <ac:chgData name="Lewis, Gareth" userId="0ca0577c-2ada-4abb-9a17-e7a804bbaaa5" providerId="ADAL" clId="{8D276DEB-9ECF-474F-8641-C8D9886C5626}" dt="2019-01-27T11:09:08.371" v="3835" actId="20577"/>
-          <ac:spMkLst>
-            <pc:docMk/>
-            <pc:sldMk cId="0" sldId="335"/>
-            <ac:spMk id="3" creationId="{00000000-0000-0000-0000-000000000000}"/>
-          </ac:spMkLst>
-        </pc:spChg>
-      </pc:sldChg>
-      <pc:sldChg chg="modSp">
-        <pc:chgData name="Lewis, Gareth" userId="0ca0577c-2ada-4abb-9a17-e7a804bbaaa5" providerId="ADAL" clId="{8D276DEB-9ECF-474F-8641-C8D9886C5626}" dt="2019-01-13T14:45:47.631" v="3562" actId="20577"/>
-        <pc:sldMkLst>
-          <pc:docMk/>
-          <pc:sldMk cId="0" sldId="409"/>
-        </pc:sldMkLst>
-        <pc:spChg chg="mod">
-          <ac:chgData name="Lewis, Gareth" userId="0ca0577c-2ada-4abb-9a17-e7a804bbaaa5" providerId="ADAL" clId="{8D276DEB-9ECF-474F-8641-C8D9886C5626}" dt="2019-01-13T14:45:47.631" v="3562" actId="20577"/>
-          <ac:spMkLst>
-            <pc:docMk/>
-            <pc:sldMk cId="0" sldId="409"/>
-            <ac:spMk id="3" creationId="{00000000-0000-0000-0000-000000000000}"/>
-          </ac:spMkLst>
-        </pc:spChg>
-      </pc:sldChg>
-      <pc:sldChg chg="modSp add">
-        <pc:chgData name="Lewis, Gareth" userId="0ca0577c-2ada-4abb-9a17-e7a804bbaaa5" providerId="ADAL" clId="{8D276DEB-9ECF-474F-8641-C8D9886C5626}" dt="2019-01-12T14:36:55.362" v="1111" actId="20577"/>
-        <pc:sldMkLst>
-          <pc:docMk/>
-          <pc:sldMk cId="3854234756" sldId="410"/>
-        </pc:sldMkLst>
-        <pc:spChg chg="mod">
-          <ac:chgData name="Lewis, Gareth" userId="0ca0577c-2ada-4abb-9a17-e7a804bbaaa5" providerId="ADAL" clId="{8D276DEB-9ECF-474F-8641-C8D9886C5626}" dt="2019-01-12T14:36:55.362" v="1111" actId="20577"/>
-          <ac:spMkLst>
-            <pc:docMk/>
-            <pc:sldMk cId="3854234756" sldId="410"/>
-            <ac:spMk id="3" creationId="{00000000-0000-0000-0000-000000000000}"/>
-          </ac:spMkLst>
-        </pc:spChg>
-      </pc:sldChg>
-      <pc:sldChg chg="modSp add">
-        <pc:chgData name="Lewis, Gareth" userId="0ca0577c-2ada-4abb-9a17-e7a804bbaaa5" providerId="ADAL" clId="{8D276DEB-9ECF-474F-8641-C8D9886C5626}" dt="2019-01-12T14:37:28.237" v="1174" actId="20577"/>
-        <pc:sldMkLst>
-          <pc:docMk/>
-          <pc:sldMk cId="1133406884" sldId="411"/>
-        </pc:sldMkLst>
-        <pc:spChg chg="mod">
-          <ac:chgData name="Lewis, Gareth" userId="0ca0577c-2ada-4abb-9a17-e7a804bbaaa5" providerId="ADAL" clId="{8D276DEB-9ECF-474F-8641-C8D9886C5626}" dt="2019-01-12T14:37:28.237" v="1174" actId="20577"/>
-          <ac:spMkLst>
-            <pc:docMk/>
-            <pc:sldMk cId="1133406884" sldId="411"/>
-            <ac:spMk id="3" creationId="{00000000-0000-0000-0000-000000000000}"/>
-          </ac:spMkLst>
-        </pc:spChg>
-      </pc:sldChg>
-      <pc:sldChg chg="add">
-        <pc:chgData name="Lewis, Gareth" userId="0ca0577c-2ada-4abb-9a17-e7a804bbaaa5" providerId="ADAL" clId="{8D276DEB-9ECF-474F-8641-C8D9886C5626}" dt="2019-01-12T14:42:30.282" v="1175"/>
-        <pc:sldMkLst>
-          <pc:docMk/>
-          <pc:sldMk cId="0" sldId="632"/>
-        </pc:sldMkLst>
-      </pc:sldChg>
-      <pc:sldChg chg="add">
-        <pc:chgData name="Lewis, Gareth" userId="0ca0577c-2ada-4abb-9a17-e7a804bbaaa5" providerId="ADAL" clId="{8D276DEB-9ECF-474F-8641-C8D9886C5626}" dt="2019-01-12T14:42:30.282" v="1175"/>
-        <pc:sldMkLst>
-          <pc:docMk/>
-          <pc:sldMk cId="0" sldId="633"/>
-        </pc:sldMkLst>
-      </pc:sldChg>
-      <pc:sldChg chg="add">
-        <pc:chgData name="Lewis, Gareth" userId="0ca0577c-2ada-4abb-9a17-e7a804bbaaa5" providerId="ADAL" clId="{8D276DEB-9ECF-474F-8641-C8D9886C5626}" dt="2019-01-12T14:42:30.282" v="1175"/>
-        <pc:sldMkLst>
-          <pc:docMk/>
-          <pc:sldMk cId="0" sldId="634"/>
-        </pc:sldMkLst>
-      </pc:sldChg>
-      <pc:sldChg chg="modSp add">
-        <pc:chgData name="Lewis, Gareth" userId="0ca0577c-2ada-4abb-9a17-e7a804bbaaa5" providerId="ADAL" clId="{8D276DEB-9ECF-474F-8641-C8D9886C5626}" dt="2019-01-27T11:10:39.201" v="3882" actId="20577"/>
-        <pc:sldMkLst>
-          <pc:docMk/>
-          <pc:sldMk cId="0" sldId="635"/>
-        </pc:sldMkLst>
-        <pc:spChg chg="mod">
-          <ac:chgData name="Lewis, Gareth" userId="0ca0577c-2ada-4abb-9a17-e7a804bbaaa5" providerId="ADAL" clId="{8D276DEB-9ECF-474F-8641-C8D9886C5626}" dt="2019-01-27T11:10:39.201" v="3882" actId="20577"/>
-          <ac:spMkLst>
-            <pc:docMk/>
-            <pc:sldMk cId="0" sldId="635"/>
-            <ac:spMk id="3" creationId="{00000000-0000-0000-0000-000000000000}"/>
-          </ac:spMkLst>
-        </pc:spChg>
-      </pc:sldChg>
-      <pc:sldChg chg="add">
-        <pc:chgData name="Lewis, Gareth" userId="0ca0577c-2ada-4abb-9a17-e7a804bbaaa5" providerId="ADAL" clId="{8D276DEB-9ECF-474F-8641-C8D9886C5626}" dt="2019-01-12T14:42:30.282" v="1175"/>
-        <pc:sldMkLst>
-          <pc:docMk/>
-          <pc:sldMk cId="0" sldId="636"/>
-        </pc:sldMkLst>
-      </pc:sldChg>
-      <pc:sldChg chg="add">
-        <pc:chgData name="Lewis, Gareth" userId="0ca0577c-2ada-4abb-9a17-e7a804bbaaa5" providerId="ADAL" clId="{8D276DEB-9ECF-474F-8641-C8D9886C5626}" dt="2019-01-12T14:42:30.282" v="1175"/>
-        <pc:sldMkLst>
-          <pc:docMk/>
-          <pc:sldMk cId="0" sldId="640"/>
-        </pc:sldMkLst>
-      </pc:sldChg>
-      <pc:sldChg chg="addSp modSp add">
-        <pc:chgData name="Lewis, Gareth" userId="0ca0577c-2ada-4abb-9a17-e7a804bbaaa5" providerId="ADAL" clId="{8D276DEB-9ECF-474F-8641-C8D9886C5626}" dt="2019-01-12T14:49:30.107" v="1413" actId="20577"/>
-        <pc:sldMkLst>
-          <pc:docMk/>
-          <pc:sldMk cId="1186911255" sldId="641"/>
-        </pc:sldMkLst>
-        <pc:spChg chg="mod">
-          <ac:chgData name="Lewis, Gareth" userId="0ca0577c-2ada-4abb-9a17-e7a804bbaaa5" providerId="ADAL" clId="{8D276DEB-9ECF-474F-8641-C8D9886C5626}" dt="2019-01-12T14:49:30.107" v="1413" actId="20577"/>
-          <ac:spMkLst>
-            <pc:docMk/>
-            <pc:sldMk cId="1186911255" sldId="641"/>
-            <ac:spMk id="3" creationId="{00000000-0000-0000-0000-000000000000}"/>
-          </ac:spMkLst>
-        </pc:spChg>
-        <pc:picChg chg="add mod">
-          <ac:chgData name="Lewis, Gareth" userId="0ca0577c-2ada-4abb-9a17-e7a804bbaaa5" providerId="ADAL" clId="{8D276DEB-9ECF-474F-8641-C8D9886C5626}" dt="2019-01-12T14:48:50.790" v="1274" actId="1076"/>
-          <ac:picMkLst>
-            <pc:docMk/>
-            <pc:sldMk cId="1186911255" sldId="641"/>
-            <ac:picMk id="1026" creationId="{94C1F2A2-BA1D-405A-8746-01B8D514957C}"/>
-          </ac:picMkLst>
-        </pc:picChg>
-        <pc:picChg chg="add mod">
-          <ac:chgData name="Lewis, Gareth" userId="0ca0577c-2ada-4abb-9a17-e7a804bbaaa5" providerId="ADAL" clId="{8D276DEB-9ECF-474F-8641-C8D9886C5626}" dt="2019-01-12T14:48:48.582" v="1273" actId="14100"/>
-          <ac:picMkLst>
-            <pc:docMk/>
-            <pc:sldMk cId="1186911255" sldId="641"/>
-            <ac:picMk id="1028" creationId="{00208F58-A430-45DF-94A6-F3A8BC961500}"/>
-          </ac:picMkLst>
-        </pc:picChg>
-      </pc:sldChg>
-      <pc:sldChg chg="delSp modSp add">
-        <pc:chgData name="Lewis, Gareth" userId="0ca0577c-2ada-4abb-9a17-e7a804bbaaa5" providerId="ADAL" clId="{8D276DEB-9ECF-474F-8641-C8D9886C5626}" dt="2019-01-12T14:52:32.624" v="1814" actId="20577"/>
-        <pc:sldMkLst>
-          <pc:docMk/>
-          <pc:sldMk cId="1378757881" sldId="642"/>
-        </pc:sldMkLst>
-        <pc:spChg chg="mod">
-          <ac:chgData name="Lewis, Gareth" userId="0ca0577c-2ada-4abb-9a17-e7a804bbaaa5" providerId="ADAL" clId="{8D276DEB-9ECF-474F-8641-C8D9886C5626}" dt="2019-01-12T14:52:32.624" v="1814" actId="20577"/>
-          <ac:spMkLst>
-            <pc:docMk/>
-            <pc:sldMk cId="1378757881" sldId="642"/>
-            <ac:spMk id="3" creationId="{00000000-0000-0000-0000-000000000000}"/>
-          </ac:spMkLst>
-        </pc:spChg>
-        <pc:picChg chg="del">
-          <ac:chgData name="Lewis, Gareth" userId="0ca0577c-2ada-4abb-9a17-e7a804bbaaa5" providerId="ADAL" clId="{8D276DEB-9ECF-474F-8641-C8D9886C5626}" dt="2019-01-12T14:49:45.145" v="1415" actId="478"/>
-          <ac:picMkLst>
-            <pc:docMk/>
-            <pc:sldMk cId="1378757881" sldId="642"/>
-            <ac:picMk id="1026" creationId="{94C1F2A2-BA1D-405A-8746-01B8D514957C}"/>
-          </ac:picMkLst>
-        </pc:picChg>
-        <pc:picChg chg="del">
-          <ac:chgData name="Lewis, Gareth" userId="0ca0577c-2ada-4abb-9a17-e7a804bbaaa5" providerId="ADAL" clId="{8D276DEB-9ECF-474F-8641-C8D9886C5626}" dt="2019-01-12T14:49:45.952" v="1416" actId="478"/>
-          <ac:picMkLst>
-            <pc:docMk/>
-            <pc:sldMk cId="1378757881" sldId="642"/>
-            <ac:picMk id="1028" creationId="{00208F58-A430-45DF-94A6-F3A8BC961500}"/>
-          </ac:picMkLst>
-        </pc:picChg>
-      </pc:sldChg>
-      <pc:sldChg chg="addSp delSp modSp add">
-        <pc:chgData name="Lewis, Gareth" userId="0ca0577c-2ada-4abb-9a17-e7a804bbaaa5" providerId="ADAL" clId="{8D276DEB-9ECF-474F-8641-C8D9886C5626}" dt="2019-01-12T14:54:31.923" v="1852" actId="207"/>
-        <pc:sldMkLst>
-          <pc:docMk/>
-          <pc:sldMk cId="2520008228" sldId="643"/>
-        </pc:sldMkLst>
-        <pc:spChg chg="mod">
-          <ac:chgData name="Lewis, Gareth" userId="0ca0577c-2ada-4abb-9a17-e7a804bbaaa5" providerId="ADAL" clId="{8D276DEB-9ECF-474F-8641-C8D9886C5626}" dt="2019-01-12T14:53:49.299" v="1840" actId="6549"/>
-          <ac:spMkLst>
-            <pc:docMk/>
-            <pc:sldMk cId="2520008228" sldId="643"/>
-            <ac:spMk id="3" creationId="{00000000-0000-0000-0000-000000000000}"/>
-          </ac:spMkLst>
-        </pc:spChg>
-        <pc:spChg chg="del mod">
-          <ac:chgData name="Lewis, Gareth" userId="0ca0577c-2ada-4abb-9a17-e7a804bbaaa5" providerId="ADAL" clId="{8D276DEB-9ECF-474F-8641-C8D9886C5626}" dt="2019-01-12T14:53:52.297" v="1842" actId="478"/>
-          <ac:spMkLst>
-            <pc:docMk/>
-            <pc:sldMk cId="2520008228" sldId="643"/>
-            <ac:spMk id="4" creationId="{00000000-0000-0000-0000-000000000000}"/>
-          </ac:spMkLst>
-        </pc:spChg>
-        <pc:grpChg chg="add mod">
-          <ac:chgData name="Lewis, Gareth" userId="0ca0577c-2ada-4abb-9a17-e7a804bbaaa5" providerId="ADAL" clId="{8D276DEB-9ECF-474F-8641-C8D9886C5626}" dt="2019-01-12T14:54:31.923" v="1852" actId="207"/>
-          <ac:grpSpMkLst>
-            <pc:docMk/>
-            <pc:sldMk cId="2520008228" sldId="643"/>
-            <ac:grpSpMk id="5" creationId="{A22A2F09-ED0C-4FA7-8E33-F43E8BF5128A}"/>
-          </ac:grpSpMkLst>
-        </pc:grpChg>
-        <pc:picChg chg="del">
-          <ac:chgData name="Lewis, Gareth" userId="0ca0577c-2ada-4abb-9a17-e7a804bbaaa5" providerId="ADAL" clId="{8D276DEB-9ECF-474F-8641-C8D9886C5626}" dt="2019-01-12T14:53:37.673" v="1816" actId="478"/>
-          <ac:picMkLst>
-            <pc:docMk/>
-            <pc:sldMk cId="2520008228" sldId="643"/>
-            <ac:picMk id="65538" creationId="{00000000-0000-0000-0000-000000000000}"/>
-          </ac:picMkLst>
-        </pc:picChg>
-      </pc:sldChg>
-      <pc:sldChg chg="delSp modSp add">
-        <pc:chgData name="Lewis, Gareth" userId="0ca0577c-2ada-4abb-9a17-e7a804bbaaa5" providerId="ADAL" clId="{8D276DEB-9ECF-474F-8641-C8D9886C5626}" dt="2019-01-12T14:56:13.650" v="1858" actId="478"/>
-        <pc:sldMkLst>
-          <pc:docMk/>
-          <pc:sldMk cId="0" sldId="650"/>
-        </pc:sldMkLst>
-        <pc:spChg chg="mod">
-          <ac:chgData name="Lewis, Gareth" userId="0ca0577c-2ada-4abb-9a17-e7a804bbaaa5" providerId="ADAL" clId="{8D276DEB-9ECF-474F-8641-C8D9886C5626}" dt="2019-01-12T14:56:11.299" v="1857" actId="5793"/>
-          <ac:spMkLst>
-            <pc:docMk/>
-            <pc:sldMk cId="0" sldId="650"/>
-            <ac:spMk id="3" creationId="{00000000-0000-0000-0000-000000000000}"/>
-          </ac:spMkLst>
-        </pc:spChg>
-        <pc:spChg chg="del">
-          <ac:chgData name="Lewis, Gareth" userId="0ca0577c-2ada-4abb-9a17-e7a804bbaaa5" providerId="ADAL" clId="{8D276DEB-9ECF-474F-8641-C8D9886C5626}" dt="2019-01-12T14:56:13.650" v="1858" actId="478"/>
-          <ac:spMkLst>
-            <pc:docMk/>
-            <pc:sldMk cId="0" sldId="650"/>
-            <ac:spMk id="4" creationId="{00000000-0000-0000-0000-000000000000}"/>
-          </ac:spMkLst>
-        </pc:spChg>
-      </pc:sldChg>
-      <pc:sldChg chg="add">
-        <pc:chgData name="Lewis, Gareth" userId="0ca0577c-2ada-4abb-9a17-e7a804bbaaa5" providerId="ADAL" clId="{8D276DEB-9ECF-474F-8641-C8D9886C5626}" dt="2019-01-12T14:56:00.137" v="1853"/>
-        <pc:sldMkLst>
-          <pc:docMk/>
-          <pc:sldMk cId="0" sldId="651"/>
-        </pc:sldMkLst>
-      </pc:sldChg>
-      <pc:sldChg chg="add">
-        <pc:chgData name="Lewis, Gareth" userId="0ca0577c-2ada-4abb-9a17-e7a804bbaaa5" providerId="ADAL" clId="{8D276DEB-9ECF-474F-8641-C8D9886C5626}" dt="2019-01-12T14:56:00.137" v="1853"/>
-        <pc:sldMkLst>
-          <pc:docMk/>
-          <pc:sldMk cId="0" sldId="652"/>
-        </pc:sldMkLst>
-      </pc:sldChg>
-      <pc:sldChg chg="modSp add">
-        <pc:chgData name="Lewis, Gareth" userId="0ca0577c-2ada-4abb-9a17-e7a804bbaaa5" providerId="ADAL" clId="{8D276DEB-9ECF-474F-8641-C8D9886C5626}" dt="2019-01-12T14:56:59.098" v="1874" actId="20577"/>
-        <pc:sldMkLst>
-          <pc:docMk/>
-          <pc:sldMk cId="0" sldId="653"/>
-        </pc:sldMkLst>
-        <pc:spChg chg="mod">
-          <ac:chgData name="Lewis, Gareth" userId="0ca0577c-2ada-4abb-9a17-e7a804bbaaa5" providerId="ADAL" clId="{8D276DEB-9ECF-474F-8641-C8D9886C5626}" dt="2019-01-12T14:56:59.098" v="1874" actId="20577"/>
-          <ac:spMkLst>
-            <pc:docMk/>
-            <pc:sldMk cId="0" sldId="653"/>
-            <ac:spMk id="3" creationId="{00000000-0000-0000-0000-000000000000}"/>
-          </ac:spMkLst>
-        </pc:spChg>
-      </pc:sldChg>
-      <pc:sldChg chg="addSp delSp modSp add">
-        <pc:chgData name="Lewis, Gareth" userId="0ca0577c-2ada-4abb-9a17-e7a804bbaaa5" providerId="ADAL" clId="{8D276DEB-9ECF-474F-8641-C8D9886C5626}" dt="2019-01-27T11:31:10.056" v="4346" actId="478"/>
-        <pc:sldMkLst>
-          <pc:docMk/>
-          <pc:sldMk cId="0" sldId="654"/>
-        </pc:sldMkLst>
-        <pc:spChg chg="mod">
-          <ac:chgData name="Lewis, Gareth" userId="0ca0577c-2ada-4abb-9a17-e7a804bbaaa5" providerId="ADAL" clId="{8D276DEB-9ECF-474F-8641-C8D9886C5626}" dt="2019-01-12T14:59:31.970" v="1955" actId="20577"/>
-          <ac:spMkLst>
-            <pc:docMk/>
-            <pc:sldMk cId="0" sldId="654"/>
-            <ac:spMk id="3" creationId="{00000000-0000-0000-0000-000000000000}"/>
-          </ac:spMkLst>
-        </pc:spChg>
-        <pc:spChg chg="mod">
-          <ac:chgData name="Lewis, Gareth" userId="0ca0577c-2ada-4abb-9a17-e7a804bbaaa5" providerId="ADAL" clId="{8D276DEB-9ECF-474F-8641-C8D9886C5626}" dt="2019-01-12T14:57:48.340" v="1946" actId="1035"/>
-          <ac:spMkLst>
-            <pc:docMk/>
-            <pc:sldMk cId="0" sldId="654"/>
-            <ac:spMk id="6" creationId="{00000000-0000-0000-0000-000000000000}"/>
-          </ac:spMkLst>
-        </pc:spChg>
-        <pc:spChg chg="mod">
-          <ac:chgData name="Lewis, Gareth" userId="0ca0577c-2ada-4abb-9a17-e7a804bbaaa5" providerId="ADAL" clId="{8D276DEB-9ECF-474F-8641-C8D9886C5626}" dt="2019-01-12T14:57:43.909" v="1936" actId="1036"/>
-          <ac:spMkLst>
-            <pc:docMk/>
-            <pc:sldMk cId="0" sldId="654"/>
-            <ac:spMk id="9" creationId="{00000000-0000-0000-0000-000000000000}"/>
-          </ac:spMkLst>
-        </pc:spChg>
-        <pc:spChg chg="mod">
-          <ac:chgData name="Lewis, Gareth" userId="0ca0577c-2ada-4abb-9a17-e7a804bbaaa5" providerId="ADAL" clId="{8D276DEB-9ECF-474F-8641-C8D9886C5626}" dt="2019-01-12T14:57:29.291" v="1895" actId="1035"/>
-          <ac:spMkLst>
-            <pc:docMk/>
-            <pc:sldMk cId="0" sldId="654"/>
-            <ac:spMk id="11" creationId="{00000000-0000-0000-0000-000000000000}"/>
-          </ac:spMkLst>
-        </pc:spChg>
-        <pc:grpChg chg="mod">
-          <ac:chgData name="Lewis, Gareth" userId="0ca0577c-2ada-4abb-9a17-e7a804bbaaa5" providerId="ADAL" clId="{8D276DEB-9ECF-474F-8641-C8D9886C5626}" dt="2019-01-14T16:28:18.816" v="3563" actId="207"/>
-          <ac:grpSpMkLst>
-            <pc:docMk/>
-            <pc:sldMk cId="0" sldId="654"/>
-            <ac:grpSpMk id="52" creationId="{00000000-0000-0000-0000-000000000000}"/>
-          </ac:grpSpMkLst>
-        </pc:grpChg>
-        <pc:picChg chg="add del">
-          <ac:chgData name="Lewis, Gareth" userId="0ca0577c-2ada-4abb-9a17-e7a804bbaaa5" providerId="ADAL" clId="{8D276DEB-9ECF-474F-8641-C8D9886C5626}" dt="2019-01-27T11:31:10.056" v="4346" actId="478"/>
-          <ac:picMkLst>
-            <pc:docMk/>
-            <pc:sldMk cId="0" sldId="654"/>
-            <ac:picMk id="2" creationId="{3D132A7C-559C-4BE1-864B-D50C6E33A4CF}"/>
-          </ac:picMkLst>
-        </pc:picChg>
-        <pc:cxnChg chg="mod">
-          <ac:chgData name="Lewis, Gareth" userId="0ca0577c-2ada-4abb-9a17-e7a804bbaaa5" providerId="ADAL" clId="{8D276DEB-9ECF-474F-8641-C8D9886C5626}" dt="2019-01-12T14:57:48.340" v="1946" actId="1035"/>
-          <ac:cxnSpMkLst>
-            <pc:docMk/>
-            <pc:sldMk cId="0" sldId="654"/>
-            <ac:cxnSpMk id="14" creationId="{00000000-0000-0000-0000-000000000000}"/>
-          </ac:cxnSpMkLst>
-        </pc:cxnChg>
-        <pc:cxnChg chg="mod">
-          <ac:chgData name="Lewis, Gareth" userId="0ca0577c-2ada-4abb-9a17-e7a804bbaaa5" providerId="ADAL" clId="{8D276DEB-9ECF-474F-8641-C8D9886C5626}" dt="2019-01-12T14:57:43.909" v="1936" actId="1036"/>
-          <ac:cxnSpMkLst>
-            <pc:docMk/>
-            <pc:sldMk cId="0" sldId="654"/>
-            <ac:cxnSpMk id="15" creationId="{00000000-0000-0000-0000-000000000000}"/>
-          </ac:cxnSpMkLst>
-        </pc:cxnChg>
-        <pc:cxnChg chg="mod">
-          <ac:chgData name="Lewis, Gareth" userId="0ca0577c-2ada-4abb-9a17-e7a804bbaaa5" providerId="ADAL" clId="{8D276DEB-9ECF-474F-8641-C8D9886C5626}" dt="2019-01-12T14:57:29.291" v="1895" actId="1035"/>
-          <ac:cxnSpMkLst>
-            <pc:docMk/>
-            <pc:sldMk cId="0" sldId="654"/>
-            <ac:cxnSpMk id="19" creationId="{00000000-0000-0000-0000-000000000000}"/>
-          </ac:cxnSpMkLst>
-        </pc:cxnChg>
-        <pc:cxnChg chg="mod">
-          <ac:chgData name="Lewis, Gareth" userId="0ca0577c-2ada-4abb-9a17-e7a804bbaaa5" providerId="ADAL" clId="{8D276DEB-9ECF-474F-8641-C8D9886C5626}" dt="2019-01-12T14:57:48.340" v="1946" actId="1035"/>
-          <ac:cxnSpMkLst>
-            <pc:docMk/>
-            <pc:sldMk cId="0" sldId="654"/>
-            <ac:cxnSpMk id="22" creationId="{00000000-0000-0000-0000-000000000000}"/>
-          </ac:cxnSpMkLst>
-        </pc:cxnChg>
-        <pc:cxnChg chg="mod">
-          <ac:chgData name="Lewis, Gareth" userId="0ca0577c-2ada-4abb-9a17-e7a804bbaaa5" providerId="ADAL" clId="{8D276DEB-9ECF-474F-8641-C8D9886C5626}" dt="2019-01-12T14:57:48.340" v="1946" actId="1035"/>
-          <ac:cxnSpMkLst>
-            <pc:docMk/>
-            <pc:sldMk cId="0" sldId="654"/>
-            <ac:cxnSpMk id="25" creationId="{00000000-0000-0000-0000-000000000000}"/>
-          </ac:cxnSpMkLst>
-        </pc:cxnChg>
-        <pc:cxnChg chg="mod">
-          <ac:chgData name="Lewis, Gareth" userId="0ca0577c-2ada-4abb-9a17-e7a804bbaaa5" providerId="ADAL" clId="{8D276DEB-9ECF-474F-8641-C8D9886C5626}" dt="2019-01-12T14:57:43.909" v="1936" actId="1036"/>
-          <ac:cxnSpMkLst>
-            <pc:docMk/>
-            <pc:sldMk cId="0" sldId="654"/>
-            <ac:cxnSpMk id="28" creationId="{00000000-0000-0000-0000-000000000000}"/>
-          </ac:cxnSpMkLst>
-        </pc:cxnChg>
-        <pc:cxnChg chg="mod">
-          <ac:chgData name="Lewis, Gareth" userId="0ca0577c-2ada-4abb-9a17-e7a804bbaaa5" providerId="ADAL" clId="{8D276DEB-9ECF-474F-8641-C8D9886C5626}" dt="2019-01-12T14:57:29.291" v="1895" actId="1035"/>
-          <ac:cxnSpMkLst>
-            <pc:docMk/>
-            <pc:sldMk cId="0" sldId="654"/>
-            <ac:cxnSpMk id="32" creationId="{00000000-0000-0000-0000-000000000000}"/>
-          </ac:cxnSpMkLst>
-        </pc:cxnChg>
-      </pc:sldChg>
-      <pc:sldChg chg="modSp add">
-        <pc:chgData name="Lewis, Gareth" userId="0ca0577c-2ada-4abb-9a17-e7a804bbaaa5" providerId="ADAL" clId="{8D276DEB-9ECF-474F-8641-C8D9886C5626}" dt="2019-01-27T11:12:18.412" v="3883" actId="6549"/>
-        <pc:sldMkLst>
-          <pc:docMk/>
-          <pc:sldMk cId="0" sldId="655"/>
-        </pc:sldMkLst>
-        <pc:spChg chg="mod">
-          <ac:chgData name="Lewis, Gareth" userId="0ca0577c-2ada-4abb-9a17-e7a804bbaaa5" providerId="ADAL" clId="{8D276DEB-9ECF-474F-8641-C8D9886C5626}" dt="2019-01-27T11:12:18.412" v="3883" actId="6549"/>
-          <ac:spMkLst>
-            <pc:docMk/>
-            <pc:sldMk cId="0" sldId="655"/>
-            <ac:spMk id="3" creationId="{00000000-0000-0000-0000-000000000000}"/>
-          </ac:spMkLst>
-        </pc:spChg>
-      </pc:sldChg>
-      <pc:sldChg chg="addSp modSp add">
-        <pc:chgData name="Lewis, Gareth" userId="0ca0577c-2ada-4abb-9a17-e7a804bbaaa5" providerId="ADAL" clId="{8D276DEB-9ECF-474F-8641-C8D9886C5626}" dt="2019-01-27T11:28:25.328" v="4344" actId="164"/>
-        <pc:sldMkLst>
-          <pc:docMk/>
-          <pc:sldMk cId="0" sldId="674"/>
-        </pc:sldMkLst>
-        <pc:spChg chg="mod">
-          <ac:chgData name="Lewis, Gareth" userId="0ca0577c-2ada-4abb-9a17-e7a804bbaaa5" providerId="ADAL" clId="{8D276DEB-9ECF-474F-8641-C8D9886C5626}" dt="2019-01-12T14:57:06.452" v="1875"/>
-          <ac:spMkLst>
-            <pc:docMk/>
-            <pc:sldMk cId="0" sldId="674"/>
-            <ac:spMk id="3" creationId="{00000000-0000-0000-0000-000000000000}"/>
-          </ac:spMkLst>
-        </pc:spChg>
-        <pc:spChg chg="mod">
-          <ac:chgData name="Lewis, Gareth" userId="0ca0577c-2ada-4abb-9a17-e7a804bbaaa5" providerId="ADAL" clId="{8D276DEB-9ECF-474F-8641-C8D9886C5626}" dt="2019-01-12T14:56:39.756" v="1859" actId="6549"/>
-          <ac:spMkLst>
-            <pc:docMk/>
-            <pc:sldMk cId="0" sldId="674"/>
-            <ac:spMk id="15" creationId="{00000000-0000-0000-0000-000000000000}"/>
-          </ac:spMkLst>
-        </pc:spChg>
-        <pc:grpChg chg="add mod">
-          <ac:chgData name="Lewis, Gareth" userId="0ca0577c-2ada-4abb-9a17-e7a804bbaaa5" providerId="ADAL" clId="{8D276DEB-9ECF-474F-8641-C8D9886C5626}" dt="2019-01-27T11:28:25.328" v="4344" actId="164"/>
-          <ac:grpSpMkLst>
-            <pc:docMk/>
-            <pc:sldMk cId="0" sldId="674"/>
-            <ac:grpSpMk id="2" creationId="{3E0163F3-BCD6-4844-BFFC-CACB8A626BDC}"/>
-          </ac:grpSpMkLst>
-        </pc:grpChg>
-        <pc:grpChg chg="mod">
-          <ac:chgData name="Lewis, Gareth" userId="0ca0577c-2ada-4abb-9a17-e7a804bbaaa5" providerId="ADAL" clId="{8D276DEB-9ECF-474F-8641-C8D9886C5626}" dt="2019-01-27T11:28:25.328" v="4344" actId="164"/>
-          <ac:grpSpMkLst>
-            <pc:docMk/>
-            <pc:sldMk cId="0" sldId="674"/>
-            <ac:grpSpMk id="4" creationId="{00000000-0000-0000-0000-000000000000}"/>
-          </ac:grpSpMkLst>
-        </pc:grpChg>
-        <pc:grpChg chg="mod">
-          <ac:chgData name="Lewis, Gareth" userId="0ca0577c-2ada-4abb-9a17-e7a804bbaaa5" providerId="ADAL" clId="{8D276DEB-9ECF-474F-8641-C8D9886C5626}" dt="2019-01-27T11:28:25.328" v="4344" actId="164"/>
-          <ac:grpSpMkLst>
-            <pc:docMk/>
-            <pc:sldMk cId="0" sldId="674"/>
-            <ac:grpSpMk id="6" creationId="{00000000-0000-0000-0000-000000000000}"/>
-          </ac:grpSpMkLst>
-        </pc:grpChg>
-        <pc:grpChg chg="mod">
-          <ac:chgData name="Lewis, Gareth" userId="0ca0577c-2ada-4abb-9a17-e7a804bbaaa5" providerId="ADAL" clId="{8D276DEB-9ECF-474F-8641-C8D9886C5626}" dt="2019-01-27T11:28:25.328" v="4344" actId="164"/>
-          <ac:grpSpMkLst>
-            <pc:docMk/>
-            <pc:sldMk cId="0" sldId="674"/>
-            <ac:grpSpMk id="7" creationId="{00000000-0000-0000-0000-000000000000}"/>
-          </ac:grpSpMkLst>
-        </pc:grpChg>
-        <pc:cxnChg chg="mod">
-          <ac:chgData name="Lewis, Gareth" userId="0ca0577c-2ada-4abb-9a17-e7a804bbaaa5" providerId="ADAL" clId="{8D276DEB-9ECF-474F-8641-C8D9886C5626}" dt="2019-01-27T11:28:25.328" v="4344" actId="164"/>
-          <ac:cxnSpMkLst>
-            <pc:docMk/>
-            <pc:sldMk cId="0" sldId="674"/>
-            <ac:cxnSpMk id="8" creationId="{00000000-0000-0000-0000-000000000000}"/>
-          </ac:cxnSpMkLst>
-        </pc:cxnChg>
-        <pc:cxnChg chg="mod">
-          <ac:chgData name="Lewis, Gareth" userId="0ca0577c-2ada-4abb-9a17-e7a804bbaaa5" providerId="ADAL" clId="{8D276DEB-9ECF-474F-8641-C8D9886C5626}" dt="2019-01-27T11:28:25.328" v="4344" actId="164"/>
-          <ac:cxnSpMkLst>
-            <pc:docMk/>
-            <pc:sldMk cId="0" sldId="674"/>
-            <ac:cxnSpMk id="10" creationId="{00000000-0000-0000-0000-000000000000}"/>
-          </ac:cxnSpMkLst>
-        </pc:cxnChg>
-      </pc:sldChg>
-      <pc:sldChg chg="add">
-        <pc:chgData name="Lewis, Gareth" userId="0ca0577c-2ada-4abb-9a17-e7a804bbaaa5" providerId="ADAL" clId="{8D276DEB-9ECF-474F-8641-C8D9886C5626}" dt="2019-01-12T14:56:05.994" v="1854"/>
-        <pc:sldMkLst>
-          <pc:docMk/>
-          <pc:sldMk cId="950631406" sldId="675"/>
-        </pc:sldMkLst>
-      </pc:sldChg>
-      <pc:sldChg chg="modSp add">
-        <pc:chgData name="Lewis, Gareth" userId="0ca0577c-2ada-4abb-9a17-e7a804bbaaa5" providerId="ADAL" clId="{8D276DEB-9ECF-474F-8641-C8D9886C5626}" dt="2019-01-27T11:13:01.606" v="3886" actId="20577"/>
-        <pc:sldMkLst>
-          <pc:docMk/>
-          <pc:sldMk cId="136285698" sldId="676"/>
-        </pc:sldMkLst>
-        <pc:spChg chg="mod">
-          <ac:chgData name="Lewis, Gareth" userId="0ca0577c-2ada-4abb-9a17-e7a804bbaaa5" providerId="ADAL" clId="{8D276DEB-9ECF-474F-8641-C8D9886C5626}" dt="2019-01-27T11:13:01.606" v="3886" actId="20577"/>
-          <ac:spMkLst>
-            <pc:docMk/>
-            <pc:sldMk cId="136285698" sldId="676"/>
-            <ac:spMk id="3" creationId="{00000000-0000-0000-0000-000000000000}"/>
-          </ac:spMkLst>
-        </pc:spChg>
-      </pc:sldChg>
-      <pc:sldChg chg="modSp add">
-        <pc:chgData name="Lewis, Gareth" userId="0ca0577c-2ada-4abb-9a17-e7a804bbaaa5" providerId="ADAL" clId="{8D276DEB-9ECF-474F-8641-C8D9886C5626}" dt="2019-01-27T11:19:05.723" v="4343" actId="15"/>
-        <pc:sldMkLst>
-          <pc:docMk/>
-          <pc:sldMk cId="2688635824" sldId="677"/>
-        </pc:sldMkLst>
-        <pc:spChg chg="mod">
-          <ac:chgData name="Lewis, Gareth" userId="0ca0577c-2ada-4abb-9a17-e7a804bbaaa5" providerId="ADAL" clId="{8D276DEB-9ECF-474F-8641-C8D9886C5626}" dt="2019-01-27T11:19:05.723" v="4343" actId="15"/>
-          <ac:spMkLst>
-            <pc:docMk/>
-            <pc:sldMk cId="2688635824" sldId="677"/>
-            <ac:spMk id="3" creationId="{00000000-0000-0000-0000-000000000000}"/>
-          </ac:spMkLst>
-        </pc:spChg>
-      </pc:sldChg>
-      <pc:sldChg chg="modSp add ord">
-        <pc:chgData name="Lewis, Gareth" userId="0ca0577c-2ada-4abb-9a17-e7a804bbaaa5" providerId="ADAL" clId="{8D276DEB-9ECF-474F-8641-C8D9886C5626}" dt="2019-01-12T15:05:55.641" v="2160" actId="6549"/>
-        <pc:sldMkLst>
-          <pc:docMk/>
-          <pc:sldMk cId="689368450" sldId="678"/>
-        </pc:sldMkLst>
-        <pc:spChg chg="mod">
-          <ac:chgData name="Lewis, Gareth" userId="0ca0577c-2ada-4abb-9a17-e7a804bbaaa5" providerId="ADAL" clId="{8D276DEB-9ECF-474F-8641-C8D9886C5626}" dt="2019-01-12T15:05:55.641" v="2160" actId="6549"/>
-          <ac:spMkLst>
-            <pc:docMk/>
-            <pc:sldMk cId="689368450" sldId="678"/>
-            <ac:spMk id="3" creationId="{00000000-0000-0000-0000-000000000000}"/>
-          </ac:spMkLst>
-        </pc:spChg>
-      </pc:sldChg>
-      <pc:sldChg chg="modSp add">
-        <pc:chgData name="Lewis, Gareth" userId="0ca0577c-2ada-4abb-9a17-e7a804bbaaa5" providerId="ADAL" clId="{8D276DEB-9ECF-474F-8641-C8D9886C5626}" dt="2019-01-12T15:07:17.762" v="2410" actId="20577"/>
-        <pc:sldMkLst>
-          <pc:docMk/>
-          <pc:sldMk cId="262335432" sldId="679"/>
-        </pc:sldMkLst>
-        <pc:spChg chg="mod">
-          <ac:chgData name="Lewis, Gareth" userId="0ca0577c-2ada-4abb-9a17-e7a804bbaaa5" providerId="ADAL" clId="{8D276DEB-9ECF-474F-8641-C8D9886C5626}" dt="2019-01-12T15:07:17.762" v="2410" actId="20577"/>
-          <ac:spMkLst>
-            <pc:docMk/>
-            <pc:sldMk cId="262335432" sldId="679"/>
-            <ac:spMk id="3" creationId="{00000000-0000-0000-0000-000000000000}"/>
-          </ac:spMkLst>
-        </pc:spChg>
-      </pc:sldChg>
-      <pc:sldChg chg="modSp add">
-        <pc:chgData name="Lewis, Gareth" userId="0ca0577c-2ada-4abb-9a17-e7a804bbaaa5" providerId="ADAL" clId="{8D276DEB-9ECF-474F-8641-C8D9886C5626}" dt="2019-01-12T15:08:24.422" v="2514" actId="20577"/>
-        <pc:sldMkLst>
-          <pc:docMk/>
-          <pc:sldMk cId="1883771542" sldId="680"/>
-        </pc:sldMkLst>
-        <pc:spChg chg="mod">
-          <ac:chgData name="Lewis, Gareth" userId="0ca0577c-2ada-4abb-9a17-e7a804bbaaa5" providerId="ADAL" clId="{8D276DEB-9ECF-474F-8641-C8D9886C5626}" dt="2019-01-12T15:08:24.422" v="2514" actId="20577"/>
-          <ac:spMkLst>
-            <pc:docMk/>
-            <pc:sldMk cId="1883771542" sldId="680"/>
-            <ac:spMk id="3" creationId="{00000000-0000-0000-0000-000000000000}"/>
-          </ac:spMkLst>
-        </pc:spChg>
-      </pc:sldChg>
-      <pc:sldChg chg="modSp add">
-        <pc:chgData name="Lewis, Gareth" userId="0ca0577c-2ada-4abb-9a17-e7a804bbaaa5" providerId="ADAL" clId="{8D276DEB-9ECF-474F-8641-C8D9886C5626}" dt="2019-01-27T11:15:01.299" v="3941" actId="20577"/>
-        <pc:sldMkLst>
-          <pc:docMk/>
-          <pc:sldMk cId="2824904003" sldId="681"/>
-        </pc:sldMkLst>
-        <pc:spChg chg="mod">
-          <ac:chgData name="Lewis, Gareth" userId="0ca0577c-2ada-4abb-9a17-e7a804bbaaa5" providerId="ADAL" clId="{8D276DEB-9ECF-474F-8641-C8D9886C5626}" dt="2019-01-27T11:15:01.299" v="3941" actId="20577"/>
-          <ac:spMkLst>
-            <pc:docMk/>
-            <pc:sldMk cId="2824904003" sldId="681"/>
-            <ac:spMk id="3" creationId="{00000000-0000-0000-0000-000000000000}"/>
-          </ac:spMkLst>
-        </pc:spChg>
-      </pc:sldChg>
-      <pc:sldChg chg="modSp add">
-        <pc:chgData name="Lewis, Gareth" userId="0ca0577c-2ada-4abb-9a17-e7a804bbaaa5" providerId="ADAL" clId="{8D276DEB-9ECF-474F-8641-C8D9886C5626}" dt="2019-01-27T11:08:25.406" v="3826" actId="6549"/>
-        <pc:sldMkLst>
-          <pc:docMk/>
-          <pc:sldMk cId="2578447533" sldId="682"/>
-        </pc:sldMkLst>
-        <pc:spChg chg="mod">
-          <ac:chgData name="Lewis, Gareth" userId="0ca0577c-2ada-4abb-9a17-e7a804bbaaa5" providerId="ADAL" clId="{8D276DEB-9ECF-474F-8641-C8D9886C5626}" dt="2019-01-27T11:08:25.406" v="3826" actId="6549"/>
-          <ac:spMkLst>
-            <pc:docMk/>
-            <pc:sldMk cId="2578447533" sldId="682"/>
-            <ac:spMk id="3" creationId="{00000000-0000-0000-0000-000000000000}"/>
-          </ac:spMkLst>
-        </pc:spChg>
-      </pc:sldChg>
-      <pc:sldChg chg="modSp add">
-        <pc:chgData name="Lewis, Gareth" userId="0ca0577c-2ada-4abb-9a17-e7a804bbaaa5" providerId="ADAL" clId="{8D276DEB-9ECF-474F-8641-C8D9886C5626}" dt="2019-01-27T11:13:55.453" v="3908" actId="20577"/>
-        <pc:sldMkLst>
-          <pc:docMk/>
-          <pc:sldMk cId="1395622730" sldId="683"/>
-        </pc:sldMkLst>
-        <pc:spChg chg="mod">
-          <ac:chgData name="Lewis, Gareth" userId="0ca0577c-2ada-4abb-9a17-e7a804bbaaa5" providerId="ADAL" clId="{8D276DEB-9ECF-474F-8641-C8D9886C5626}" dt="2019-01-27T11:13:55.453" v="3908" actId="20577"/>
-          <ac:spMkLst>
-            <pc:docMk/>
-            <pc:sldMk cId="1395622730" sldId="683"/>
-            <ac:spMk id="3" creationId="{00000000-0000-0000-0000-000000000000}"/>
-          </ac:spMkLst>
-        </pc:spChg>
-      </pc:sldChg>
-      <pc:sldChg chg="modSp add">
-        <pc:chgData name="Lewis, Gareth" userId="0ca0577c-2ada-4abb-9a17-e7a804bbaaa5" providerId="ADAL" clId="{8D276DEB-9ECF-474F-8641-C8D9886C5626}" dt="2019-01-27T11:16:57.127" v="4145" actId="20577"/>
-        <pc:sldMkLst>
-          <pc:docMk/>
-          <pc:sldMk cId="1144748300" sldId="684"/>
-        </pc:sldMkLst>
-        <pc:spChg chg="mod">
-          <ac:chgData name="Lewis, Gareth" userId="0ca0577c-2ada-4abb-9a17-e7a804bbaaa5" providerId="ADAL" clId="{8D276DEB-9ECF-474F-8641-C8D9886C5626}" dt="2019-01-27T11:16:57.127" v="4145" actId="20577"/>
-          <ac:spMkLst>
-            <pc:docMk/>
-            <pc:sldMk cId="1144748300" sldId="684"/>
-            <ac:spMk id="3" creationId="{00000000-0000-0000-0000-000000000000}"/>
-          </ac:spMkLst>
-        </pc:spChg>
-      </pc:sldChg>
-      <pc:sldMasterChg chg="modSldLayout">
-        <pc:chgData name="Lewis, Gareth" userId="0ca0577c-2ada-4abb-9a17-e7a804bbaaa5" providerId="ADAL" clId="{8D276DEB-9ECF-474F-8641-C8D9886C5626}" dt="2019-01-12T15:07:46.816" v="2422" actId="207"/>
-        <pc:sldMasterMkLst>
-          <pc:docMk/>
-          <pc:sldMasterMk cId="0" sldId="2147483648"/>
-        </pc:sldMasterMkLst>
-        <pc:sldLayoutChg chg="modSp">
-          <pc:chgData name="Lewis, Gareth" userId="0ca0577c-2ada-4abb-9a17-e7a804bbaaa5" providerId="ADAL" clId="{8D276DEB-9ECF-474F-8641-C8D9886C5626}" dt="2019-01-12T15:07:46.816" v="2422" actId="207"/>
-          <pc:sldLayoutMkLst>
-            <pc:docMk/>
-            <pc:sldMasterMk cId="0" sldId="2147483648"/>
-            <pc:sldLayoutMk cId="4274630231" sldId="2147483672"/>
-          </pc:sldLayoutMkLst>
-          <pc:spChg chg="mod">
-            <ac:chgData name="Lewis, Gareth" userId="0ca0577c-2ada-4abb-9a17-e7a804bbaaa5" providerId="ADAL" clId="{8D276DEB-9ECF-474F-8641-C8D9886C5626}" dt="2019-01-12T15:07:46.816" v="2422" actId="207"/>
-            <ac:spMkLst>
-              <pc:docMk/>
-              <pc:sldMasterMk cId="0" sldId="2147483648"/>
-              <pc:sldLayoutMk cId="4274630231" sldId="2147483672"/>
-              <ac:spMk id="3" creationId="{00000000-0000-0000-0000-000000000000}"/>
-            </ac:spMkLst>
-          </pc:spChg>
-        </pc:sldLayoutChg>
-      </pc:sldMasterChg>
-    </pc:docChg>
   </pc:docChgLst>
 </pc:chgInfo>
 </file>
@@ -960,7 +245,7 @@
             <a:fld id="{134C908B-E4CF-4B88-8994-49C91B4DAC10}" type="datetimeFigureOut">
               <a:rPr lang="en-US" smtClean="0"/>
               <a:pPr/>
-              <a:t>9/23/19</a:t>
+              <a:t>9/24/19</a:t>
             </a:fld>
             <a:endParaRPr lang="en-US"/>
           </a:p>
@@ -1122,7 +407,7 @@
             <a:fld id="{FCD4ED34-E2A7-4A73-B53B-08CB721EE63F}" type="datetimeFigureOut">
               <a:rPr lang="en-US" smtClean="0"/>
               <a:pPr/>
-              <a:t>9/23/19</a:t>
+              <a:t>9/24/19</a:t>
             </a:fld>
             <a:endParaRPr lang="en-GB"/>
           </a:p>
@@ -1585,7 +870,7 @@
             <a:fld id="{24C0EDFE-3590-4448-BF7B-7FB41E82085F}" type="datetimeFigureOut">
               <a:rPr lang="en-US" smtClean="0"/>
               <a:pPr/>
-              <a:t>9/23/19</a:t>
+              <a:t>9/24/19</a:t>
             </a:fld>
             <a:endParaRPr lang="en-US" dirty="0"/>
           </a:p>
@@ -1774,7 +1059,7 @@
             <a:fld id="{24C0EDFE-3590-4448-BF7B-7FB41E82085F}" type="datetimeFigureOut">
               <a:rPr lang="en-US" smtClean="0"/>
               <a:pPr/>
-              <a:t>9/23/19</a:t>
+              <a:t>9/24/19</a:t>
             </a:fld>
             <a:endParaRPr lang="en-US" dirty="0"/>
           </a:p>
@@ -1952,7 +1237,7 @@
             <a:fld id="{24C0EDFE-3590-4448-BF7B-7FB41E82085F}" type="datetimeFigureOut">
               <a:rPr lang="en-US" smtClean="0"/>
               <a:pPr/>
-              <a:t>9/23/19</a:t>
+              <a:t>9/24/19</a:t>
             </a:fld>
             <a:endParaRPr lang="en-US" dirty="0"/>
           </a:p>
@@ -2201,7 +1486,7 @@
             <a:fld id="{24C0EDFE-3590-4448-BF7B-7FB41E82085F}" type="datetimeFigureOut">
               <a:rPr lang="en-US" smtClean="0"/>
               <a:pPr/>
-              <a:t>9/23/19</a:t>
+              <a:t>9/24/19</a:t>
             </a:fld>
             <a:endParaRPr lang="en-US" dirty="0"/>
           </a:p>
@@ -2523,7 +1808,7 @@
             <a:fld id="{24C0EDFE-3590-4448-BF7B-7FB41E82085F}" type="datetimeFigureOut">
               <a:rPr lang="en-US" smtClean="0"/>
               <a:pPr/>
-              <a:t>9/23/19</a:t>
+              <a:t>9/24/19</a:t>
             </a:fld>
             <a:endParaRPr lang="en-US" dirty="0"/>
           </a:p>
@@ -2829,7 +2114,7 @@
             <a:fld id="{24C0EDFE-3590-4448-BF7B-7FB41E82085F}" type="datetimeFigureOut">
               <a:rPr lang="en-US" smtClean="0"/>
               <a:pPr/>
-              <a:t>9/23/19</a:t>
+              <a:t>9/24/19</a:t>
             </a:fld>
             <a:endParaRPr lang="en-US" dirty="0"/>
           </a:p>
@@ -3253,7 +2538,7 @@
             <a:fld id="{24C0EDFE-3590-4448-BF7B-7FB41E82085F}" type="datetimeFigureOut">
               <a:rPr lang="en-US" smtClean="0"/>
               <a:pPr/>
-              <a:t>9/23/19</a:t>
+              <a:t>9/24/19</a:t>
             </a:fld>
             <a:endParaRPr lang="en-US" dirty="0"/>
           </a:p>
@@ -3375,7 +2660,7 @@
             <a:fld id="{24C0EDFE-3590-4448-BF7B-7FB41E82085F}" type="datetimeFigureOut">
               <a:rPr lang="en-US" smtClean="0"/>
               <a:pPr/>
-              <a:t>9/23/19</a:t>
+              <a:t>9/24/19</a:t>
             </a:fld>
             <a:endParaRPr lang="en-US" dirty="0"/>
           </a:p>
@@ -3467,7 +2752,7 @@
             <a:fld id="{24C0EDFE-3590-4448-BF7B-7FB41E82085F}" type="datetimeFigureOut">
               <a:rPr lang="en-US" smtClean="0"/>
               <a:pPr/>
-              <a:t>9/23/19</a:t>
+              <a:t>9/24/19</a:t>
             </a:fld>
             <a:endParaRPr lang="en-US" dirty="0"/>
           </a:p>
@@ -3742,7 +3027,7 @@
             <a:fld id="{24C0EDFE-3590-4448-BF7B-7FB41E82085F}" type="datetimeFigureOut">
               <a:rPr lang="en-US" smtClean="0"/>
               <a:pPr/>
-              <a:t>9/23/19</a:t>
+              <a:t>9/24/19</a:t>
             </a:fld>
             <a:endParaRPr lang="en-US" dirty="0"/>
           </a:p>
@@ -3994,7 +3279,7 @@
             <a:fld id="{24C0EDFE-3590-4448-BF7B-7FB41E82085F}" type="datetimeFigureOut">
               <a:rPr lang="en-US" smtClean="0"/>
               <a:pPr/>
-              <a:t>9/23/19</a:t>
+              <a:t>9/24/19</a:t>
             </a:fld>
             <a:endParaRPr lang="en-US" dirty="0"/>
           </a:p>
@@ -4171,7 +3456,7 @@
             <a:fld id="{24C0EDFE-3590-4448-BF7B-7FB41E82085F}" type="datetimeFigureOut">
               <a:rPr lang="en-US" smtClean="0"/>
               <a:pPr/>
-              <a:t>9/23/19</a:t>
+              <a:t>9/24/19</a:t>
             </a:fld>
             <a:endParaRPr lang="en-US" dirty="0"/>
           </a:p>
@@ -5053,6 +4338,103 @@
           </a:bodyPr>
           <a:lstStyle/>
           <a:p>
+            <a:r>
+              <a:rPr lang="en-GB" dirty="0"/>
+              <a:t>A note on teamwork</a:t>
+            </a:r>
+          </a:p>
+          <a:p>
+            <a:pPr lvl="1"/>
+            <a:endParaRPr lang="en-GB" dirty="0"/>
+          </a:p>
+          <a:p>
+            <a:pPr lvl="1"/>
+            <a:endParaRPr lang="en-GB" dirty="0"/>
+          </a:p>
+        </p:txBody>
+      </p:sp>
+      <p:pic>
+        <p:nvPicPr>
+          <p:cNvPr id="2" name="Picture 1">
+            <a:extLst>
+              <a:ext uri="{FF2B5EF4-FFF2-40B4-BE49-F238E27FC236}">
+                <a16:creationId xmlns:a16="http://schemas.microsoft.com/office/drawing/2014/main" id="{D8F0BABB-6A46-0941-82F6-CD9A1B6A0FC4}"/>
+              </a:ext>
+            </a:extLst>
+          </p:cNvPr>
+          <p:cNvPicPr>
+            <a:picLocks noChangeAspect="1"/>
+          </p:cNvPicPr>
+          <p:nvPr/>
+        </p:nvPicPr>
+        <p:blipFill>
+          <a:blip r:embed="rId2"/>
+          <a:stretch>
+            <a:fillRect/>
+          </a:stretch>
+        </p:blipFill>
+        <p:spPr>
+          <a:xfrm>
+            <a:off x="0" y="1331560"/>
+            <a:ext cx="9144000" cy="4617720"/>
+          </a:xfrm>
+          <a:prstGeom prst="rect">
+            <a:avLst/>
+          </a:prstGeom>
+        </p:spPr>
+      </p:pic>
+    </p:spTree>
+    <p:extLst>
+      <p:ext uri="{BB962C8B-B14F-4D97-AF65-F5344CB8AC3E}">
+        <p14:creationId xmlns:p14="http://schemas.microsoft.com/office/powerpoint/2010/main" val="3909483698"/>
+      </p:ext>
+    </p:extLst>
+  </p:cSld>
+  <p:clrMapOvr>
+    <a:masterClrMapping/>
+  </p:clrMapOvr>
+</p:sld>
+</file>
+
+<file path=ppt/slides/slide12.xml><?xml version="1.0" encoding="utf-8"?>
+<p:sld xmlns:a="http://schemas.openxmlformats.org/drawingml/2006/main" xmlns:r="http://schemas.openxmlformats.org/officeDocument/2006/relationships" xmlns:p="http://schemas.openxmlformats.org/presentationml/2006/main">
+  <p:cSld>
+    <p:spTree>
+      <p:nvGrpSpPr>
+        <p:cNvPr id="1" name=""/>
+        <p:cNvGrpSpPr/>
+        <p:nvPr/>
+      </p:nvGrpSpPr>
+      <p:grpSpPr>
+        <a:xfrm>
+          <a:off x="0" y="0"/>
+          <a:ext cx="0" cy="0"/>
+          <a:chOff x="0" y="0"/>
+          <a:chExt cx="0" cy="0"/>
+        </a:xfrm>
+      </p:grpSpPr>
+      <p:sp>
+        <p:nvSpPr>
+          <p:cNvPr id="3" name="Content Placeholder 2"/>
+          <p:cNvSpPr>
+            <a:spLocks noGrp="1"/>
+          </p:cNvSpPr>
+          <p:nvPr>
+            <p:ph idx="1"/>
+          </p:nvPr>
+        </p:nvSpPr>
+        <p:spPr>
+          <a:xfrm>
+            <a:off x="457200" y="548680"/>
+            <a:ext cx="8229600" cy="6192688"/>
+          </a:xfrm>
+        </p:spPr>
+        <p:txBody>
+          <a:bodyPr>
+            <a:normAutofit/>
+          </a:bodyPr>
+          <a:lstStyle/>
+          <a:p>
             <a:endParaRPr lang="en-GB" dirty="0"/>
           </a:p>
           <a:p>
@@ -5083,7 +4465,7 @@
     </p:spTree>
     <p:extLst>
       <p:ext uri="{BB962C8B-B14F-4D97-AF65-F5344CB8AC3E}">
-        <p14:creationId xmlns:p14="http://schemas.microsoft.com/office/powerpoint/2010/main" val="3909483698"/>
+        <p14:creationId xmlns:p14="http://schemas.microsoft.com/office/powerpoint/2010/main" val="3021349912"/>
       </p:ext>
     </p:extLst>
   </p:cSld>
